--- a/docs/Microsoft-AzureML-신라대학교-핸드아웃.pptx
+++ b/docs/Microsoft-AzureML-신라대학교-핸드아웃.pptx
@@ -47,9 +47,12 @@
   <p:notesSz cx="6797675" cy="9926638"/>
   <p:embeddedFontLst>
     <p:embeddedFont>
-      <p:font typeface="Gadugi" panose="020B0502040204020203" pitchFamily="34" charset="0"/>
+      <p:font typeface="KoPubDotum Medium" panose="02020603020101020101" pitchFamily="18" charset="-127"/>
       <p:regular r:id="rId37"/>
-      <p:bold r:id="rId38"/>
+    </p:embeddedFont>
+    <p:embeddedFont>
+      <p:font typeface="KoPub돋움체 Bold" panose="02020603020101020101" pitchFamily="18" charset="-127"/>
+      <p:regular r:id="rId38"/>
     </p:embeddedFont>
     <p:embeddedFont>
       <p:font typeface="Segoe UI Light" panose="020B0502040204020203" pitchFamily="34" charset="0"/>
@@ -57,45 +60,42 @@
       <p:italic r:id="rId40"/>
     </p:embeddedFont>
     <p:embeddedFont>
-      <p:font typeface="KoPubDotum Medium" panose="02020603020101020101" pitchFamily="18" charset="-127"/>
+      <p:font typeface="맑은 고딕" panose="020B0503020000020004" pitchFamily="50" charset="-127"/>
       <p:regular r:id="rId41"/>
+      <p:bold r:id="rId42"/>
     </p:embeddedFont>
     <p:embeddedFont>
-      <p:font typeface="Roboto Thin Italic" pitchFamily="2" charset="0"/>
-      <p:italic r:id="rId42"/>
+      <p:font typeface="나눔고딕" panose="020D0604000000000000" pitchFamily="50" charset="-127"/>
+      <p:regular r:id="rId43"/>
+      <p:bold r:id="rId44"/>
+    </p:embeddedFont>
+    <p:embeddedFont>
+      <p:font typeface="KoPub돋움체 Medium" panose="02020603020101020101" pitchFamily="18" charset="-127"/>
+      <p:regular r:id="rId45"/>
+    </p:embeddedFont>
+    <p:embeddedFont>
+      <p:font typeface="KoPubDotum Bold" panose="02020603020101020101" pitchFamily="18" charset="-127"/>
+      <p:regular r:id="rId46"/>
     </p:embeddedFont>
     <p:embeddedFont>
       <p:font typeface="Segoe UI" panose="020B0502040204020203" pitchFamily="34" charset="0"/>
-      <p:regular r:id="rId43"/>
-      <p:bold r:id="rId44"/>
-      <p:italic r:id="rId45"/>
-      <p:boldItalic r:id="rId46"/>
+      <p:regular r:id="rId47"/>
+      <p:bold r:id="rId48"/>
+      <p:italic r:id="rId49"/>
+      <p:boldItalic r:id="rId50"/>
     </p:embeddedFont>
     <p:embeddedFont>
-      <p:font typeface="맑은 고딕" panose="020B0503020000020004" pitchFamily="50" charset="-127"/>
-      <p:regular r:id="rId47"/>
-      <p:bold r:id="rId48"/>
-    </p:embeddedFont>
-    <p:embeddedFont>
-      <p:font typeface="나눔고딕 ExtraBold" panose="020D0904000000000000" pitchFamily="50" charset="-127"/>
-      <p:bold r:id="rId49"/>
-    </p:embeddedFont>
-    <p:embeddedFont>
-      <p:font typeface="KoPubDotum Bold" panose="02020603020101020101" pitchFamily="18" charset="-127"/>
-      <p:regular r:id="rId50"/>
-    </p:embeddedFont>
-    <p:embeddedFont>
-      <p:font typeface="나눔고딕" panose="020D0604000000000000" pitchFamily="50" charset="-127"/>
+      <p:font typeface="Gadugi" panose="020B0502040204020203" pitchFamily="34" charset="0"/>
       <p:regular r:id="rId51"/>
       <p:bold r:id="rId52"/>
     </p:embeddedFont>
     <p:embeddedFont>
-      <p:font typeface="KoPub돋움체 Bold" panose="02020603020101020101" pitchFamily="18" charset="-127"/>
-      <p:regular r:id="rId53"/>
+      <p:font typeface="Roboto Thin Italic" pitchFamily="2" charset="0"/>
+      <p:italic r:id="rId53"/>
     </p:embeddedFont>
     <p:embeddedFont>
-      <p:font typeface="KoPub돋움체 Medium" panose="02020603020101020101" pitchFamily="18" charset="-127"/>
-      <p:regular r:id="rId54"/>
+      <p:font typeface="나눔고딕 ExtraBold" panose="020D0904000000000000" pitchFamily="50" charset="-127"/>
+      <p:bold r:id="rId54"/>
     </p:embeddedFont>
   </p:embeddedFontLst>
   <p:defaultTextStyle>
@@ -1151,7 +1151,7 @@
                 <a:ea typeface="굴림" panose="020B0600000101010101" pitchFamily="50" charset="-127"/>
               </a:rPr>
               <a:pPr/>
-              <a:t>10/30/2017</a:t>
+              <a:t>11/2/2017</a:t>
             </a:fld>
             <a:endParaRPr lang="en-US" altLang="ko-KR">
               <a:ea typeface="굴림" panose="020B0600000101010101" pitchFamily="50" charset="-127"/>
@@ -5830,7 +5830,7 @@
               <a:pPr>
                 <a:defRPr/>
               </a:pPr>
-              <a:t>30/10/2017</a:t>
+              <a:t>02/11/2017</a:t>
             </a:fld>
             <a:endParaRPr lang="en-GB" altLang="ko-KR"/>
           </a:p>
@@ -8065,8 +8065,8 @@
         </p:nvSpPr>
         <p:spPr bwMode="auto">
           <a:xfrm>
-            <a:off x="1357932" y="4841776"/>
-            <a:ext cx="21764625" cy="2708434"/>
+            <a:off x="1357932" y="4164668"/>
+            <a:ext cx="21764625" cy="4062651"/>
           </a:xfrm>
           <a:prstGeom prst="rect">
             <a:avLst/>
@@ -8147,6 +8147,22 @@
                 <a:latin typeface="+mn-lt"/>
               </a:rPr>
               <a:t>Azure Machine Learning </a:t>
+            </a:r>
+          </a:p>
+          <a:p>
+            <a:pPr eaLnBrk="1"/>
+            <a:r>
+              <a:rPr lang="en-US" altLang="ko-KR" sz="8800" dirty="0">
+                <a:latin typeface="+mn-lt"/>
+                <a:hlinkClick r:id="rId4"/>
+              </a:rPr>
+              <a:t>https://aka.ms/silla-univ</a:t>
+            </a:r>
+            <a:r>
+              <a:rPr lang="en-US" altLang="ko-KR" sz="8800" dirty="0">
+                <a:latin typeface="+mn-lt"/>
+              </a:rPr>
+              <a:t> </a:t>
             </a:r>
           </a:p>
         </p:txBody>

--- a/docs/Microsoft-AzureML-신라대학교-핸드아웃.pptx
+++ b/docs/Microsoft-AzureML-신라대학교-핸드아웃.pptx
@@ -5,97 +5,98 @@
     <p:sldMasterId id="2147483648" r:id="rId1"/>
   </p:sldMasterIdLst>
   <p:notesMasterIdLst>
-    <p:notesMasterId r:id="rId36"/>
+    <p:notesMasterId r:id="rId37"/>
   </p:notesMasterIdLst>
   <p:sldIdLst>
     <p:sldId id="256" r:id="rId2"/>
-    <p:sldId id="257" r:id="rId3"/>
-    <p:sldId id="286" r:id="rId4"/>
-    <p:sldId id="292" r:id="rId5"/>
-    <p:sldId id="293" r:id="rId6"/>
-    <p:sldId id="313" r:id="rId7"/>
-    <p:sldId id="314" r:id="rId8"/>
-    <p:sldId id="294" r:id="rId9"/>
-    <p:sldId id="295" r:id="rId10"/>
-    <p:sldId id="296" r:id="rId11"/>
-    <p:sldId id="297" r:id="rId12"/>
-    <p:sldId id="298" r:id="rId13"/>
-    <p:sldId id="299" r:id="rId14"/>
-    <p:sldId id="300" r:id="rId15"/>
-    <p:sldId id="304" r:id="rId16"/>
-    <p:sldId id="315" r:id="rId17"/>
-    <p:sldId id="305" r:id="rId18"/>
-    <p:sldId id="306" r:id="rId19"/>
-    <p:sldId id="307" r:id="rId20"/>
-    <p:sldId id="308" r:id="rId21"/>
-    <p:sldId id="309" r:id="rId22"/>
-    <p:sldId id="310" r:id="rId23"/>
-    <p:sldId id="374" r:id="rId24"/>
-    <p:sldId id="325" r:id="rId25"/>
-    <p:sldId id="375" r:id="rId26"/>
-    <p:sldId id="376" r:id="rId27"/>
-    <p:sldId id="377" r:id="rId28"/>
-    <p:sldId id="378" r:id="rId29"/>
-    <p:sldId id="379" r:id="rId30"/>
-    <p:sldId id="380" r:id="rId31"/>
-    <p:sldId id="381" r:id="rId32"/>
-    <p:sldId id="382" r:id="rId33"/>
-    <p:sldId id="383" r:id="rId34"/>
-    <p:sldId id="384" r:id="rId35"/>
+    <p:sldId id="385" r:id="rId3"/>
+    <p:sldId id="257" r:id="rId4"/>
+    <p:sldId id="286" r:id="rId5"/>
+    <p:sldId id="292" r:id="rId6"/>
+    <p:sldId id="293" r:id="rId7"/>
+    <p:sldId id="313" r:id="rId8"/>
+    <p:sldId id="314" r:id="rId9"/>
+    <p:sldId id="294" r:id="rId10"/>
+    <p:sldId id="295" r:id="rId11"/>
+    <p:sldId id="296" r:id="rId12"/>
+    <p:sldId id="297" r:id="rId13"/>
+    <p:sldId id="298" r:id="rId14"/>
+    <p:sldId id="299" r:id="rId15"/>
+    <p:sldId id="300" r:id="rId16"/>
+    <p:sldId id="304" r:id="rId17"/>
+    <p:sldId id="315" r:id="rId18"/>
+    <p:sldId id="305" r:id="rId19"/>
+    <p:sldId id="306" r:id="rId20"/>
+    <p:sldId id="307" r:id="rId21"/>
+    <p:sldId id="308" r:id="rId22"/>
+    <p:sldId id="309" r:id="rId23"/>
+    <p:sldId id="310" r:id="rId24"/>
+    <p:sldId id="374" r:id="rId25"/>
+    <p:sldId id="325" r:id="rId26"/>
+    <p:sldId id="375" r:id="rId27"/>
+    <p:sldId id="376" r:id="rId28"/>
+    <p:sldId id="377" r:id="rId29"/>
+    <p:sldId id="378" r:id="rId30"/>
+    <p:sldId id="379" r:id="rId31"/>
+    <p:sldId id="380" r:id="rId32"/>
+    <p:sldId id="381" r:id="rId33"/>
+    <p:sldId id="382" r:id="rId34"/>
+    <p:sldId id="383" r:id="rId35"/>
+    <p:sldId id="384" r:id="rId36"/>
   </p:sldIdLst>
   <p:sldSz cx="24384000" cy="13716000"/>
   <p:notesSz cx="6797675" cy="9926638"/>
   <p:embeddedFontLst>
     <p:embeddedFont>
       <p:font typeface="KoPubDotum Medium" panose="02020603020101020101" pitchFamily="18" charset="-127"/>
-      <p:regular r:id="rId37"/>
+      <p:regular r:id="rId38"/>
     </p:embeddedFont>
     <p:embeddedFont>
       <p:font typeface="KoPub돋움체 Bold" panose="02020603020101020101" pitchFamily="18" charset="-127"/>
-      <p:regular r:id="rId38"/>
+      <p:regular r:id="rId39"/>
     </p:embeddedFont>
     <p:embeddedFont>
       <p:font typeface="Segoe UI Light" panose="020B0502040204020203" pitchFamily="34" charset="0"/>
-      <p:regular r:id="rId39"/>
-      <p:italic r:id="rId40"/>
+      <p:regular r:id="rId40"/>
+      <p:italic r:id="rId41"/>
     </p:embeddedFont>
     <p:embeddedFont>
       <p:font typeface="맑은 고딕" panose="020B0503020000020004" pitchFamily="50" charset="-127"/>
-      <p:regular r:id="rId41"/>
-      <p:bold r:id="rId42"/>
+      <p:regular r:id="rId42"/>
+      <p:bold r:id="rId43"/>
     </p:embeddedFont>
     <p:embeddedFont>
       <p:font typeface="나눔고딕" panose="020D0604000000000000" pitchFamily="50" charset="-127"/>
-      <p:regular r:id="rId43"/>
-      <p:bold r:id="rId44"/>
+      <p:regular r:id="rId44"/>
+      <p:bold r:id="rId45"/>
     </p:embeddedFont>
     <p:embeddedFont>
       <p:font typeface="KoPub돋움체 Medium" panose="02020603020101020101" pitchFamily="18" charset="-127"/>
-      <p:regular r:id="rId45"/>
+      <p:regular r:id="rId46"/>
     </p:embeddedFont>
     <p:embeddedFont>
       <p:font typeface="KoPubDotum Bold" panose="02020603020101020101" pitchFamily="18" charset="-127"/>
-      <p:regular r:id="rId46"/>
+      <p:regular r:id="rId47"/>
     </p:embeddedFont>
     <p:embeddedFont>
       <p:font typeface="Segoe UI" panose="020B0502040204020203" pitchFamily="34" charset="0"/>
-      <p:regular r:id="rId47"/>
-      <p:bold r:id="rId48"/>
-      <p:italic r:id="rId49"/>
-      <p:boldItalic r:id="rId50"/>
+      <p:regular r:id="rId48"/>
+      <p:bold r:id="rId49"/>
+      <p:italic r:id="rId50"/>
+      <p:boldItalic r:id="rId51"/>
     </p:embeddedFont>
     <p:embeddedFont>
       <p:font typeface="Gadugi" panose="020B0502040204020203" pitchFamily="34" charset="0"/>
-      <p:regular r:id="rId51"/>
-      <p:bold r:id="rId52"/>
+      <p:regular r:id="rId52"/>
+      <p:bold r:id="rId53"/>
     </p:embeddedFont>
     <p:embeddedFont>
       <p:font typeface="Roboto Thin Italic" pitchFamily="2" charset="0"/>
-      <p:italic r:id="rId53"/>
+      <p:italic r:id="rId54"/>
     </p:embeddedFont>
     <p:embeddedFont>
       <p:font typeface="나눔고딕 ExtraBold" panose="020D0904000000000000" pitchFamily="50" charset="-127"/>
-      <p:bold r:id="rId54"/>
+      <p:bold r:id="rId55"/>
     </p:embeddedFont>
   </p:embeddedFontLst>
   <p:defaultTextStyle>
@@ -680,9 +681,9 @@
       </p:grpSpPr>
       <p:sp>
         <p:nvSpPr>
-          <p:cNvPr id="2" name="Slide Image Placeholder 1"/>
+          <p:cNvPr id="20482" name="Slide Image Placeholder 1"/>
           <p:cNvSpPr>
-            <a:spLocks noGrp="1" noRot="1" noChangeAspect="1"/>
+            <a:spLocks noGrp="1" noRot="1" noChangeAspect="1" noTextEdit="1"/>
           </p:cNvSpPr>
           <p:nvPr>
             <p:ph type="sldImg"/>
@@ -692,7 +693,7 @@
       </p:sp>
       <p:sp>
         <p:nvSpPr>
-          <p:cNvPr id="3" name="Notes Placeholder 2"/>
+          <p:cNvPr id="20483" name="Notes Placeholder 2"/>
           <p:cNvSpPr>
             <a:spLocks noGrp="1"/>
           </p:cNvSpPr>
@@ -700,21 +701,88 @@
             <p:ph type="body" idx="1"/>
           </p:nvPr>
         </p:nvSpPr>
-        <p:spPr/>
+        <p:spPr>
+          <a:noFill/>
+          <a:extLst>
+            <a:ext uri="{91240B29-F687-4F45-9708-019B960494DF}">
+              <a14:hiddenLine xmlns:a14="http://schemas.microsoft.com/office/drawing/2010/main" w="9525">
+                <a:solidFill>
+                  <a:srgbClr val="000000"/>
+                </a:solidFill>
+                <a:miter lim="800000"/>
+                <a:headEnd/>
+                <a:tailEnd/>
+              </a14:hiddenLine>
+            </a:ext>
+          </a:extLst>
+        </p:spPr>
         <p:txBody>
           <a:bodyPr/>
           <a:lstStyle/>
           <a:p>
-            <a:endParaRPr lang="ko-KR" altLang="en-US"/>
+            <a:endParaRPr lang="ko-KR" altLang="en-US">
+              <a:ea typeface="굴림" panose="020B0600000101010101" pitchFamily="50" charset="-127"/>
+            </a:endParaRPr>
+          </a:p>
+        </p:txBody>
+      </p:sp>
+      <p:sp>
+        <p:nvSpPr>
+          <p:cNvPr id="20484" name="Slide Number Placeholder 3"/>
+          <p:cNvSpPr>
+            <a:spLocks noGrp="1"/>
+          </p:cNvSpPr>
+          <p:nvPr>
+            <p:ph type="sldNum" sz="quarter" idx="4294967295"/>
+          </p:nvPr>
+        </p:nvSpPr>
+        <p:spPr bwMode="auto">
+          <a:xfrm>
+            <a:off x="0" y="0"/>
+            <a:ext cx="0" cy="0"/>
+          </a:xfrm>
+          <a:prstGeom prst="rect">
+            <a:avLst/>
+          </a:prstGeom>
+          <a:noFill/>
+          <a:extLst>
+            <a:ext uri="{909E8E84-426E-40DD-AFC4-6F175D3DCCD1}">
+              <a14:hiddenFill xmlns:a14="http://schemas.microsoft.com/office/drawing/2010/main">
+                <a:solidFill>
+                  <a:srgbClr val="FFFFFF"/>
+                </a:solidFill>
+              </a14:hiddenFill>
+            </a:ext>
+            <a:ext uri="{91240B29-F687-4F45-9708-019B960494DF}">
+              <a14:hiddenLine xmlns:a14="http://schemas.microsoft.com/office/drawing/2010/main" w="9525">
+                <a:solidFill>
+                  <a:srgbClr val="000000"/>
+                </a:solidFill>
+                <a:miter lim="800000"/>
+                <a:headEnd/>
+                <a:tailEnd/>
+              </a14:hiddenLine>
+            </a:ext>
+          </a:extLst>
+        </p:spPr>
+        <p:txBody>
+          <a:bodyPr/>
+          <a:lstStyle/>
+          <a:p>
+            <a:fld id="{BBD0D18E-6321-46A1-B17D-ABBDE95D1D96}" type="slidenum">
+              <a:rPr lang="da-DK" altLang="ko-KR">
+                <a:ea typeface="굴림" panose="020B0600000101010101" pitchFamily="50" charset="-127"/>
+              </a:rPr>
+              <a:pPr/>
+              <a:t>10</a:t>
+            </a:fld>
+            <a:endParaRPr lang="da-DK" altLang="ko-KR">
+              <a:ea typeface="굴림" panose="020B0600000101010101" pitchFamily="50" charset="-127"/>
+            </a:endParaRPr>
           </a:p>
         </p:txBody>
       </p:sp>
     </p:spTree>
-    <p:extLst>
-      <p:ext uri="{BB962C8B-B14F-4D97-AF65-F5344CB8AC3E}">
-        <p14:creationId xmlns:p14="http://schemas.microsoft.com/office/powerpoint/2010/main" val="4073524687"/>
-      </p:ext>
-    </p:extLst>
   </p:cSld>
   <p:clrMapOvr>
     <a:masterClrMapping/>
@@ -773,6 +841,67 @@
     </p:spTree>
     <p:extLst>
       <p:ext uri="{BB962C8B-B14F-4D97-AF65-F5344CB8AC3E}">
+        <p14:creationId xmlns:p14="http://schemas.microsoft.com/office/powerpoint/2010/main" val="4073524687"/>
+      </p:ext>
+    </p:extLst>
+  </p:cSld>
+  <p:clrMapOvr>
+    <a:masterClrMapping/>
+  </p:clrMapOvr>
+</p:notes>
+</file>
+
+<file path=ppt/notesSlides/notesSlide12.xml><?xml version="1.0" encoding="utf-8"?>
+<p:notes xmlns:a="http://schemas.openxmlformats.org/drawingml/2006/main" xmlns:r="http://schemas.openxmlformats.org/officeDocument/2006/relationships" xmlns:p="http://schemas.openxmlformats.org/presentationml/2006/main">
+  <p:cSld>
+    <p:spTree>
+      <p:nvGrpSpPr>
+        <p:cNvPr id="1" name=""/>
+        <p:cNvGrpSpPr/>
+        <p:nvPr/>
+      </p:nvGrpSpPr>
+      <p:grpSpPr>
+        <a:xfrm>
+          <a:off x="0" y="0"/>
+          <a:ext cx="0" cy="0"/>
+          <a:chOff x="0" y="0"/>
+          <a:chExt cx="0" cy="0"/>
+        </a:xfrm>
+      </p:grpSpPr>
+      <p:sp>
+        <p:nvSpPr>
+          <p:cNvPr id="2" name="Slide Image Placeholder 1"/>
+          <p:cNvSpPr>
+            <a:spLocks noGrp="1" noRot="1" noChangeAspect="1"/>
+          </p:cNvSpPr>
+          <p:nvPr>
+            <p:ph type="sldImg"/>
+          </p:nvPr>
+        </p:nvSpPr>
+        <p:spPr/>
+      </p:sp>
+      <p:sp>
+        <p:nvSpPr>
+          <p:cNvPr id="3" name="Notes Placeholder 2"/>
+          <p:cNvSpPr>
+            <a:spLocks noGrp="1"/>
+          </p:cNvSpPr>
+          <p:nvPr>
+            <p:ph type="body" idx="1"/>
+          </p:nvPr>
+        </p:nvSpPr>
+        <p:spPr/>
+        <p:txBody>
+          <a:bodyPr/>
+          <a:lstStyle/>
+          <a:p>
+            <a:endParaRPr lang="ko-KR" altLang="en-US"/>
+          </a:p>
+        </p:txBody>
+      </p:sp>
+    </p:spTree>
+    <p:extLst>
+      <p:ext uri="{BB962C8B-B14F-4D97-AF65-F5344CB8AC3E}">
         <p14:creationId xmlns:p14="http://schemas.microsoft.com/office/powerpoint/2010/main" val="1777967658"/>
       </p:ext>
     </p:extLst>
@@ -783,7 +912,7 @@
 </p:notes>
 </file>
 
-<file path=ppt/notesSlides/notesSlide12.xml><?xml version="1.0" encoding="utf-8"?>
+<file path=ppt/notesSlides/notesSlide13.xml><?xml version="1.0" encoding="utf-8"?>
 <p:notes xmlns:a="http://schemas.openxmlformats.org/drawingml/2006/main" xmlns:r="http://schemas.openxmlformats.org/officeDocument/2006/relationships" xmlns:p="http://schemas.openxmlformats.org/presentationml/2006/main">
   <p:cSld>
     <p:spTree>
@@ -895,7 +1024,7 @@
                 <a:ea typeface="굴림" panose="020B0600000101010101" pitchFamily="50" charset="-127"/>
               </a:rPr>
               <a:pPr/>
-              <a:t>12</a:t>
+              <a:t>13</a:t>
             </a:fld>
             <a:endParaRPr lang="ko-KR" altLang="en-US">
               <a:ea typeface="굴림" panose="020B0600000101010101" pitchFamily="50" charset="-127"/>
@@ -911,7 +1040,7 @@
 </p:notes>
 </file>
 
-<file path=ppt/notesSlides/notesSlide13.xml><?xml version="1.0" encoding="utf-8"?>
+<file path=ppt/notesSlides/notesSlide14.xml><?xml version="1.0" encoding="utf-8"?>
 <p:notes xmlns:a="http://schemas.openxmlformats.org/drawingml/2006/main" xmlns:r="http://schemas.openxmlformats.org/officeDocument/2006/relationships" xmlns:p="http://schemas.openxmlformats.org/presentationml/2006/main">
   <p:cSld>
     <p:spTree>
@@ -1023,7 +1152,7 @@
                 <a:ea typeface="굴림" panose="020B0600000101010101" pitchFamily="50" charset="-127"/>
               </a:rPr>
               <a:pPr/>
-              <a:t>13</a:t>
+              <a:t>14</a:t>
             </a:fld>
             <a:endParaRPr lang="da-DK" altLang="ko-KR">
               <a:ea typeface="굴림" panose="020B0600000101010101" pitchFamily="50" charset="-127"/>
@@ -1039,7 +1168,7 @@
 </p:notes>
 </file>
 
-<file path=ppt/notesSlides/notesSlide14.xml><?xml version="1.0" encoding="utf-8"?>
+<file path=ppt/notesSlides/notesSlide15.xml><?xml version="1.0" encoding="utf-8"?>
 <p:notes xmlns:a="http://schemas.openxmlformats.org/drawingml/2006/main" xmlns:r="http://schemas.openxmlformats.org/officeDocument/2006/relationships" xmlns:p="http://schemas.openxmlformats.org/presentationml/2006/main">
   <p:cSld>
     <p:spTree>
@@ -1207,7 +1336,7 @@
                 <a:ea typeface="굴림" panose="020B0600000101010101" pitchFamily="50" charset="-127"/>
               </a:rPr>
               <a:pPr/>
-              <a:t>14</a:t>
+              <a:t>15</a:t>
             </a:fld>
             <a:endParaRPr lang="en-US" altLang="ko-KR">
               <a:ea typeface="굴림" panose="020B0600000101010101" pitchFamily="50" charset="-127"/>
@@ -1261,67 +1390,6 @@
         </p:txBody>
       </p:sp>
     </p:spTree>
-  </p:cSld>
-  <p:clrMapOvr>
-    <a:masterClrMapping/>
-  </p:clrMapOvr>
-</p:notes>
-</file>
-
-<file path=ppt/notesSlides/notesSlide15.xml><?xml version="1.0" encoding="utf-8"?>
-<p:notes xmlns:a="http://schemas.openxmlformats.org/drawingml/2006/main" xmlns:r="http://schemas.openxmlformats.org/officeDocument/2006/relationships" xmlns:p="http://schemas.openxmlformats.org/presentationml/2006/main">
-  <p:cSld>
-    <p:spTree>
-      <p:nvGrpSpPr>
-        <p:cNvPr id="1" name=""/>
-        <p:cNvGrpSpPr/>
-        <p:nvPr/>
-      </p:nvGrpSpPr>
-      <p:grpSpPr>
-        <a:xfrm>
-          <a:off x="0" y="0"/>
-          <a:ext cx="0" cy="0"/>
-          <a:chOff x="0" y="0"/>
-          <a:chExt cx="0" cy="0"/>
-        </a:xfrm>
-      </p:grpSpPr>
-      <p:sp>
-        <p:nvSpPr>
-          <p:cNvPr id="2" name="Slide Image Placeholder 1"/>
-          <p:cNvSpPr>
-            <a:spLocks noGrp="1" noRot="1" noChangeAspect="1"/>
-          </p:cNvSpPr>
-          <p:nvPr>
-            <p:ph type="sldImg"/>
-          </p:nvPr>
-        </p:nvSpPr>
-        <p:spPr/>
-      </p:sp>
-      <p:sp>
-        <p:nvSpPr>
-          <p:cNvPr id="3" name="Notes Placeholder 2"/>
-          <p:cNvSpPr>
-            <a:spLocks noGrp="1"/>
-          </p:cNvSpPr>
-          <p:nvPr>
-            <p:ph type="body" idx="1"/>
-          </p:nvPr>
-        </p:nvSpPr>
-        <p:spPr/>
-        <p:txBody>
-          <a:bodyPr/>
-          <a:lstStyle/>
-          <a:p>
-            <a:endParaRPr lang="ko-KR" altLang="en-US"/>
-          </a:p>
-        </p:txBody>
-      </p:sp>
-    </p:spTree>
-    <p:extLst>
-      <p:ext uri="{BB962C8B-B14F-4D97-AF65-F5344CB8AC3E}">
-        <p14:creationId xmlns:p14="http://schemas.microsoft.com/office/powerpoint/2010/main" val="3858961658"/>
-      </p:ext>
-    </p:extLst>
   </p:cSld>
   <p:clrMapOvr>
     <a:masterClrMapping/>
@@ -1380,7 +1448,7 @@
     </p:spTree>
     <p:extLst>
       <p:ext uri="{BB962C8B-B14F-4D97-AF65-F5344CB8AC3E}">
-        <p14:creationId xmlns:p14="http://schemas.microsoft.com/office/powerpoint/2010/main" val="2921229006"/>
+        <p14:creationId xmlns:p14="http://schemas.microsoft.com/office/powerpoint/2010/main" val="3858961658"/>
       </p:ext>
     </p:extLst>
   </p:cSld>
@@ -1441,7 +1509,7 @@
     </p:spTree>
     <p:extLst>
       <p:ext uri="{BB962C8B-B14F-4D97-AF65-F5344CB8AC3E}">
-        <p14:creationId xmlns:p14="http://schemas.microsoft.com/office/powerpoint/2010/main" val="1151820856"/>
+        <p14:creationId xmlns:p14="http://schemas.microsoft.com/office/powerpoint/2010/main" val="2921229006"/>
       </p:ext>
     </p:extLst>
   </p:cSld>
@@ -1502,6 +1570,67 @@
     </p:spTree>
     <p:extLst>
       <p:ext uri="{BB962C8B-B14F-4D97-AF65-F5344CB8AC3E}">
+        <p14:creationId xmlns:p14="http://schemas.microsoft.com/office/powerpoint/2010/main" val="1151820856"/>
+      </p:ext>
+    </p:extLst>
+  </p:cSld>
+  <p:clrMapOvr>
+    <a:masterClrMapping/>
+  </p:clrMapOvr>
+</p:notes>
+</file>
+
+<file path=ppt/notesSlides/notesSlide19.xml><?xml version="1.0" encoding="utf-8"?>
+<p:notes xmlns:a="http://schemas.openxmlformats.org/drawingml/2006/main" xmlns:r="http://schemas.openxmlformats.org/officeDocument/2006/relationships" xmlns:p="http://schemas.openxmlformats.org/presentationml/2006/main">
+  <p:cSld>
+    <p:spTree>
+      <p:nvGrpSpPr>
+        <p:cNvPr id="1" name=""/>
+        <p:cNvGrpSpPr/>
+        <p:nvPr/>
+      </p:nvGrpSpPr>
+      <p:grpSpPr>
+        <a:xfrm>
+          <a:off x="0" y="0"/>
+          <a:ext cx="0" cy="0"/>
+          <a:chOff x="0" y="0"/>
+          <a:chExt cx="0" cy="0"/>
+        </a:xfrm>
+      </p:grpSpPr>
+      <p:sp>
+        <p:nvSpPr>
+          <p:cNvPr id="2" name="Slide Image Placeholder 1"/>
+          <p:cNvSpPr>
+            <a:spLocks noGrp="1" noRot="1" noChangeAspect="1"/>
+          </p:cNvSpPr>
+          <p:nvPr>
+            <p:ph type="sldImg"/>
+          </p:nvPr>
+        </p:nvSpPr>
+        <p:spPr/>
+      </p:sp>
+      <p:sp>
+        <p:nvSpPr>
+          <p:cNvPr id="3" name="Notes Placeholder 2"/>
+          <p:cNvSpPr>
+            <a:spLocks noGrp="1"/>
+          </p:cNvSpPr>
+          <p:nvPr>
+            <p:ph type="body" idx="1"/>
+          </p:nvPr>
+        </p:nvSpPr>
+        <p:spPr/>
+        <p:txBody>
+          <a:bodyPr/>
+          <a:lstStyle/>
+          <a:p>
+            <a:endParaRPr lang="ko-KR" altLang="en-US"/>
+          </a:p>
+        </p:txBody>
+      </p:sp>
+    </p:spTree>
+    <p:extLst>
+      <p:ext uri="{BB962C8B-B14F-4D97-AF65-F5344CB8AC3E}">
         <p14:creationId xmlns:p14="http://schemas.microsoft.com/office/powerpoint/2010/main" val="2120440870"/>
       </p:ext>
     </p:extLst>
@@ -1512,7 +1641,85 @@
 </p:notes>
 </file>
 
-<file path=ppt/notesSlides/notesSlide19.xml><?xml version="1.0" encoding="utf-8"?>
+<file path=ppt/notesSlides/notesSlide2.xml><?xml version="1.0" encoding="utf-8"?>
+<p:notes xmlns:a="http://schemas.openxmlformats.org/drawingml/2006/main" xmlns:r="http://schemas.openxmlformats.org/officeDocument/2006/relationships" xmlns:p="http://schemas.openxmlformats.org/presentationml/2006/main">
+  <p:cSld>
+    <p:spTree>
+      <p:nvGrpSpPr>
+        <p:cNvPr id="1" name=""/>
+        <p:cNvGrpSpPr/>
+        <p:nvPr/>
+      </p:nvGrpSpPr>
+      <p:grpSpPr>
+        <a:xfrm>
+          <a:off x="0" y="0"/>
+          <a:ext cx="0" cy="0"/>
+          <a:chOff x="0" y="0"/>
+          <a:chExt cx="0" cy="0"/>
+        </a:xfrm>
+      </p:grpSpPr>
+      <p:sp>
+        <p:nvSpPr>
+          <p:cNvPr id="8194" name="슬라이드 이미지 개체 틀 1"/>
+          <p:cNvSpPr>
+            <a:spLocks noGrp="1" noRot="1" noChangeAspect="1" noTextEdit="1"/>
+          </p:cNvSpPr>
+          <p:nvPr>
+            <p:ph type="sldImg"/>
+          </p:nvPr>
+        </p:nvSpPr>
+        <p:spPr/>
+      </p:sp>
+      <p:sp>
+        <p:nvSpPr>
+          <p:cNvPr id="8195" name="슬라이드 노트 개체 틀 2"/>
+          <p:cNvSpPr>
+            <a:spLocks noGrp="1"/>
+          </p:cNvSpPr>
+          <p:nvPr>
+            <p:ph type="body" idx="1"/>
+          </p:nvPr>
+        </p:nvSpPr>
+        <p:spPr>
+          <a:noFill/>
+          <a:extLst>
+            <a:ext uri="{91240B29-F687-4F45-9708-019B960494DF}">
+              <a14:hiddenLine xmlns:a14="http://schemas.microsoft.com/office/drawing/2010/main" w="9525">
+                <a:solidFill>
+                  <a:srgbClr val="000000"/>
+                </a:solidFill>
+                <a:miter lim="800000"/>
+                <a:headEnd/>
+                <a:tailEnd/>
+              </a14:hiddenLine>
+            </a:ext>
+          </a:extLst>
+        </p:spPr>
+        <p:txBody>
+          <a:bodyPr/>
+          <a:lstStyle/>
+          <a:p>
+            <a:endParaRPr lang="ko-KR" altLang="en-US">
+              <a:latin typeface="Gadugi" panose="020B0502040204020203" pitchFamily="34" charset="0"/>
+              <a:ea typeface="굴림" panose="020B0600000101010101" pitchFamily="50" charset="-127"/>
+            </a:endParaRPr>
+          </a:p>
+        </p:txBody>
+      </p:sp>
+    </p:spTree>
+    <p:extLst>
+      <p:ext uri="{BB962C8B-B14F-4D97-AF65-F5344CB8AC3E}">
+        <p14:creationId xmlns:p14="http://schemas.microsoft.com/office/powerpoint/2010/main" val="3987833709"/>
+      </p:ext>
+    </p:extLst>
+  </p:cSld>
+  <p:clrMapOvr>
+    <a:masterClrMapping/>
+  </p:clrMapOvr>
+</p:notes>
+</file>
+
+<file path=ppt/notesSlides/notesSlide20.xml><?xml version="1.0" encoding="utf-8"?>
 <p:notes xmlns:a="http://schemas.openxmlformats.org/drawingml/2006/main" xmlns:r="http://schemas.openxmlformats.org/officeDocument/2006/relationships" xmlns:p="http://schemas.openxmlformats.org/presentationml/2006/main">
   <p:cSld>
     <p:spTree>
@@ -1624,7 +1831,7 @@
                 <a:ea typeface="굴림" panose="020B0600000101010101" pitchFamily="50" charset="-127"/>
               </a:rPr>
               <a:pPr/>
-              <a:t>19</a:t>
+              <a:t>20</a:t>
             </a:fld>
             <a:endParaRPr lang="da-DK" altLang="ko-KR">
               <a:ea typeface="굴림" panose="020B0600000101010101" pitchFamily="50" charset="-127"/>
@@ -1640,140 +1847,7 @@
 </p:notes>
 </file>
 
-<file path=ppt/notesSlides/notesSlide2.xml><?xml version="1.0" encoding="utf-8"?>
-<p:notes xmlns:a="http://schemas.openxmlformats.org/drawingml/2006/main" xmlns:r="http://schemas.openxmlformats.org/officeDocument/2006/relationships" xmlns:p="http://schemas.openxmlformats.org/presentationml/2006/main">
-  <p:cSld>
-    <p:spTree>
-      <p:nvGrpSpPr>
-        <p:cNvPr id="1" name=""/>
-        <p:cNvGrpSpPr/>
-        <p:nvPr/>
-      </p:nvGrpSpPr>
-      <p:grpSpPr>
-        <a:xfrm>
-          <a:off x="0" y="0"/>
-          <a:ext cx="0" cy="0"/>
-          <a:chOff x="0" y="0"/>
-          <a:chExt cx="0" cy="0"/>
-        </a:xfrm>
-      </p:grpSpPr>
-      <p:sp>
-        <p:nvSpPr>
-          <p:cNvPr id="12290" name="슬라이드 이미지 개체 틀 1"/>
-          <p:cNvSpPr>
-            <a:spLocks noGrp="1" noRot="1" noChangeAspect="1" noTextEdit="1"/>
-          </p:cNvSpPr>
-          <p:nvPr>
-            <p:ph type="sldImg"/>
-          </p:nvPr>
-        </p:nvSpPr>
-        <p:spPr/>
-      </p:sp>
-      <p:sp>
-        <p:nvSpPr>
-          <p:cNvPr id="12291" name="슬라이드 노트 개체 틀 2"/>
-          <p:cNvSpPr>
-            <a:spLocks noGrp="1"/>
-          </p:cNvSpPr>
-          <p:nvPr>
-            <p:ph type="body" idx="1"/>
-          </p:nvPr>
-        </p:nvSpPr>
-        <p:spPr>
-          <a:noFill/>
-          <a:extLst>
-            <a:ext uri="{91240B29-F687-4F45-9708-019B960494DF}">
-              <a14:hiddenLine xmlns:a14="http://schemas.microsoft.com/office/drawing/2010/main" w="9525">
-                <a:solidFill>
-                  <a:srgbClr val="000000"/>
-                </a:solidFill>
-                <a:miter lim="800000"/>
-                <a:headEnd/>
-                <a:tailEnd/>
-              </a14:hiddenLine>
-            </a:ext>
-          </a:extLst>
-        </p:spPr>
-        <p:txBody>
-          <a:bodyPr/>
-          <a:lstStyle/>
-          <a:p>
-            <a:r>
-              <a:rPr lang="ko-KR" altLang="en-US">
-                <a:ea typeface="굴림" panose="020B0600000101010101" pitchFamily="50" charset="-127"/>
-              </a:rPr>
-              <a:t>목차</a:t>
-            </a:r>
-            <a:endParaRPr lang="en-US" altLang="ko-KR">
-              <a:ea typeface="굴림" panose="020B0600000101010101" pitchFamily="50" charset="-127"/>
-            </a:endParaRPr>
-          </a:p>
-          <a:p>
-            <a:r>
-              <a:rPr lang="ko-KR" altLang="en-US">
-                <a:ea typeface="굴림" panose="020B0600000101010101" pitchFamily="50" charset="-127"/>
-              </a:rPr>
-              <a:t>머신러닝에 대한 간단한 소개와</a:t>
-            </a:r>
-            <a:endParaRPr lang="en-US" altLang="ko-KR">
-              <a:ea typeface="굴림" panose="020B0600000101010101" pitchFamily="50" charset="-127"/>
-            </a:endParaRPr>
-          </a:p>
-          <a:p>
-            <a:r>
-              <a:rPr lang="ko-KR" altLang="en-US">
-                <a:ea typeface="굴림" panose="020B0600000101010101" pitchFamily="50" charset="-127"/>
-              </a:rPr>
-              <a:t>고객이탈방지와 재방문유도시스템 모델링</a:t>
-            </a:r>
-            <a:endParaRPr lang="en-US" altLang="ko-KR">
-              <a:ea typeface="굴림" panose="020B0600000101010101" pitchFamily="50" charset="-127"/>
-            </a:endParaRPr>
-          </a:p>
-          <a:p>
-            <a:r>
-              <a:rPr lang="ko-KR" altLang="en-US">
-                <a:ea typeface="굴림" panose="020B0600000101010101" pitchFamily="50" charset="-127"/>
-              </a:rPr>
-              <a:t>그리고 모델링을 실제 게임에 어떻게 적용했는지와 그에 따른 결과</a:t>
-            </a:r>
-            <a:r>
-              <a:rPr lang="en-US" altLang="ko-KR">
-                <a:ea typeface="굴림" panose="020B0600000101010101" pitchFamily="50" charset="-127"/>
-              </a:rPr>
-              <a:t>,</a:t>
-            </a:r>
-          </a:p>
-          <a:p>
-            <a:r>
-              <a:rPr lang="ko-KR" altLang="en-US">
-                <a:ea typeface="굴림" panose="020B0600000101010101" pitchFamily="50" charset="-127"/>
-              </a:rPr>
-              <a:t>이후 진행 상황에 대해 발표하도록 하겠습니다</a:t>
-            </a:r>
-            <a:r>
-              <a:rPr lang="en-US" altLang="ko-KR">
-                <a:ea typeface="굴림" panose="020B0600000101010101" pitchFamily="50" charset="-127"/>
-              </a:rPr>
-              <a:t>.</a:t>
-            </a:r>
-          </a:p>
-          <a:p>
-            <a:endParaRPr lang="en-US" altLang="ko-KR">
-              <a:ea typeface="굴림" panose="020B0600000101010101" pitchFamily="50" charset="-127"/>
-            </a:endParaRPr>
-          </a:p>
-        </p:txBody>
-      </p:sp>
-    </p:spTree>
-  </p:cSld>
-  <p:clrMapOvr>
-    <a:masterClrMapping/>
-  </p:clrMapOvr>
-</p:notes>
-</file>
-
-<file path=ppt/notesSlides/notesSlide20.xml><?xml version="1.0" encoding="utf-8"?>
+<file path=ppt/notesSlides/notesSlide21.xml><?xml version="1.0" encoding="utf-8"?>
 <p:notes xmlns:a="http://schemas.openxmlformats.org/drawingml/2006/main" xmlns:r="http://schemas.openxmlformats.org/officeDocument/2006/relationships" xmlns:p="http://schemas.openxmlformats.org/presentationml/2006/main">
   <p:cSld>
     <p:spTree>
@@ -1885,7 +1959,7 @@
                 <a:ea typeface="굴림" panose="020B0600000101010101" pitchFamily="50" charset="-127"/>
               </a:rPr>
               <a:pPr/>
-              <a:t>20</a:t>
+              <a:t>21</a:t>
             </a:fld>
             <a:endParaRPr lang="da-DK" altLang="ko-KR">
               <a:ea typeface="굴림" panose="020B0600000101010101" pitchFamily="50" charset="-127"/>
@@ -1894,67 +1968,6 @@
         </p:txBody>
       </p:sp>
     </p:spTree>
-  </p:cSld>
-  <p:clrMapOvr>
-    <a:masterClrMapping/>
-  </p:clrMapOvr>
-</p:notes>
-</file>
-
-<file path=ppt/notesSlides/notesSlide21.xml><?xml version="1.0" encoding="utf-8"?>
-<p:notes xmlns:a="http://schemas.openxmlformats.org/drawingml/2006/main" xmlns:r="http://schemas.openxmlformats.org/officeDocument/2006/relationships" xmlns:p="http://schemas.openxmlformats.org/presentationml/2006/main">
-  <p:cSld>
-    <p:spTree>
-      <p:nvGrpSpPr>
-        <p:cNvPr id="1" name=""/>
-        <p:cNvGrpSpPr/>
-        <p:nvPr/>
-      </p:nvGrpSpPr>
-      <p:grpSpPr>
-        <a:xfrm>
-          <a:off x="0" y="0"/>
-          <a:ext cx="0" cy="0"/>
-          <a:chOff x="0" y="0"/>
-          <a:chExt cx="0" cy="0"/>
-        </a:xfrm>
-      </p:grpSpPr>
-      <p:sp>
-        <p:nvSpPr>
-          <p:cNvPr id="2" name="Slide Image Placeholder 1"/>
-          <p:cNvSpPr>
-            <a:spLocks noGrp="1" noRot="1" noChangeAspect="1"/>
-          </p:cNvSpPr>
-          <p:nvPr>
-            <p:ph type="sldImg"/>
-          </p:nvPr>
-        </p:nvSpPr>
-        <p:spPr/>
-      </p:sp>
-      <p:sp>
-        <p:nvSpPr>
-          <p:cNvPr id="3" name="Notes Placeholder 2"/>
-          <p:cNvSpPr>
-            <a:spLocks noGrp="1"/>
-          </p:cNvSpPr>
-          <p:nvPr>
-            <p:ph type="body" idx="1"/>
-          </p:nvPr>
-        </p:nvSpPr>
-        <p:spPr/>
-        <p:txBody>
-          <a:bodyPr/>
-          <a:lstStyle/>
-          <a:p>
-            <a:endParaRPr lang="ko-KR" altLang="en-US"/>
-          </a:p>
-        </p:txBody>
-      </p:sp>
-    </p:spTree>
-    <p:extLst>
-      <p:ext uri="{BB962C8B-B14F-4D97-AF65-F5344CB8AC3E}">
-        <p14:creationId xmlns:p14="http://schemas.microsoft.com/office/powerpoint/2010/main" val="2253941580"/>
-      </p:ext>
-    </p:extLst>
   </p:cSld>
   <p:clrMapOvr>
     <a:masterClrMapping/>
@@ -2013,7 +2026,7 @@
     </p:spTree>
     <p:extLst>
       <p:ext uri="{BB962C8B-B14F-4D97-AF65-F5344CB8AC3E}">
-        <p14:creationId xmlns:p14="http://schemas.microsoft.com/office/powerpoint/2010/main" val="802853745"/>
+        <p14:creationId xmlns:p14="http://schemas.microsoft.com/office/powerpoint/2010/main" val="2253941580"/>
       </p:ext>
     </p:extLst>
   </p:cSld>
@@ -2074,6 +2087,67 @@
     </p:spTree>
     <p:extLst>
       <p:ext uri="{BB962C8B-B14F-4D97-AF65-F5344CB8AC3E}">
+        <p14:creationId xmlns:p14="http://schemas.microsoft.com/office/powerpoint/2010/main" val="802853745"/>
+      </p:ext>
+    </p:extLst>
+  </p:cSld>
+  <p:clrMapOvr>
+    <a:masterClrMapping/>
+  </p:clrMapOvr>
+</p:notes>
+</file>
+
+<file path=ppt/notesSlides/notesSlide24.xml><?xml version="1.0" encoding="utf-8"?>
+<p:notes xmlns:a="http://schemas.openxmlformats.org/drawingml/2006/main" xmlns:r="http://schemas.openxmlformats.org/officeDocument/2006/relationships" xmlns:p="http://schemas.openxmlformats.org/presentationml/2006/main">
+  <p:cSld>
+    <p:spTree>
+      <p:nvGrpSpPr>
+        <p:cNvPr id="1" name=""/>
+        <p:cNvGrpSpPr/>
+        <p:nvPr/>
+      </p:nvGrpSpPr>
+      <p:grpSpPr>
+        <a:xfrm>
+          <a:off x="0" y="0"/>
+          <a:ext cx="0" cy="0"/>
+          <a:chOff x="0" y="0"/>
+          <a:chExt cx="0" cy="0"/>
+        </a:xfrm>
+      </p:grpSpPr>
+      <p:sp>
+        <p:nvSpPr>
+          <p:cNvPr id="2" name="Slide Image Placeholder 1"/>
+          <p:cNvSpPr>
+            <a:spLocks noGrp="1" noRot="1" noChangeAspect="1"/>
+          </p:cNvSpPr>
+          <p:nvPr>
+            <p:ph type="sldImg"/>
+          </p:nvPr>
+        </p:nvSpPr>
+        <p:spPr/>
+      </p:sp>
+      <p:sp>
+        <p:nvSpPr>
+          <p:cNvPr id="3" name="Notes Placeholder 2"/>
+          <p:cNvSpPr>
+            <a:spLocks noGrp="1"/>
+          </p:cNvSpPr>
+          <p:nvPr>
+            <p:ph type="body" idx="1"/>
+          </p:nvPr>
+        </p:nvSpPr>
+        <p:spPr/>
+        <p:txBody>
+          <a:bodyPr/>
+          <a:lstStyle/>
+          <a:p>
+            <a:endParaRPr lang="ko-KR" altLang="en-US"/>
+          </a:p>
+        </p:txBody>
+      </p:sp>
+    </p:spTree>
+    <p:extLst>
+      <p:ext uri="{BB962C8B-B14F-4D97-AF65-F5344CB8AC3E}">
         <p14:creationId xmlns:p14="http://schemas.microsoft.com/office/powerpoint/2010/main" val="2280466773"/>
       </p:ext>
     </p:extLst>
@@ -2084,7 +2158,7 @@
 </p:notes>
 </file>
 
-<file path=ppt/notesSlides/notesSlide24.xml><?xml version="1.0" encoding="utf-8"?>
+<file path=ppt/notesSlides/notesSlide25.xml><?xml version="1.0" encoding="utf-8"?>
 <p:notes xmlns:a="http://schemas.openxmlformats.org/drawingml/2006/main" xmlns:r="http://schemas.openxmlformats.org/officeDocument/2006/relationships" xmlns:p="http://schemas.openxmlformats.org/presentationml/2006/main">
   <p:cSld>
     <p:spTree>
@@ -2161,7 +2235,7 @@
 </p:notes>
 </file>
 
-<file path=ppt/notesSlides/notesSlide25.xml><?xml version="1.0" encoding="utf-8"?>
+<file path=ppt/notesSlides/notesSlide26.xml><?xml version="1.0" encoding="utf-8"?>
 <p:notes xmlns:a="http://schemas.openxmlformats.org/drawingml/2006/main" xmlns:r="http://schemas.openxmlformats.org/officeDocument/2006/relationships" xmlns:p="http://schemas.openxmlformats.org/presentationml/2006/main">
   <p:cSld>
     <p:spTree>
@@ -2222,7 +2296,7 @@
 </p:notes>
 </file>
 
-<file path=ppt/notesSlides/notesSlide26.xml><?xml version="1.0" encoding="utf-8"?>
+<file path=ppt/notesSlides/notesSlide27.xml><?xml version="1.0" encoding="utf-8"?>
 <p:notes xmlns:a="http://schemas.openxmlformats.org/drawingml/2006/main" xmlns:r="http://schemas.openxmlformats.org/officeDocument/2006/relationships" xmlns:p="http://schemas.openxmlformats.org/presentationml/2006/main">
   <p:cSld>
     <p:spTree>
@@ -2588,7 +2662,7 @@
 </p:notes>
 </file>
 
-<file path=ppt/notesSlides/notesSlide27.xml><?xml version="1.0" encoding="utf-8"?>
+<file path=ppt/notesSlides/notesSlide28.xml><?xml version="1.0" encoding="utf-8"?>
 <p:notes xmlns:a="http://schemas.openxmlformats.org/drawingml/2006/main" xmlns:r="http://schemas.openxmlformats.org/officeDocument/2006/relationships" xmlns:p="http://schemas.openxmlformats.org/presentationml/2006/main">
   <p:cSld>
     <p:spTree>
@@ -2717,7 +2791,7 @@
 </p:notes>
 </file>
 
-<file path=ppt/notesSlides/notesSlide28.xml><?xml version="1.0" encoding="utf-8"?>
+<file path=ppt/notesSlides/notesSlide29.xml><?xml version="1.0" encoding="utf-8"?>
 <p:notes xmlns:a="http://schemas.openxmlformats.org/drawingml/2006/main" xmlns:r="http://schemas.openxmlformats.org/officeDocument/2006/relationships" xmlns:p="http://schemas.openxmlformats.org/presentationml/2006/main">
   <p:cSld>
     <p:spTree>
@@ -2867,7 +2941,140 @@
 </p:notes>
 </file>
 
-<file path=ppt/notesSlides/notesSlide29.xml><?xml version="1.0" encoding="utf-8"?>
+<file path=ppt/notesSlides/notesSlide3.xml><?xml version="1.0" encoding="utf-8"?>
+<p:notes xmlns:a="http://schemas.openxmlformats.org/drawingml/2006/main" xmlns:r="http://schemas.openxmlformats.org/officeDocument/2006/relationships" xmlns:p="http://schemas.openxmlformats.org/presentationml/2006/main">
+  <p:cSld>
+    <p:spTree>
+      <p:nvGrpSpPr>
+        <p:cNvPr id="1" name=""/>
+        <p:cNvGrpSpPr/>
+        <p:nvPr/>
+      </p:nvGrpSpPr>
+      <p:grpSpPr>
+        <a:xfrm>
+          <a:off x="0" y="0"/>
+          <a:ext cx="0" cy="0"/>
+          <a:chOff x="0" y="0"/>
+          <a:chExt cx="0" cy="0"/>
+        </a:xfrm>
+      </p:grpSpPr>
+      <p:sp>
+        <p:nvSpPr>
+          <p:cNvPr id="12290" name="슬라이드 이미지 개체 틀 1"/>
+          <p:cNvSpPr>
+            <a:spLocks noGrp="1" noRot="1" noChangeAspect="1" noTextEdit="1"/>
+          </p:cNvSpPr>
+          <p:nvPr>
+            <p:ph type="sldImg"/>
+          </p:nvPr>
+        </p:nvSpPr>
+        <p:spPr/>
+      </p:sp>
+      <p:sp>
+        <p:nvSpPr>
+          <p:cNvPr id="12291" name="슬라이드 노트 개체 틀 2"/>
+          <p:cNvSpPr>
+            <a:spLocks noGrp="1"/>
+          </p:cNvSpPr>
+          <p:nvPr>
+            <p:ph type="body" idx="1"/>
+          </p:nvPr>
+        </p:nvSpPr>
+        <p:spPr>
+          <a:noFill/>
+          <a:extLst>
+            <a:ext uri="{91240B29-F687-4F45-9708-019B960494DF}">
+              <a14:hiddenLine xmlns:a14="http://schemas.microsoft.com/office/drawing/2010/main" w="9525">
+                <a:solidFill>
+                  <a:srgbClr val="000000"/>
+                </a:solidFill>
+                <a:miter lim="800000"/>
+                <a:headEnd/>
+                <a:tailEnd/>
+              </a14:hiddenLine>
+            </a:ext>
+          </a:extLst>
+        </p:spPr>
+        <p:txBody>
+          <a:bodyPr/>
+          <a:lstStyle/>
+          <a:p>
+            <a:r>
+              <a:rPr lang="ko-KR" altLang="en-US">
+                <a:ea typeface="굴림" panose="020B0600000101010101" pitchFamily="50" charset="-127"/>
+              </a:rPr>
+              <a:t>목차</a:t>
+            </a:r>
+            <a:endParaRPr lang="en-US" altLang="ko-KR">
+              <a:ea typeface="굴림" panose="020B0600000101010101" pitchFamily="50" charset="-127"/>
+            </a:endParaRPr>
+          </a:p>
+          <a:p>
+            <a:r>
+              <a:rPr lang="ko-KR" altLang="en-US">
+                <a:ea typeface="굴림" panose="020B0600000101010101" pitchFamily="50" charset="-127"/>
+              </a:rPr>
+              <a:t>머신러닝에 대한 간단한 소개와</a:t>
+            </a:r>
+            <a:endParaRPr lang="en-US" altLang="ko-KR">
+              <a:ea typeface="굴림" panose="020B0600000101010101" pitchFamily="50" charset="-127"/>
+            </a:endParaRPr>
+          </a:p>
+          <a:p>
+            <a:r>
+              <a:rPr lang="ko-KR" altLang="en-US">
+                <a:ea typeface="굴림" panose="020B0600000101010101" pitchFamily="50" charset="-127"/>
+              </a:rPr>
+              <a:t>고객이탈방지와 재방문유도시스템 모델링</a:t>
+            </a:r>
+            <a:endParaRPr lang="en-US" altLang="ko-KR">
+              <a:ea typeface="굴림" panose="020B0600000101010101" pitchFamily="50" charset="-127"/>
+            </a:endParaRPr>
+          </a:p>
+          <a:p>
+            <a:r>
+              <a:rPr lang="ko-KR" altLang="en-US">
+                <a:ea typeface="굴림" panose="020B0600000101010101" pitchFamily="50" charset="-127"/>
+              </a:rPr>
+              <a:t>그리고 모델링을 실제 게임에 어떻게 적용했는지와 그에 따른 결과</a:t>
+            </a:r>
+            <a:r>
+              <a:rPr lang="en-US" altLang="ko-KR">
+                <a:ea typeface="굴림" panose="020B0600000101010101" pitchFamily="50" charset="-127"/>
+              </a:rPr>
+              <a:t>,</a:t>
+            </a:r>
+          </a:p>
+          <a:p>
+            <a:r>
+              <a:rPr lang="ko-KR" altLang="en-US">
+                <a:ea typeface="굴림" panose="020B0600000101010101" pitchFamily="50" charset="-127"/>
+              </a:rPr>
+              <a:t>이후 진행 상황에 대해 발표하도록 하겠습니다</a:t>
+            </a:r>
+            <a:r>
+              <a:rPr lang="en-US" altLang="ko-KR">
+                <a:ea typeface="굴림" panose="020B0600000101010101" pitchFamily="50" charset="-127"/>
+              </a:rPr>
+              <a:t>.</a:t>
+            </a:r>
+          </a:p>
+          <a:p>
+            <a:endParaRPr lang="en-US" altLang="ko-KR">
+              <a:ea typeface="굴림" panose="020B0600000101010101" pitchFamily="50" charset="-127"/>
+            </a:endParaRPr>
+          </a:p>
+        </p:txBody>
+      </p:sp>
+    </p:spTree>
+  </p:cSld>
+  <p:clrMapOvr>
+    <a:masterClrMapping/>
+  </p:clrMapOvr>
+</p:notes>
+</file>
+
+<file path=ppt/notesSlides/notesSlide30.xml><?xml version="1.0" encoding="utf-8"?>
 <p:notes xmlns:a="http://schemas.openxmlformats.org/drawingml/2006/main" xmlns:r="http://schemas.openxmlformats.org/officeDocument/2006/relationships" xmlns:p="http://schemas.openxmlformats.org/presentationml/2006/main">
   <p:cSld>
     <p:spTree>
@@ -3078,7 +3285,1360 @@
 </p:notes>
 </file>
 
-<file path=ppt/notesSlides/notesSlide3.xml><?xml version="1.0" encoding="utf-8"?>
+<file path=ppt/notesSlides/notesSlide31.xml><?xml version="1.0" encoding="utf-8"?>
+<p:notes xmlns:a="http://schemas.openxmlformats.org/drawingml/2006/main" xmlns:r="http://schemas.openxmlformats.org/officeDocument/2006/relationships" xmlns:p="http://schemas.openxmlformats.org/presentationml/2006/main">
+  <p:cSld>
+    <p:spTree>
+      <p:nvGrpSpPr>
+        <p:cNvPr id="1" name=""/>
+        <p:cNvGrpSpPr/>
+        <p:nvPr/>
+      </p:nvGrpSpPr>
+      <p:grpSpPr>
+        <a:xfrm>
+          <a:off x="0" y="0"/>
+          <a:ext cx="0" cy="0"/>
+          <a:chOff x="0" y="0"/>
+          <a:chExt cx="0" cy="0"/>
+        </a:xfrm>
+      </p:grpSpPr>
+      <p:sp>
+        <p:nvSpPr>
+          <p:cNvPr id="68610" name="슬라이드 이미지 개체 틀 1"/>
+          <p:cNvSpPr>
+            <a:spLocks noGrp="1" noRot="1" noChangeAspect="1" noTextEdit="1"/>
+          </p:cNvSpPr>
+          <p:nvPr>
+            <p:ph type="sldImg"/>
+          </p:nvPr>
+        </p:nvSpPr>
+        <p:spPr/>
+      </p:sp>
+      <p:sp>
+        <p:nvSpPr>
+          <p:cNvPr id="68611" name="슬라이드 노트 개체 틀 2"/>
+          <p:cNvSpPr>
+            <a:spLocks noGrp="1"/>
+          </p:cNvSpPr>
+          <p:nvPr>
+            <p:ph type="body" idx="1"/>
+          </p:nvPr>
+        </p:nvSpPr>
+        <p:spPr>
+          <a:noFill/>
+          <a:extLst>
+            <a:ext uri="{91240B29-F687-4F45-9708-019B960494DF}">
+              <a14:hiddenLine xmlns:a14="http://schemas.microsoft.com/office/drawing/2010/main" w="9525">
+                <a:solidFill>
+                  <a:srgbClr val="000000"/>
+                </a:solidFill>
+                <a:miter lim="800000"/>
+                <a:headEnd/>
+                <a:tailEnd/>
+              </a14:hiddenLine>
+            </a:ext>
+          </a:extLst>
+        </p:spPr>
+        <p:txBody>
+          <a:bodyPr/>
+          <a:lstStyle/>
+          <a:p>
+            <a:r>
+              <a:rPr lang="ko-KR" altLang="en-US">
+                <a:ea typeface="굴림" panose="020B0600000101010101" pitchFamily="50" charset="-127"/>
+              </a:rPr>
+              <a:t>다음으로 교육에 사용될 알고리즘을 선택합니다</a:t>
+            </a:r>
+            <a:r>
+              <a:rPr lang="en-US" altLang="ko-KR">
+                <a:ea typeface="굴림" panose="020B0600000101010101" pitchFamily="50" charset="-127"/>
+              </a:rPr>
+              <a:t>.</a:t>
+            </a:r>
+          </a:p>
+          <a:p>
+            <a:r>
+              <a:rPr lang="ko-KR" altLang="en-US">
+                <a:ea typeface="굴림" panose="020B0600000101010101" pitchFamily="50" charset="-127"/>
+              </a:rPr>
+              <a:t>우리는 탈퇴 혹은 접속 두 가지 케이스를 살펴 볼 것이므로 </a:t>
+            </a:r>
+            <a:r>
+              <a:rPr lang="en-US" altLang="ko-KR">
+                <a:ea typeface="굴림" panose="020B0600000101010101" pitchFamily="50" charset="-127"/>
+              </a:rPr>
+              <a:t>classification algorithms (</a:t>
+            </a:r>
+            <a:r>
+              <a:rPr lang="ko-KR" altLang="en-US">
+                <a:ea typeface="굴림" panose="020B0600000101010101" pitchFamily="50" charset="-127"/>
+              </a:rPr>
+              <a:t>분류 알고리즘</a:t>
+            </a:r>
+            <a:r>
+              <a:rPr lang="en-US" altLang="ko-KR">
+                <a:ea typeface="굴림" panose="020B0600000101010101" pitchFamily="50" charset="-127"/>
+              </a:rPr>
+              <a:t>) </a:t>
+            </a:r>
+            <a:r>
+              <a:rPr lang="ko-KR" altLang="en-US">
+                <a:ea typeface="굴림" panose="020B0600000101010101" pitchFamily="50" charset="-127"/>
+              </a:rPr>
+              <a:t>을 사용할 것이고</a:t>
+            </a:r>
+            <a:r>
+              <a:rPr lang="en-US" altLang="ko-KR">
+                <a:ea typeface="굴림" panose="020B0600000101010101" pitchFamily="50" charset="-127"/>
+              </a:rPr>
+              <a:t>,</a:t>
+            </a:r>
+          </a:p>
+          <a:p>
+            <a:r>
+              <a:rPr lang="ko-KR" altLang="en-US">
+                <a:ea typeface="굴림" panose="020B0600000101010101" pitchFamily="50" charset="-127"/>
+              </a:rPr>
+              <a:t>이 분류 알고리즘 중에 두 가지 케이스를 판단할 때</a:t>
+            </a:r>
+            <a:r>
+              <a:rPr lang="en-US" altLang="ko-KR">
+                <a:ea typeface="굴림" panose="020B0600000101010101" pitchFamily="50" charset="-127"/>
+              </a:rPr>
+              <a:t>, </a:t>
+            </a:r>
+            <a:r>
+              <a:rPr lang="ko-KR" altLang="en-US">
+                <a:ea typeface="굴림" panose="020B0600000101010101" pitchFamily="50" charset="-127"/>
+              </a:rPr>
+              <a:t>가장</a:t>
+            </a:r>
+            <a:r>
+              <a:rPr lang="en-US" altLang="ko-KR">
+                <a:ea typeface="굴림" panose="020B0600000101010101" pitchFamily="50" charset="-127"/>
+              </a:rPr>
+              <a:t> </a:t>
+            </a:r>
+            <a:r>
+              <a:rPr lang="ko-KR" altLang="en-US">
+                <a:ea typeface="굴림" panose="020B0600000101010101" pitchFamily="50" charset="-127"/>
+              </a:rPr>
+              <a:t>적절하게 사용할 수 있는 </a:t>
+            </a:r>
+            <a:r>
+              <a:rPr lang="en-US" altLang="ko-KR">
+                <a:solidFill>
+                  <a:schemeClr val="tx1"/>
+                </a:solidFill>
+                <a:latin typeface="KoPub돋움체 Medium" panose="02020603020101020101" pitchFamily="18" charset="-127"/>
+                <a:ea typeface="KoPub돋움체 Medium" panose="02020603020101020101" pitchFamily="18" charset="-127"/>
+                <a:sym typeface="Wingdings" panose="05000000000000000000" pitchFamily="2" charset="2"/>
+              </a:rPr>
+              <a:t>Two-Class Boosted Decision Tree </a:t>
+            </a:r>
+            <a:r>
+              <a:rPr lang="ko-KR" altLang="en-US">
+                <a:solidFill>
+                  <a:schemeClr val="tx1"/>
+                </a:solidFill>
+                <a:latin typeface="KoPub돋움체 Medium" panose="02020603020101020101" pitchFamily="18" charset="-127"/>
+                <a:ea typeface="KoPub돋움체 Medium" panose="02020603020101020101" pitchFamily="18" charset="-127"/>
+                <a:sym typeface="Wingdings" panose="05000000000000000000" pitchFamily="2" charset="2"/>
+              </a:rPr>
+              <a:t>알고리즘을</a:t>
+            </a:r>
+            <a:r>
+              <a:rPr lang="ko-KR" altLang="en-US">
+                <a:ea typeface="굴림" panose="020B0600000101010101" pitchFamily="50" charset="-127"/>
+              </a:rPr>
+              <a:t> 사용합니다</a:t>
+            </a:r>
+            <a:r>
+              <a:rPr lang="en-US" altLang="ko-KR">
+                <a:ea typeface="굴림" panose="020B0600000101010101" pitchFamily="50" charset="-127"/>
+              </a:rPr>
+              <a:t>.</a:t>
+            </a:r>
+            <a:endParaRPr lang="en-US" altLang="ko-KR">
+              <a:solidFill>
+                <a:schemeClr val="tx1"/>
+              </a:solidFill>
+              <a:latin typeface="KoPub돋움체 Medium" panose="02020603020101020101" pitchFamily="18" charset="-127"/>
+              <a:ea typeface="KoPub돋움체 Medium" panose="02020603020101020101" pitchFamily="18" charset="-127"/>
+              <a:sym typeface="Wingdings" panose="05000000000000000000" pitchFamily="2" charset="2"/>
+            </a:endParaRPr>
+          </a:p>
+        </p:txBody>
+      </p:sp>
+    </p:spTree>
+    <p:extLst>
+      <p:ext uri="{BB962C8B-B14F-4D97-AF65-F5344CB8AC3E}">
+        <p14:creationId xmlns:p14="http://schemas.microsoft.com/office/powerpoint/2010/main" val="2894234071"/>
+      </p:ext>
+    </p:extLst>
+  </p:cSld>
+  <p:clrMapOvr>
+    <a:masterClrMapping/>
+  </p:clrMapOvr>
+</p:notes>
+</file>
+
+<file path=ppt/notesSlides/notesSlide32.xml><?xml version="1.0" encoding="utf-8"?>
+<p:notes xmlns:a="http://schemas.openxmlformats.org/drawingml/2006/main" xmlns:r="http://schemas.openxmlformats.org/officeDocument/2006/relationships" xmlns:p="http://schemas.openxmlformats.org/presentationml/2006/main">
+  <p:cSld>
+    <p:spTree>
+      <p:nvGrpSpPr>
+        <p:cNvPr id="1" name=""/>
+        <p:cNvGrpSpPr/>
+        <p:nvPr/>
+      </p:nvGrpSpPr>
+      <p:grpSpPr>
+        <a:xfrm>
+          <a:off x="0" y="0"/>
+          <a:ext cx="0" cy="0"/>
+          <a:chOff x="0" y="0"/>
+          <a:chExt cx="0" cy="0"/>
+        </a:xfrm>
+      </p:grpSpPr>
+      <p:sp>
+        <p:nvSpPr>
+          <p:cNvPr id="70658" name="슬라이드 이미지 개체 틀 1"/>
+          <p:cNvSpPr>
+            <a:spLocks noGrp="1" noRot="1" noChangeAspect="1" noTextEdit="1"/>
+          </p:cNvSpPr>
+          <p:nvPr>
+            <p:ph type="sldImg"/>
+          </p:nvPr>
+        </p:nvSpPr>
+        <p:spPr/>
+      </p:sp>
+      <p:sp>
+        <p:nvSpPr>
+          <p:cNvPr id="70659" name="슬라이드 노트 개체 틀 2"/>
+          <p:cNvSpPr>
+            <a:spLocks noGrp="1"/>
+          </p:cNvSpPr>
+          <p:nvPr>
+            <p:ph type="body" idx="1"/>
+          </p:nvPr>
+        </p:nvSpPr>
+        <p:spPr>
+          <a:noFill/>
+          <a:extLst>
+            <a:ext uri="{91240B29-F687-4F45-9708-019B960494DF}">
+              <a14:hiddenLine xmlns:a14="http://schemas.microsoft.com/office/drawing/2010/main" w="9525">
+                <a:solidFill>
+                  <a:srgbClr val="000000"/>
+                </a:solidFill>
+                <a:miter lim="800000"/>
+                <a:headEnd/>
+                <a:tailEnd/>
+              </a14:hiddenLine>
+            </a:ext>
+          </a:extLst>
+        </p:spPr>
+        <p:txBody>
+          <a:bodyPr/>
+          <a:lstStyle/>
+          <a:p>
+            <a:r>
+              <a:rPr lang="ko-KR" altLang="en-US">
+                <a:ea typeface="굴림" panose="020B0600000101010101" pitchFamily="50" charset="-127"/>
+              </a:rPr>
+              <a:t>다섯번째로 예측할 컬럼을 지정하고</a:t>
+            </a:r>
+            <a:r>
+              <a:rPr lang="en-US" altLang="ko-KR">
+                <a:ea typeface="굴림" panose="020B0600000101010101" pitchFamily="50" charset="-127"/>
+              </a:rPr>
+              <a:t>, </a:t>
+            </a:r>
+            <a:r>
+              <a:rPr lang="ko-KR" altLang="en-US">
+                <a:ea typeface="굴림" panose="020B0600000101010101" pitchFamily="50" charset="-127"/>
+              </a:rPr>
+              <a:t>데이터를 학습 시킵니다</a:t>
+            </a:r>
+            <a:r>
+              <a:rPr lang="en-US" altLang="ko-KR">
+                <a:ea typeface="굴림" panose="020B0600000101010101" pitchFamily="50" charset="-127"/>
+              </a:rPr>
+              <a:t>.</a:t>
+            </a:r>
+          </a:p>
+          <a:p>
+            <a:r>
+              <a:rPr lang="ko-KR" altLang="en-US">
+                <a:ea typeface="굴림" panose="020B0600000101010101" pitchFamily="50" charset="-127"/>
+              </a:rPr>
+              <a:t>우리가 예측할 컬럼은 </a:t>
+            </a:r>
+            <a:r>
+              <a:rPr lang="en-US" altLang="ko-KR">
+                <a:solidFill>
+                  <a:schemeClr val="tx1"/>
+                </a:solidFill>
+                <a:latin typeface="KoPub돋움체 Medium" panose="02020603020101020101" pitchFamily="18" charset="-127"/>
+                <a:ea typeface="KoPub돋움체 Medium" panose="02020603020101020101" pitchFamily="18" charset="-127"/>
+                <a:sym typeface="Wingdings" panose="05000000000000000000" pitchFamily="2" charset="2"/>
+              </a:rPr>
+              <a:t>nextdayConnect </a:t>
+            </a:r>
+            <a:r>
+              <a:rPr lang="ko-KR" altLang="en-US">
+                <a:solidFill>
+                  <a:schemeClr val="tx1"/>
+                </a:solidFill>
+                <a:latin typeface="KoPub돋움체 Medium" panose="02020603020101020101" pitchFamily="18" charset="-127"/>
+                <a:ea typeface="KoPub돋움체 Medium" panose="02020603020101020101" pitchFamily="18" charset="-127"/>
+                <a:sym typeface="Wingdings" panose="05000000000000000000" pitchFamily="2" charset="2"/>
+              </a:rPr>
+              <a:t>즉</a:t>
+            </a:r>
+            <a:r>
+              <a:rPr lang="en-US" altLang="ko-KR">
+                <a:solidFill>
+                  <a:schemeClr val="tx1"/>
+                </a:solidFill>
+                <a:latin typeface="KoPub돋움체 Medium" panose="02020603020101020101" pitchFamily="18" charset="-127"/>
+                <a:ea typeface="KoPub돋움체 Medium" panose="02020603020101020101" pitchFamily="18" charset="-127"/>
+                <a:sym typeface="Wingdings" panose="05000000000000000000" pitchFamily="2" charset="2"/>
+              </a:rPr>
+              <a:t>, </a:t>
+            </a:r>
+            <a:r>
+              <a:rPr lang="ko-KR" altLang="en-US">
+                <a:solidFill>
+                  <a:schemeClr val="tx1"/>
+                </a:solidFill>
+                <a:latin typeface="KoPub돋움체 Medium" panose="02020603020101020101" pitchFamily="18" charset="-127"/>
+                <a:ea typeface="KoPub돋움체 Medium" panose="02020603020101020101" pitchFamily="18" charset="-127"/>
+                <a:sym typeface="Wingdings" panose="05000000000000000000" pitchFamily="2" charset="2"/>
+              </a:rPr>
+              <a:t>다음날 접속 여부 입니다</a:t>
+            </a:r>
+            <a:r>
+              <a:rPr lang="en-US" altLang="ko-KR">
+                <a:solidFill>
+                  <a:schemeClr val="tx1"/>
+                </a:solidFill>
+                <a:latin typeface="KoPub돋움체 Medium" panose="02020603020101020101" pitchFamily="18" charset="-127"/>
+                <a:ea typeface="KoPub돋움체 Medium" panose="02020603020101020101" pitchFamily="18" charset="-127"/>
+                <a:sym typeface="Wingdings" panose="05000000000000000000" pitchFamily="2" charset="2"/>
+              </a:rPr>
+              <a:t>.</a:t>
+            </a:r>
+          </a:p>
+          <a:p>
+            <a:endParaRPr lang="ko-KR" altLang="en-US">
+              <a:ea typeface="굴림" panose="020B0600000101010101" pitchFamily="50" charset="-127"/>
+            </a:endParaRPr>
+          </a:p>
+        </p:txBody>
+      </p:sp>
+    </p:spTree>
+    <p:extLst>
+      <p:ext uri="{BB962C8B-B14F-4D97-AF65-F5344CB8AC3E}">
+        <p14:creationId xmlns:p14="http://schemas.microsoft.com/office/powerpoint/2010/main" val="3773675911"/>
+      </p:ext>
+    </p:extLst>
+  </p:cSld>
+  <p:clrMapOvr>
+    <a:masterClrMapping/>
+  </p:clrMapOvr>
+</p:notes>
+</file>
+
+<file path=ppt/notesSlides/notesSlide33.xml><?xml version="1.0" encoding="utf-8"?>
+<p:notes xmlns:a="http://schemas.openxmlformats.org/drawingml/2006/main" xmlns:r="http://schemas.openxmlformats.org/officeDocument/2006/relationships" xmlns:p="http://schemas.openxmlformats.org/presentationml/2006/main">
+  <p:cSld>
+    <p:spTree>
+      <p:nvGrpSpPr>
+        <p:cNvPr id="1" name=""/>
+        <p:cNvGrpSpPr/>
+        <p:nvPr/>
+      </p:nvGrpSpPr>
+      <p:grpSpPr>
+        <a:xfrm>
+          <a:off x="0" y="0"/>
+          <a:ext cx="0" cy="0"/>
+          <a:chOff x="0" y="0"/>
+          <a:chExt cx="0" cy="0"/>
+        </a:xfrm>
+      </p:grpSpPr>
+      <p:sp>
+        <p:nvSpPr>
+          <p:cNvPr id="72706" name="슬라이드 이미지 개체 틀 1"/>
+          <p:cNvSpPr>
+            <a:spLocks noGrp="1" noRot="1" noChangeAspect="1" noTextEdit="1"/>
+          </p:cNvSpPr>
+          <p:nvPr>
+            <p:ph type="sldImg"/>
+          </p:nvPr>
+        </p:nvSpPr>
+        <p:spPr/>
+      </p:sp>
+      <p:sp>
+        <p:nvSpPr>
+          <p:cNvPr id="72707" name="슬라이드 노트 개체 틀 2"/>
+          <p:cNvSpPr>
+            <a:spLocks noGrp="1"/>
+          </p:cNvSpPr>
+          <p:nvPr>
+            <p:ph type="body" idx="1"/>
+          </p:nvPr>
+        </p:nvSpPr>
+        <p:spPr>
+          <a:noFill/>
+          <a:extLst>
+            <a:ext uri="{91240B29-F687-4F45-9708-019B960494DF}">
+              <a14:hiddenLine xmlns:a14="http://schemas.microsoft.com/office/drawing/2010/main" w="9525">
+                <a:solidFill>
+                  <a:srgbClr val="000000"/>
+                </a:solidFill>
+                <a:miter lim="800000"/>
+                <a:headEnd/>
+                <a:tailEnd/>
+              </a14:hiddenLine>
+            </a:ext>
+          </a:extLst>
+        </p:spPr>
+        <p:txBody>
+          <a:bodyPr/>
+          <a:lstStyle/>
+          <a:p>
+            <a:r>
+              <a:rPr lang="ko-KR" altLang="en-US">
+                <a:ea typeface="굴림" panose="020B0600000101010101" pitchFamily="50" charset="-127"/>
+              </a:rPr>
+              <a:t>이제 거의 다 왔습니다</a:t>
+            </a:r>
+            <a:r>
+              <a:rPr lang="en-US" altLang="ko-KR">
+                <a:ea typeface="굴림" panose="020B0600000101010101" pitchFamily="50" charset="-127"/>
+              </a:rPr>
+              <a:t>.</a:t>
+            </a:r>
+          </a:p>
+          <a:p>
+            <a:endParaRPr lang="en-US" altLang="ko-KR">
+              <a:ea typeface="굴림" panose="020B0600000101010101" pitchFamily="50" charset="-127"/>
+            </a:endParaRPr>
+          </a:p>
+          <a:p>
+            <a:r>
+              <a:rPr lang="ko-KR" altLang="en-US">
+                <a:ea typeface="굴림" panose="020B0600000101010101" pitchFamily="50" charset="-127"/>
+              </a:rPr>
+              <a:t>학습단계의 마지막인 수치화 단계입니다</a:t>
+            </a:r>
+            <a:r>
+              <a:rPr lang="en-US" altLang="ko-KR">
+                <a:ea typeface="굴림" panose="020B0600000101010101" pitchFamily="50" charset="-127"/>
+              </a:rPr>
+              <a:t>.</a:t>
+            </a:r>
+          </a:p>
+          <a:p>
+            <a:r>
+              <a:rPr lang="ko-KR" altLang="en-US">
+                <a:ea typeface="굴림" panose="020B0600000101010101" pitchFamily="50" charset="-127"/>
+              </a:rPr>
+              <a:t>학습 시킨 데이터를 확률화 합니다</a:t>
+            </a:r>
+            <a:r>
+              <a:rPr lang="en-US" altLang="ko-KR">
+                <a:ea typeface="굴림" panose="020B0600000101010101" pitchFamily="50" charset="-127"/>
+              </a:rPr>
+              <a:t>.</a:t>
+            </a:r>
+          </a:p>
+          <a:p>
+            <a:r>
+              <a:rPr lang="ko-KR" altLang="en-US">
+                <a:ea typeface="굴림" panose="020B0600000101010101" pitchFamily="50" charset="-127"/>
+              </a:rPr>
+              <a:t>해당 모델링에서 확률화 하는 항목은 다음날 접속 여부이고</a:t>
+            </a:r>
+            <a:r>
+              <a:rPr lang="en-US" altLang="ko-KR">
+                <a:ea typeface="굴림" panose="020B0600000101010101" pitchFamily="50" charset="-127"/>
+              </a:rPr>
+              <a:t>,</a:t>
+            </a:r>
+          </a:p>
+          <a:p>
+            <a:r>
+              <a:rPr lang="en-US" altLang="ko-KR">
+                <a:ea typeface="굴림" panose="020B0600000101010101" pitchFamily="50" charset="-127"/>
+              </a:rPr>
+              <a:t>0~1 </a:t>
+            </a:r>
+            <a:r>
+              <a:rPr lang="ko-KR" altLang="en-US">
+                <a:ea typeface="굴림" panose="020B0600000101010101" pitchFamily="50" charset="-127"/>
+              </a:rPr>
+              <a:t>까지의 숫자로 표현 됩니다</a:t>
+            </a:r>
+            <a:r>
+              <a:rPr lang="en-US" altLang="ko-KR">
+                <a:ea typeface="굴림" panose="020B0600000101010101" pitchFamily="50" charset="-127"/>
+              </a:rPr>
+              <a:t>.</a:t>
+            </a:r>
+          </a:p>
+        </p:txBody>
+      </p:sp>
+    </p:spTree>
+    <p:extLst>
+      <p:ext uri="{BB962C8B-B14F-4D97-AF65-F5344CB8AC3E}">
+        <p14:creationId xmlns:p14="http://schemas.microsoft.com/office/powerpoint/2010/main" val="3836064895"/>
+      </p:ext>
+    </p:extLst>
+  </p:cSld>
+  <p:clrMapOvr>
+    <a:masterClrMapping/>
+  </p:clrMapOvr>
+</p:notes>
+</file>
+
+<file path=ppt/notesSlides/notesSlide34.xml><?xml version="1.0" encoding="utf-8"?>
+<p:notes xmlns:a="http://schemas.openxmlformats.org/drawingml/2006/main" xmlns:r="http://schemas.openxmlformats.org/officeDocument/2006/relationships" xmlns:p="http://schemas.openxmlformats.org/presentationml/2006/main">
+  <p:cSld>
+    <p:spTree>
+      <p:nvGrpSpPr>
+        <p:cNvPr id="1" name=""/>
+        <p:cNvGrpSpPr/>
+        <p:nvPr/>
+      </p:nvGrpSpPr>
+      <p:grpSpPr>
+        <a:xfrm>
+          <a:off x="0" y="0"/>
+          <a:ext cx="0" cy="0"/>
+          <a:chOff x="0" y="0"/>
+          <a:chExt cx="0" cy="0"/>
+        </a:xfrm>
+      </p:grpSpPr>
+      <p:sp>
+        <p:nvSpPr>
+          <p:cNvPr id="74754" name="슬라이드 이미지 개체 틀 1"/>
+          <p:cNvSpPr>
+            <a:spLocks noGrp="1" noRot="1" noChangeAspect="1" noTextEdit="1"/>
+          </p:cNvSpPr>
+          <p:nvPr>
+            <p:ph type="sldImg"/>
+          </p:nvPr>
+        </p:nvSpPr>
+        <p:spPr/>
+      </p:sp>
+      <p:sp>
+        <p:nvSpPr>
+          <p:cNvPr id="44035" name="슬라이드 노트 개체 틀 2"/>
+          <p:cNvSpPr>
+            <a:spLocks noGrp="1"/>
+          </p:cNvSpPr>
+          <p:nvPr>
+            <p:ph type="body" idx="1"/>
+          </p:nvPr>
+        </p:nvSpPr>
+        <p:spPr>
+          <a:extLst>
+            <a:ext uri="{91240B29-F687-4F45-9708-019B960494DF}">
+              <a14:hiddenLine xmlns:a14="http://schemas.microsoft.com/office/drawing/2010/main" w="9525">
+                <a:solidFill>
+                  <a:srgbClr val="000000"/>
+                </a:solidFill>
+                <a:miter lim="800000"/>
+                <a:headEnd/>
+                <a:tailEnd/>
+              </a14:hiddenLine>
+            </a:ext>
+          </a:extLst>
+        </p:spPr>
+        <p:txBody>
+          <a:bodyPr/>
+          <a:lstStyle/>
+          <a:p>
+            <a:pPr>
+              <a:defRPr/>
+            </a:pPr>
+            <a:r>
+              <a:rPr lang="ko-KR" altLang="en-US" dirty="0">
+                <a:latin typeface="+mj-lt"/>
+                <a:ea typeface="굴림" panose="020B0600000101010101" pitchFamily="50" charset="-127"/>
+              </a:rPr>
+              <a:t>마지막으로 학습시킨 모델링을 검증해 봅니다</a:t>
+            </a:r>
+            <a:r>
+              <a:rPr lang="en-US" altLang="ko-KR" dirty="0">
+                <a:latin typeface="+mj-lt"/>
+                <a:ea typeface="굴림" panose="020B0600000101010101" pitchFamily="50" charset="-127"/>
+              </a:rPr>
+              <a:t>.</a:t>
+            </a:r>
+          </a:p>
+          <a:p>
+            <a:pPr>
+              <a:defRPr/>
+            </a:pPr>
+            <a:r>
+              <a:rPr lang="ko-KR" altLang="en-US" dirty="0">
+                <a:latin typeface="+mj-lt"/>
+                <a:ea typeface="굴림" panose="020B0600000101010101" pitchFamily="50" charset="-127"/>
+              </a:rPr>
+              <a:t>물론 자신이 만든 모델링에 대한 의심의 여지가 없다면 검증 단계는 필요 없겠지만</a:t>
+            </a:r>
+            <a:r>
+              <a:rPr lang="en-US" altLang="ko-KR" dirty="0">
+                <a:latin typeface="+mj-lt"/>
+                <a:ea typeface="굴림" panose="020B0600000101010101" pitchFamily="50" charset="-127"/>
+              </a:rPr>
+              <a:t>, </a:t>
+            </a:r>
+            <a:r>
+              <a:rPr lang="ko-KR" altLang="en-US" dirty="0">
+                <a:latin typeface="+mj-lt"/>
+                <a:ea typeface="굴림" panose="020B0600000101010101" pitchFamily="50" charset="-127"/>
+              </a:rPr>
+              <a:t>우리는 이제 시작 하는 뉴비이므로</a:t>
+            </a:r>
+            <a:r>
+              <a:rPr lang="en-US" altLang="ko-KR" dirty="0">
+                <a:latin typeface="+mj-lt"/>
+                <a:ea typeface="굴림" panose="020B0600000101010101" pitchFamily="50" charset="-127"/>
+              </a:rPr>
+              <a:t>, </a:t>
+            </a:r>
+            <a:br>
+              <a:rPr lang="en-US" altLang="ko-KR" dirty="0">
+                <a:latin typeface="+mj-lt"/>
+                <a:ea typeface="굴림" panose="020B0600000101010101" pitchFamily="50" charset="-127"/>
+              </a:rPr>
+            </a:br>
+            <a:r>
+              <a:rPr lang="ko-KR" altLang="en-US" dirty="0">
+                <a:latin typeface="+mj-lt"/>
+                <a:ea typeface="굴림" panose="020B0600000101010101" pitchFamily="50" charset="-127"/>
+              </a:rPr>
+              <a:t>우리가 만든 모델링이 쓸만한지 검증을 해야 합니다</a:t>
+            </a:r>
+            <a:r>
+              <a:rPr lang="en-US" altLang="ko-KR" dirty="0">
+                <a:latin typeface="+mj-lt"/>
+                <a:ea typeface="굴림" panose="020B0600000101010101" pitchFamily="50" charset="-127"/>
+              </a:rPr>
+              <a:t>.</a:t>
+            </a:r>
+          </a:p>
+          <a:p>
+            <a:pPr>
+              <a:defRPr/>
+            </a:pPr>
+            <a:endParaRPr lang="en-US" altLang="ko-KR" dirty="0">
+              <a:latin typeface="+mj-lt"/>
+              <a:ea typeface="굴림" panose="020B0600000101010101" pitchFamily="50" charset="-127"/>
+            </a:endParaRPr>
+          </a:p>
+          <a:p>
+            <a:pPr>
+              <a:defRPr/>
+            </a:pPr>
+            <a:r>
+              <a:rPr lang="ko-KR" altLang="en-US" dirty="0">
+                <a:latin typeface="+mj-lt"/>
+                <a:ea typeface="굴림" panose="020B0600000101010101" pitchFamily="50" charset="-127"/>
+              </a:rPr>
+              <a:t>오른쪽 그림이 지금까지 만들어본 재방문 유도 시스템의 성적표 입니다</a:t>
+            </a:r>
+            <a:r>
+              <a:rPr lang="en-US" altLang="ko-KR" dirty="0">
+                <a:latin typeface="+mj-lt"/>
+                <a:ea typeface="굴림" panose="020B0600000101010101" pitchFamily="50" charset="-127"/>
+              </a:rPr>
+              <a:t>. </a:t>
+            </a:r>
+          </a:p>
+          <a:p>
+            <a:pPr>
+              <a:defRPr/>
+            </a:pPr>
+            <a:r>
+              <a:rPr lang="ko-KR" altLang="en-US" dirty="0">
+                <a:latin typeface="+mj-lt"/>
+                <a:ea typeface="굴림" panose="020B0600000101010101" pitchFamily="50" charset="-127"/>
+              </a:rPr>
+              <a:t>통계 언어라서 저도 잘은 모르는데</a:t>
+            </a:r>
+            <a:r>
+              <a:rPr lang="en-US" altLang="ko-KR" dirty="0">
+                <a:latin typeface="+mj-lt"/>
+                <a:ea typeface="굴림" panose="020B0600000101010101" pitchFamily="50" charset="-127"/>
+              </a:rPr>
+              <a:t>, </a:t>
+            </a:r>
+            <a:br>
+              <a:rPr lang="en-US" altLang="ko-KR" dirty="0">
+                <a:latin typeface="+mj-lt"/>
+                <a:ea typeface="굴림" panose="020B0600000101010101" pitchFamily="50" charset="-127"/>
+              </a:rPr>
+            </a:br>
+            <a:r>
+              <a:rPr lang="en-US" altLang="ko-KR" dirty="0">
+                <a:latin typeface="+mj-lt"/>
+                <a:ea typeface="굴림" panose="020B0600000101010101" pitchFamily="50" charset="-127"/>
+              </a:rPr>
+              <a:t>ROC </a:t>
+            </a:r>
+            <a:r>
+              <a:rPr lang="ko-KR" altLang="en-US" dirty="0">
+                <a:latin typeface="+mj-lt"/>
+                <a:ea typeface="굴림" panose="020B0600000101010101" pitchFamily="50" charset="-127"/>
+              </a:rPr>
+              <a:t>커브</a:t>
+            </a:r>
+            <a:r>
+              <a:rPr lang="en-US" altLang="ko-KR" dirty="0">
+                <a:latin typeface="+mj-lt"/>
+                <a:ea typeface="굴림" panose="020B0600000101010101" pitchFamily="50" charset="-127"/>
+              </a:rPr>
+              <a:t>(Receiver Operating Characteristic curve) </a:t>
+            </a:r>
+            <a:r>
+              <a:rPr lang="ko-KR" altLang="en-US" dirty="0">
+                <a:latin typeface="+mj-lt"/>
+                <a:ea typeface="굴림" panose="020B0600000101010101" pitchFamily="50" charset="-127"/>
+              </a:rPr>
+              <a:t>그래프의 </a:t>
+            </a:r>
+            <a:r>
+              <a:rPr lang="en-US" altLang="ko-KR" b="1" dirty="0">
+                <a:latin typeface="+mj-lt"/>
+                <a:ea typeface="굴림" panose="020B0600000101010101" pitchFamily="50" charset="-127"/>
+              </a:rPr>
+              <a:t>AUC (Area Under the ROC Curve) </a:t>
+            </a:r>
+            <a:r>
+              <a:rPr lang="ko-KR" altLang="en-US" b="1" dirty="0">
+                <a:latin typeface="+mj-lt"/>
+                <a:ea typeface="굴림" panose="020B0600000101010101" pitchFamily="50" charset="-127"/>
+              </a:rPr>
+              <a:t>수치가 </a:t>
+            </a:r>
+            <a:r>
+              <a:rPr lang="en-US" altLang="ko-KR" b="1" dirty="0">
+                <a:latin typeface="+mj-lt"/>
+                <a:ea typeface="굴림" panose="020B0600000101010101" pitchFamily="50" charset="-127"/>
+              </a:rPr>
+              <a:t>0.873 </a:t>
+            </a:r>
+            <a:r>
+              <a:rPr lang="ko-KR" altLang="en-US" b="1" dirty="0">
+                <a:latin typeface="+mj-lt"/>
+                <a:ea typeface="굴림" panose="020B0600000101010101" pitchFamily="50" charset="-127"/>
+              </a:rPr>
+              <a:t>입니다</a:t>
+            </a:r>
+            <a:r>
+              <a:rPr lang="en-US" altLang="ko-KR" b="1" dirty="0">
+                <a:latin typeface="+mj-lt"/>
+                <a:ea typeface="굴림" panose="020B0600000101010101" pitchFamily="50" charset="-127"/>
+              </a:rPr>
+              <a:t>.</a:t>
+            </a:r>
+          </a:p>
+          <a:p>
+            <a:pPr>
+              <a:defRPr/>
+            </a:pPr>
+            <a:r>
+              <a:rPr lang="en-US" altLang="ko-KR" dirty="0">
+                <a:latin typeface="+mj-lt"/>
+                <a:ea typeface="굴림" panose="020B0600000101010101" pitchFamily="50" charset="-127"/>
+              </a:rPr>
+              <a:t>AUC</a:t>
+            </a:r>
+            <a:r>
+              <a:rPr lang="ko-KR" altLang="en-US">
+                <a:latin typeface="+mj-lt"/>
+                <a:ea typeface="굴림" panose="020B0600000101010101" pitchFamily="50" charset="-127"/>
+              </a:rPr>
+              <a:t>는 </a:t>
+            </a:r>
+            <a:r>
+              <a:rPr lang="en-US" altLang="ko-KR" dirty="0">
+                <a:latin typeface="+mj-lt"/>
+                <a:ea typeface="굴림" panose="020B0600000101010101" pitchFamily="50" charset="-127"/>
+              </a:rPr>
+              <a:t>Area Under the ROC Curve</a:t>
+            </a:r>
+            <a:r>
+              <a:rPr lang="ko-KR" altLang="en-US" dirty="0">
+                <a:latin typeface="+mj-lt"/>
+                <a:ea typeface="굴림" panose="020B0600000101010101" pitchFamily="50" charset="-127"/>
+              </a:rPr>
+              <a:t>의 약자이며</a:t>
+            </a:r>
+            <a:r>
+              <a:rPr lang="en-US" altLang="ko-KR" dirty="0">
+                <a:latin typeface="+mj-lt"/>
+                <a:ea typeface="굴림" panose="020B0600000101010101" pitchFamily="50" charset="-127"/>
+              </a:rPr>
+              <a:t>, </a:t>
+            </a:r>
+            <a:r>
+              <a:rPr lang="ko-KR" altLang="en-US" dirty="0">
+                <a:latin typeface="+mj-lt"/>
+                <a:ea typeface="굴림" panose="020B0600000101010101" pitchFamily="50" charset="-127"/>
+              </a:rPr>
+              <a:t>곡선 아래 면적이란 뜻을 </a:t>
+            </a:r>
+            <a:r>
+              <a:rPr lang="ko-KR" altLang="en-US">
+                <a:latin typeface="+mj-lt"/>
+                <a:ea typeface="굴림" panose="020B0600000101010101" pitchFamily="50" charset="-127"/>
+              </a:rPr>
+              <a:t>가지고 있습니다</a:t>
+            </a:r>
+            <a:r>
+              <a:rPr lang="en-US" altLang="ko-KR" dirty="0">
+                <a:latin typeface="+mj-lt"/>
+                <a:ea typeface="굴림" panose="020B0600000101010101" pitchFamily="50" charset="-127"/>
+              </a:rPr>
+              <a:t>. </a:t>
+            </a:r>
+          </a:p>
+          <a:p>
+            <a:pPr>
+              <a:defRPr/>
+            </a:pPr>
+            <a:r>
+              <a:rPr lang="ko-KR" altLang="en-US" dirty="0" err="1">
+                <a:latin typeface="+mj-lt"/>
+                <a:ea typeface="굴림" panose="020B0600000101010101" pitchFamily="50" charset="-127"/>
+              </a:rPr>
+              <a:t>레퍼런스</a:t>
+            </a:r>
+            <a:r>
+              <a:rPr lang="ko-KR" altLang="en-US" dirty="0">
+                <a:latin typeface="+mj-lt"/>
+                <a:ea typeface="굴림" panose="020B0600000101010101" pitchFamily="50" charset="-127"/>
+              </a:rPr>
+              <a:t> 라인이 </a:t>
+            </a:r>
+            <a:r>
+              <a:rPr lang="en-US" altLang="ko-KR" dirty="0">
+                <a:latin typeface="+mj-lt"/>
+                <a:ea typeface="굴림" panose="020B0600000101010101" pitchFamily="50" charset="-127"/>
+              </a:rPr>
+              <a:t>0.5</a:t>
+            </a:r>
+            <a:r>
+              <a:rPr lang="ko-KR" altLang="en-US" dirty="0">
+                <a:latin typeface="+mj-lt"/>
+                <a:ea typeface="굴림" panose="020B0600000101010101" pitchFamily="50" charset="-127"/>
+              </a:rPr>
+              <a:t>를 나타내는데</a:t>
+            </a:r>
+            <a:r>
+              <a:rPr lang="en-US" altLang="ko-KR" dirty="0">
+                <a:latin typeface="+mj-lt"/>
+                <a:ea typeface="굴림" panose="020B0600000101010101" pitchFamily="50" charset="-127"/>
+              </a:rPr>
+              <a:t>, </a:t>
+            </a:r>
+            <a:r>
+              <a:rPr lang="ko-KR" altLang="en-US" dirty="0">
+                <a:latin typeface="+mj-lt"/>
+                <a:ea typeface="굴림" panose="020B0600000101010101" pitchFamily="50" charset="-127"/>
+              </a:rPr>
+              <a:t>이 </a:t>
+            </a:r>
+            <a:r>
+              <a:rPr lang="ko-KR" altLang="en-US" dirty="0" err="1">
+                <a:latin typeface="+mj-lt"/>
+                <a:ea typeface="굴림" panose="020B0600000101010101" pitchFamily="50" charset="-127"/>
+              </a:rPr>
+              <a:t>레퍼런스</a:t>
+            </a:r>
+            <a:r>
+              <a:rPr lang="ko-KR" altLang="en-US" dirty="0">
+                <a:latin typeface="+mj-lt"/>
+                <a:ea typeface="굴림" panose="020B0600000101010101" pitchFamily="50" charset="-127"/>
+              </a:rPr>
+              <a:t> 라인보다 왼쪽 위로 곡선이 형성되어야 의미 있는 검사법이며</a:t>
+            </a:r>
+            <a:r>
+              <a:rPr lang="en-US" altLang="ko-KR" dirty="0">
+                <a:latin typeface="+mj-lt"/>
+                <a:ea typeface="굴림" panose="020B0600000101010101" pitchFamily="50" charset="-127"/>
+              </a:rPr>
+              <a:t>, 1.0</a:t>
+            </a:r>
+            <a:r>
+              <a:rPr lang="ko-KR" altLang="en-US" dirty="0" err="1">
+                <a:latin typeface="+mj-lt"/>
+                <a:ea typeface="굴림" panose="020B0600000101010101" pitchFamily="50" charset="-127"/>
+              </a:rPr>
+              <a:t>일때</a:t>
+            </a:r>
+            <a:r>
+              <a:rPr lang="ko-KR" altLang="en-US" dirty="0">
+                <a:latin typeface="+mj-lt"/>
+                <a:ea typeface="굴림" panose="020B0600000101010101" pitchFamily="50" charset="-127"/>
+              </a:rPr>
+              <a:t> 가장 완벽해진다</a:t>
+            </a:r>
+            <a:r>
+              <a:rPr lang="en-US" altLang="ko-KR" dirty="0">
+                <a:latin typeface="+mj-lt"/>
+                <a:ea typeface="굴림" panose="020B0600000101010101" pitchFamily="50" charset="-127"/>
+              </a:rPr>
+              <a:t>. </a:t>
+            </a:r>
+          </a:p>
+          <a:p>
+            <a:pPr>
+              <a:defRPr/>
+            </a:pPr>
+            <a:r>
+              <a:rPr lang="ko-KR" altLang="en-US" dirty="0">
+                <a:latin typeface="+mj-lt"/>
+                <a:ea typeface="굴림" panose="020B0600000101010101" pitchFamily="50" charset="-127"/>
+              </a:rPr>
+              <a:t>독일인 </a:t>
+            </a:r>
+            <a:r>
+              <a:rPr lang="en-US" altLang="ko-KR" dirty="0">
+                <a:latin typeface="+mj-lt"/>
+                <a:ea typeface="굴림" panose="020B0600000101010101" pitchFamily="50" charset="-127"/>
+              </a:rPr>
+              <a:t>Muller </a:t>
+            </a:r>
+            <a:r>
+              <a:rPr lang="ko-KR" altLang="en-US" dirty="0">
+                <a:latin typeface="+mj-lt"/>
+                <a:ea typeface="굴림" panose="020B0600000101010101" pitchFamily="50" charset="-127"/>
+              </a:rPr>
+              <a:t>등은 </a:t>
+            </a:r>
+            <a:r>
+              <a:rPr lang="en-US" altLang="ko-KR" dirty="0">
+                <a:latin typeface="+mj-lt"/>
+                <a:ea typeface="굴림" panose="020B0600000101010101" pitchFamily="50" charset="-127"/>
+              </a:rPr>
+              <a:t>2005</a:t>
+            </a:r>
+            <a:r>
+              <a:rPr lang="ko-KR" altLang="en-US" dirty="0">
+                <a:latin typeface="+mj-lt"/>
+                <a:ea typeface="굴림" panose="020B0600000101010101" pitchFamily="50" charset="-127"/>
+              </a:rPr>
+              <a:t>년 논문에서 </a:t>
+            </a:r>
+            <a:r>
+              <a:rPr lang="en-US" altLang="ko-KR" dirty="0">
+                <a:latin typeface="+mj-lt"/>
+                <a:ea typeface="굴림" panose="020B0600000101010101" pitchFamily="50" charset="-127"/>
+              </a:rPr>
+              <a:t>AUC </a:t>
+            </a:r>
+            <a:r>
+              <a:rPr lang="ko-KR" altLang="en-US" dirty="0">
+                <a:latin typeface="+mj-lt"/>
+                <a:ea typeface="굴림" panose="020B0600000101010101" pitchFamily="50" charset="-127"/>
+              </a:rPr>
+              <a:t>레벨에 등급을 </a:t>
+            </a:r>
+            <a:r>
+              <a:rPr lang="en-US" altLang="ko-KR" dirty="0">
+                <a:latin typeface="+mj-lt"/>
+                <a:ea typeface="굴림" panose="020B0600000101010101" pitchFamily="50" charset="-127"/>
+              </a:rPr>
+              <a:t>Excellent ~ Fail</a:t>
+            </a:r>
+            <a:r>
+              <a:rPr lang="ko-KR" altLang="en-US" dirty="0">
+                <a:latin typeface="+mj-lt"/>
+                <a:ea typeface="굴림" panose="020B0600000101010101" pitchFamily="50" charset="-127"/>
+              </a:rPr>
+              <a:t>까지 표기한바 있다</a:t>
+            </a:r>
+            <a:r>
+              <a:rPr lang="en-US" altLang="ko-KR" dirty="0">
+                <a:latin typeface="+mj-lt"/>
+                <a:ea typeface="굴림" panose="020B0600000101010101" pitchFamily="50" charset="-127"/>
+              </a:rPr>
+              <a:t>.</a:t>
+            </a:r>
+          </a:p>
+          <a:p>
+            <a:pPr>
+              <a:defRPr/>
+            </a:pPr>
+            <a:r>
+              <a:rPr lang="en-US" altLang="ko-KR" dirty="0">
+                <a:latin typeface="+mj-lt"/>
+                <a:ea typeface="굴림" panose="020B0600000101010101" pitchFamily="50" charset="-127"/>
+              </a:rPr>
+              <a:t>0.5 ~ 0.6 Fail, 0.6 ~ 0.7 Poor, 0.7 ~ 0.8 Fair, 0.8 ~ 0.9 Good, 0.9 ~ 1.0 Excellent</a:t>
+            </a:r>
+          </a:p>
+          <a:p>
+            <a:pPr>
+              <a:defRPr/>
+            </a:pPr>
+            <a:r>
+              <a:rPr lang="en-US" altLang="ko-KR" dirty="0">
+                <a:latin typeface="+mj-lt"/>
+                <a:ea typeface="굴림" panose="020B0600000101010101" pitchFamily="50" charset="-127"/>
+              </a:rPr>
+              <a:t>0.873 </a:t>
+            </a:r>
+            <a:r>
+              <a:rPr lang="ko-KR" altLang="en-US" dirty="0">
+                <a:latin typeface="+mj-lt"/>
+                <a:ea typeface="굴림" panose="020B0600000101010101" pitchFamily="50" charset="-127"/>
+              </a:rPr>
+              <a:t>이면 대충 </a:t>
+            </a:r>
+            <a:r>
+              <a:rPr lang="en-US" altLang="ko-KR" dirty="0">
+                <a:latin typeface="+mj-lt"/>
+                <a:ea typeface="굴림" panose="020B0600000101010101" pitchFamily="50" charset="-127"/>
+              </a:rPr>
+              <a:t>87</a:t>
+            </a:r>
+            <a:r>
+              <a:rPr lang="ko-KR" altLang="en-US" dirty="0">
+                <a:latin typeface="+mj-lt"/>
+                <a:ea typeface="굴림" panose="020B0600000101010101" pitchFamily="50" charset="-127"/>
+              </a:rPr>
+              <a:t>점이라고 생각하면 될 듯 하고</a:t>
+            </a:r>
+            <a:r>
+              <a:rPr lang="en-US" altLang="ko-KR" dirty="0">
+                <a:latin typeface="+mj-lt"/>
+                <a:ea typeface="굴림" panose="020B0600000101010101" pitchFamily="50" charset="-127"/>
+              </a:rPr>
+              <a:t>, </a:t>
+            </a:r>
+            <a:r>
+              <a:rPr lang="ko-KR" altLang="en-US" dirty="0">
+                <a:latin typeface="+mj-lt"/>
+                <a:ea typeface="굴림" panose="020B0600000101010101" pitchFamily="50" charset="-127"/>
+              </a:rPr>
+              <a:t>쓸만 합니다 ㅎㅎ</a:t>
+            </a:r>
+            <a:r>
+              <a:rPr lang="en-US" altLang="ko-KR" dirty="0">
+                <a:latin typeface="+mj-lt"/>
+                <a:ea typeface="굴림" panose="020B0600000101010101" pitchFamily="50" charset="-127"/>
+              </a:rPr>
+              <a:t>.</a:t>
+            </a:r>
+          </a:p>
+          <a:p>
+            <a:pPr>
+              <a:defRPr/>
+            </a:pPr>
+            <a:endParaRPr lang="ko-KR" altLang="en-US" dirty="0">
+              <a:latin typeface="+mj-lt"/>
+              <a:ea typeface="굴림" panose="020B0600000101010101" pitchFamily="50" charset="-127"/>
+            </a:endParaRPr>
+          </a:p>
+        </p:txBody>
+      </p:sp>
+    </p:spTree>
+    <p:extLst>
+      <p:ext uri="{BB962C8B-B14F-4D97-AF65-F5344CB8AC3E}">
+        <p14:creationId xmlns:p14="http://schemas.microsoft.com/office/powerpoint/2010/main" val="3436135307"/>
+      </p:ext>
+    </p:extLst>
+  </p:cSld>
+  <p:clrMapOvr>
+    <a:masterClrMapping/>
+  </p:clrMapOvr>
+</p:notes>
+</file>
+
+<file path=ppt/notesSlides/notesSlide35.xml><?xml version="1.0" encoding="utf-8"?>
+<p:notes xmlns:a="http://schemas.openxmlformats.org/drawingml/2006/main" xmlns:r="http://schemas.openxmlformats.org/officeDocument/2006/relationships" xmlns:p="http://schemas.openxmlformats.org/presentationml/2006/main">
+  <p:cSld>
+    <p:spTree>
+      <p:nvGrpSpPr>
+        <p:cNvPr id="1" name=""/>
+        <p:cNvGrpSpPr/>
+        <p:nvPr/>
+      </p:nvGrpSpPr>
+      <p:grpSpPr>
+        <a:xfrm>
+          <a:off x="0" y="0"/>
+          <a:ext cx="0" cy="0"/>
+          <a:chOff x="0" y="0"/>
+          <a:chExt cx="0" cy="0"/>
+        </a:xfrm>
+      </p:grpSpPr>
+      <p:sp>
+        <p:nvSpPr>
+          <p:cNvPr id="76802" name="슬라이드 이미지 개체 틀 1"/>
+          <p:cNvSpPr>
+            <a:spLocks noGrp="1" noRot="1" noChangeAspect="1" noTextEdit="1"/>
+          </p:cNvSpPr>
+          <p:nvPr>
+            <p:ph type="sldImg"/>
+          </p:nvPr>
+        </p:nvSpPr>
+        <p:spPr/>
+      </p:sp>
+      <p:sp>
+        <p:nvSpPr>
+          <p:cNvPr id="76803" name="슬라이드 노트 개체 틀 2"/>
+          <p:cNvSpPr>
+            <a:spLocks noGrp="1"/>
+          </p:cNvSpPr>
+          <p:nvPr>
+            <p:ph type="body" idx="1"/>
+          </p:nvPr>
+        </p:nvSpPr>
+        <p:spPr>
+          <a:noFill/>
+          <a:extLst>
+            <a:ext uri="{91240B29-F687-4F45-9708-019B960494DF}">
+              <a14:hiddenLine xmlns:a14="http://schemas.microsoft.com/office/drawing/2010/main" w="9525">
+                <a:solidFill>
+                  <a:srgbClr val="000000"/>
+                </a:solidFill>
+                <a:miter lim="800000"/>
+                <a:headEnd/>
+                <a:tailEnd/>
+              </a14:hiddenLine>
+            </a:ext>
+          </a:extLst>
+        </p:spPr>
+        <p:txBody>
+          <a:bodyPr/>
+          <a:lstStyle/>
+          <a:p>
+            <a:r>
+              <a:rPr lang="ko-KR" altLang="en-US">
+                <a:ea typeface="굴림" panose="020B0600000101010101" pitchFamily="50" charset="-127"/>
+              </a:rPr>
+              <a:t>그 다음 </a:t>
+            </a:r>
+            <a:r>
+              <a:rPr lang="en-US" altLang="ko-KR">
+                <a:ea typeface="굴림" panose="020B0600000101010101" pitchFamily="50" charset="-127"/>
+              </a:rPr>
+              <a:t>, </a:t>
+            </a:r>
+            <a:r>
+              <a:rPr lang="ko-KR" altLang="en-US">
+                <a:ea typeface="굴림" panose="020B0600000101010101" pitchFamily="50" charset="-127"/>
+              </a:rPr>
+              <a:t>만들어진 모델링을</a:t>
+            </a:r>
+            <a:r>
+              <a:rPr lang="en-US" altLang="ko-KR">
+                <a:ea typeface="굴림" panose="020B0600000101010101" pitchFamily="50" charset="-127"/>
+              </a:rPr>
+              <a:t>, </a:t>
+            </a:r>
+            <a:r>
+              <a:rPr lang="ko-KR" altLang="en-US">
+                <a:ea typeface="굴림" panose="020B0600000101010101" pitchFamily="50" charset="-127"/>
+              </a:rPr>
+              <a:t> 사용하기 쉽게 </a:t>
+            </a:r>
+            <a:r>
+              <a:rPr lang="en-US" altLang="ko-KR">
+                <a:ea typeface="굴림" panose="020B0600000101010101" pitchFamily="50" charset="-127"/>
+              </a:rPr>
+              <a:t>Webservice </a:t>
+            </a:r>
+            <a:r>
+              <a:rPr lang="ko-KR" altLang="en-US">
+                <a:ea typeface="굴림" panose="020B0600000101010101" pitchFamily="50" charset="-127"/>
+              </a:rPr>
+              <a:t>로 배포합니다</a:t>
+            </a:r>
+            <a:r>
+              <a:rPr lang="en-US" altLang="ko-KR">
+                <a:ea typeface="굴림" panose="020B0600000101010101" pitchFamily="50" charset="-127"/>
+              </a:rPr>
+              <a:t>.</a:t>
+            </a:r>
+          </a:p>
+          <a:p>
+            <a:r>
+              <a:rPr lang="ko-KR" altLang="en-US">
+                <a:ea typeface="굴림" panose="020B0600000101010101" pitchFamily="50" charset="-127"/>
+              </a:rPr>
+              <a:t>저는 이 부분이 </a:t>
+            </a:r>
+            <a:r>
+              <a:rPr lang="en-US" altLang="ko-KR">
+                <a:ea typeface="굴림" panose="020B0600000101010101" pitchFamily="50" charset="-127"/>
+              </a:rPr>
+              <a:t>Azure ML </a:t>
+            </a:r>
+            <a:r>
+              <a:rPr lang="ko-KR" altLang="en-US">
+                <a:ea typeface="굴림" panose="020B0600000101010101" pitchFamily="50" charset="-127"/>
+              </a:rPr>
+              <a:t>의 가장 큰 장점이라고 생각하는데</a:t>
+            </a:r>
+            <a:r>
+              <a:rPr lang="en-US" altLang="ko-KR">
+                <a:ea typeface="굴림" panose="020B0600000101010101" pitchFamily="50" charset="-127"/>
+              </a:rPr>
+              <a:t>, </a:t>
+            </a:r>
+            <a:r>
+              <a:rPr lang="ko-KR" altLang="en-US">
+                <a:ea typeface="굴림" panose="020B0600000101010101" pitchFamily="50" charset="-127"/>
+              </a:rPr>
+              <a:t>복잡하게 만든 모델링을</a:t>
+            </a:r>
+            <a:endParaRPr lang="en-US" altLang="ko-KR">
+              <a:ea typeface="굴림" panose="020B0600000101010101" pitchFamily="50" charset="-127"/>
+            </a:endParaRPr>
+          </a:p>
+          <a:p>
+            <a:r>
+              <a:rPr lang="ko-KR" altLang="en-US">
+                <a:ea typeface="굴림" panose="020B0600000101010101" pitchFamily="50" charset="-127"/>
+              </a:rPr>
+              <a:t>간단하게 </a:t>
+            </a:r>
+            <a:r>
+              <a:rPr lang="en-US" altLang="ko-KR">
+                <a:ea typeface="굴림" panose="020B0600000101010101" pitchFamily="50" charset="-127"/>
+              </a:rPr>
+              <a:t>Web Api </a:t>
+            </a:r>
+            <a:r>
+              <a:rPr lang="ko-KR" altLang="en-US">
+                <a:ea typeface="굴림" panose="020B0600000101010101" pitchFamily="50" charset="-127"/>
+              </a:rPr>
+              <a:t>를</a:t>
+            </a:r>
+            <a:r>
+              <a:rPr lang="en-US" altLang="ko-KR">
+                <a:ea typeface="굴림" panose="020B0600000101010101" pitchFamily="50" charset="-127"/>
+              </a:rPr>
+              <a:t> </a:t>
+            </a:r>
+            <a:r>
+              <a:rPr lang="ko-KR" altLang="en-US">
+                <a:ea typeface="굴림" panose="020B0600000101010101" pitchFamily="50" charset="-127"/>
+              </a:rPr>
+              <a:t>호출해서 사용할 수 있다는 점입니다</a:t>
+            </a:r>
+            <a:r>
+              <a:rPr lang="en-US" altLang="ko-KR">
+                <a:ea typeface="굴림" panose="020B0600000101010101" pitchFamily="50" charset="-127"/>
+              </a:rPr>
+              <a:t>.</a:t>
+            </a:r>
+          </a:p>
+          <a:p>
+            <a:endParaRPr lang="en-US" altLang="ko-KR">
+              <a:ea typeface="굴림" panose="020B0600000101010101" pitchFamily="50" charset="-127"/>
+            </a:endParaRPr>
+          </a:p>
+          <a:p>
+            <a:r>
+              <a:rPr lang="en-US" altLang="ko-KR">
+                <a:ea typeface="굴림" panose="020B0600000101010101" pitchFamily="50" charset="-127"/>
+              </a:rPr>
+              <a:t>WebService </a:t>
+            </a:r>
+            <a:r>
+              <a:rPr lang="ko-KR" altLang="en-US">
+                <a:ea typeface="굴림" panose="020B0600000101010101" pitchFamily="50" charset="-127"/>
+              </a:rPr>
+              <a:t>작업을 통해 대량의 교육데이터도 입력할 수 있고</a:t>
+            </a:r>
+            <a:r>
+              <a:rPr lang="en-US" altLang="ko-KR">
+                <a:ea typeface="굴림" panose="020B0600000101010101" pitchFamily="50" charset="-127"/>
+              </a:rPr>
+              <a:t>, </a:t>
+            </a:r>
+            <a:r>
+              <a:rPr lang="ko-KR" altLang="en-US">
+                <a:ea typeface="굴림" panose="020B0600000101010101" pitchFamily="50" charset="-127"/>
+              </a:rPr>
+              <a:t>예측하려는 데이터를 입력하여</a:t>
+            </a:r>
+            <a:r>
+              <a:rPr lang="en-US" altLang="ko-KR">
+                <a:ea typeface="굴림" panose="020B0600000101010101" pitchFamily="50" charset="-127"/>
+              </a:rPr>
+              <a:t>,</a:t>
+            </a:r>
+          </a:p>
+          <a:p>
+            <a:r>
+              <a:rPr lang="ko-KR" altLang="en-US">
+                <a:ea typeface="굴림" panose="020B0600000101010101" pitchFamily="50" charset="-127"/>
+              </a:rPr>
+              <a:t>모델링의 결과를 바로 받아 볼 수 있습니다</a:t>
+            </a:r>
+            <a:r>
+              <a:rPr lang="en-US" altLang="ko-KR">
+                <a:ea typeface="굴림" panose="020B0600000101010101" pitchFamily="50" charset="-127"/>
+              </a:rPr>
+              <a:t>.</a:t>
+            </a:r>
+          </a:p>
+          <a:p>
+            <a:endParaRPr lang="en-US" altLang="ko-KR">
+              <a:ea typeface="굴림" panose="020B0600000101010101" pitchFamily="50" charset="-127"/>
+            </a:endParaRPr>
+          </a:p>
+          <a:p>
+            <a:r>
+              <a:rPr lang="ko-KR" altLang="en-US">
+                <a:ea typeface="굴림" panose="020B0600000101010101" pitchFamily="50" charset="-127"/>
+              </a:rPr>
+              <a:t>오른쪽 화면이 파이썬을 사용하여 데이터를 질의하고</a:t>
+            </a:r>
+            <a:r>
+              <a:rPr lang="en-US" altLang="ko-KR">
+                <a:ea typeface="굴림" panose="020B0600000101010101" pitchFamily="50" charset="-127"/>
+              </a:rPr>
+              <a:t>, </a:t>
+            </a:r>
+            <a:r>
+              <a:rPr lang="ko-KR" altLang="en-US">
+                <a:ea typeface="굴림" panose="020B0600000101010101" pitchFamily="50" charset="-127"/>
+              </a:rPr>
+              <a:t>결과값을 받아오는 간단한 코드입니다</a:t>
+            </a:r>
+            <a:r>
+              <a:rPr lang="en-US" altLang="ko-KR">
+                <a:ea typeface="굴림" panose="020B0600000101010101" pitchFamily="50" charset="-127"/>
+              </a:rPr>
+              <a:t>.</a:t>
+            </a:r>
+          </a:p>
+        </p:txBody>
+      </p:sp>
+    </p:spTree>
+    <p:extLst>
+      <p:ext uri="{BB962C8B-B14F-4D97-AF65-F5344CB8AC3E}">
+        <p14:creationId xmlns:p14="http://schemas.microsoft.com/office/powerpoint/2010/main" val="2855960026"/>
+      </p:ext>
+    </p:extLst>
+  </p:cSld>
+  <p:clrMapOvr>
+    <a:masterClrMapping/>
+  </p:clrMapOvr>
+</p:notes>
+</file>
+
+<file path=ppt/notesSlides/notesSlide4.xml><?xml version="1.0" encoding="utf-8"?>
 <p:notes xmlns:a="http://schemas.openxmlformats.org/drawingml/2006/main" xmlns:r="http://schemas.openxmlformats.org/officeDocument/2006/relationships" xmlns:p="http://schemas.openxmlformats.org/presentationml/2006/main">
   <p:cSld>
     <p:spTree>
@@ -3326,1420 +4886,6 @@
         </p:txBody>
       </p:sp>
     </p:spTree>
-  </p:cSld>
-  <p:clrMapOvr>
-    <a:masterClrMapping/>
-  </p:clrMapOvr>
-</p:notes>
-</file>
-
-<file path=ppt/notesSlides/notesSlide30.xml><?xml version="1.0" encoding="utf-8"?>
-<p:notes xmlns:a="http://schemas.openxmlformats.org/drawingml/2006/main" xmlns:r="http://schemas.openxmlformats.org/officeDocument/2006/relationships" xmlns:p="http://schemas.openxmlformats.org/presentationml/2006/main">
-  <p:cSld>
-    <p:spTree>
-      <p:nvGrpSpPr>
-        <p:cNvPr id="1" name=""/>
-        <p:cNvGrpSpPr/>
-        <p:nvPr/>
-      </p:nvGrpSpPr>
-      <p:grpSpPr>
-        <a:xfrm>
-          <a:off x="0" y="0"/>
-          <a:ext cx="0" cy="0"/>
-          <a:chOff x="0" y="0"/>
-          <a:chExt cx="0" cy="0"/>
-        </a:xfrm>
-      </p:grpSpPr>
-      <p:sp>
-        <p:nvSpPr>
-          <p:cNvPr id="68610" name="슬라이드 이미지 개체 틀 1"/>
-          <p:cNvSpPr>
-            <a:spLocks noGrp="1" noRot="1" noChangeAspect="1" noTextEdit="1"/>
-          </p:cNvSpPr>
-          <p:nvPr>
-            <p:ph type="sldImg"/>
-          </p:nvPr>
-        </p:nvSpPr>
-        <p:spPr/>
-      </p:sp>
-      <p:sp>
-        <p:nvSpPr>
-          <p:cNvPr id="68611" name="슬라이드 노트 개체 틀 2"/>
-          <p:cNvSpPr>
-            <a:spLocks noGrp="1"/>
-          </p:cNvSpPr>
-          <p:nvPr>
-            <p:ph type="body" idx="1"/>
-          </p:nvPr>
-        </p:nvSpPr>
-        <p:spPr>
-          <a:noFill/>
-          <a:extLst>
-            <a:ext uri="{91240B29-F687-4F45-9708-019B960494DF}">
-              <a14:hiddenLine xmlns:a14="http://schemas.microsoft.com/office/drawing/2010/main" w="9525">
-                <a:solidFill>
-                  <a:srgbClr val="000000"/>
-                </a:solidFill>
-                <a:miter lim="800000"/>
-                <a:headEnd/>
-                <a:tailEnd/>
-              </a14:hiddenLine>
-            </a:ext>
-          </a:extLst>
-        </p:spPr>
-        <p:txBody>
-          <a:bodyPr/>
-          <a:lstStyle/>
-          <a:p>
-            <a:r>
-              <a:rPr lang="ko-KR" altLang="en-US">
-                <a:ea typeface="굴림" panose="020B0600000101010101" pitchFamily="50" charset="-127"/>
-              </a:rPr>
-              <a:t>다음으로 교육에 사용될 알고리즘을 선택합니다</a:t>
-            </a:r>
-            <a:r>
-              <a:rPr lang="en-US" altLang="ko-KR">
-                <a:ea typeface="굴림" panose="020B0600000101010101" pitchFamily="50" charset="-127"/>
-              </a:rPr>
-              <a:t>.</a:t>
-            </a:r>
-          </a:p>
-          <a:p>
-            <a:r>
-              <a:rPr lang="ko-KR" altLang="en-US">
-                <a:ea typeface="굴림" panose="020B0600000101010101" pitchFamily="50" charset="-127"/>
-              </a:rPr>
-              <a:t>우리는 탈퇴 혹은 접속 두 가지 케이스를 살펴 볼 것이므로 </a:t>
-            </a:r>
-            <a:r>
-              <a:rPr lang="en-US" altLang="ko-KR">
-                <a:ea typeface="굴림" panose="020B0600000101010101" pitchFamily="50" charset="-127"/>
-              </a:rPr>
-              <a:t>classification algorithms (</a:t>
-            </a:r>
-            <a:r>
-              <a:rPr lang="ko-KR" altLang="en-US">
-                <a:ea typeface="굴림" panose="020B0600000101010101" pitchFamily="50" charset="-127"/>
-              </a:rPr>
-              <a:t>분류 알고리즘</a:t>
-            </a:r>
-            <a:r>
-              <a:rPr lang="en-US" altLang="ko-KR">
-                <a:ea typeface="굴림" panose="020B0600000101010101" pitchFamily="50" charset="-127"/>
-              </a:rPr>
-              <a:t>) </a:t>
-            </a:r>
-            <a:r>
-              <a:rPr lang="ko-KR" altLang="en-US">
-                <a:ea typeface="굴림" panose="020B0600000101010101" pitchFamily="50" charset="-127"/>
-              </a:rPr>
-              <a:t>을 사용할 것이고</a:t>
-            </a:r>
-            <a:r>
-              <a:rPr lang="en-US" altLang="ko-KR">
-                <a:ea typeface="굴림" panose="020B0600000101010101" pitchFamily="50" charset="-127"/>
-              </a:rPr>
-              <a:t>,</a:t>
-            </a:r>
-          </a:p>
-          <a:p>
-            <a:r>
-              <a:rPr lang="ko-KR" altLang="en-US">
-                <a:ea typeface="굴림" panose="020B0600000101010101" pitchFamily="50" charset="-127"/>
-              </a:rPr>
-              <a:t>이 분류 알고리즘 중에 두 가지 케이스를 판단할 때</a:t>
-            </a:r>
-            <a:r>
-              <a:rPr lang="en-US" altLang="ko-KR">
-                <a:ea typeface="굴림" panose="020B0600000101010101" pitchFamily="50" charset="-127"/>
-              </a:rPr>
-              <a:t>, </a:t>
-            </a:r>
-            <a:r>
-              <a:rPr lang="ko-KR" altLang="en-US">
-                <a:ea typeface="굴림" panose="020B0600000101010101" pitchFamily="50" charset="-127"/>
-              </a:rPr>
-              <a:t>가장</a:t>
-            </a:r>
-            <a:r>
-              <a:rPr lang="en-US" altLang="ko-KR">
-                <a:ea typeface="굴림" panose="020B0600000101010101" pitchFamily="50" charset="-127"/>
-              </a:rPr>
-              <a:t> </a:t>
-            </a:r>
-            <a:r>
-              <a:rPr lang="ko-KR" altLang="en-US">
-                <a:ea typeface="굴림" panose="020B0600000101010101" pitchFamily="50" charset="-127"/>
-              </a:rPr>
-              <a:t>적절하게 사용할 수 있는 </a:t>
-            </a:r>
-            <a:r>
-              <a:rPr lang="en-US" altLang="ko-KR">
-                <a:solidFill>
-                  <a:schemeClr val="tx1"/>
-                </a:solidFill>
-                <a:latin typeface="KoPub돋움체 Medium" panose="02020603020101020101" pitchFamily="18" charset="-127"/>
-                <a:ea typeface="KoPub돋움체 Medium" panose="02020603020101020101" pitchFamily="18" charset="-127"/>
-                <a:sym typeface="Wingdings" panose="05000000000000000000" pitchFamily="2" charset="2"/>
-              </a:rPr>
-              <a:t>Two-Class Boosted Decision Tree </a:t>
-            </a:r>
-            <a:r>
-              <a:rPr lang="ko-KR" altLang="en-US">
-                <a:solidFill>
-                  <a:schemeClr val="tx1"/>
-                </a:solidFill>
-                <a:latin typeface="KoPub돋움체 Medium" panose="02020603020101020101" pitchFamily="18" charset="-127"/>
-                <a:ea typeface="KoPub돋움체 Medium" panose="02020603020101020101" pitchFamily="18" charset="-127"/>
-                <a:sym typeface="Wingdings" panose="05000000000000000000" pitchFamily="2" charset="2"/>
-              </a:rPr>
-              <a:t>알고리즘을</a:t>
-            </a:r>
-            <a:r>
-              <a:rPr lang="ko-KR" altLang="en-US">
-                <a:ea typeface="굴림" panose="020B0600000101010101" pitchFamily="50" charset="-127"/>
-              </a:rPr>
-              <a:t> 사용합니다</a:t>
-            </a:r>
-            <a:r>
-              <a:rPr lang="en-US" altLang="ko-KR">
-                <a:ea typeface="굴림" panose="020B0600000101010101" pitchFamily="50" charset="-127"/>
-              </a:rPr>
-              <a:t>.</a:t>
-            </a:r>
-            <a:endParaRPr lang="en-US" altLang="ko-KR">
-              <a:solidFill>
-                <a:schemeClr val="tx1"/>
-              </a:solidFill>
-              <a:latin typeface="KoPub돋움체 Medium" panose="02020603020101020101" pitchFamily="18" charset="-127"/>
-              <a:ea typeface="KoPub돋움체 Medium" panose="02020603020101020101" pitchFamily="18" charset="-127"/>
-              <a:sym typeface="Wingdings" panose="05000000000000000000" pitchFamily="2" charset="2"/>
-            </a:endParaRPr>
-          </a:p>
-        </p:txBody>
-      </p:sp>
-    </p:spTree>
-    <p:extLst>
-      <p:ext uri="{BB962C8B-B14F-4D97-AF65-F5344CB8AC3E}">
-        <p14:creationId xmlns:p14="http://schemas.microsoft.com/office/powerpoint/2010/main" val="2894234071"/>
-      </p:ext>
-    </p:extLst>
-  </p:cSld>
-  <p:clrMapOvr>
-    <a:masterClrMapping/>
-  </p:clrMapOvr>
-</p:notes>
-</file>
-
-<file path=ppt/notesSlides/notesSlide31.xml><?xml version="1.0" encoding="utf-8"?>
-<p:notes xmlns:a="http://schemas.openxmlformats.org/drawingml/2006/main" xmlns:r="http://schemas.openxmlformats.org/officeDocument/2006/relationships" xmlns:p="http://schemas.openxmlformats.org/presentationml/2006/main">
-  <p:cSld>
-    <p:spTree>
-      <p:nvGrpSpPr>
-        <p:cNvPr id="1" name=""/>
-        <p:cNvGrpSpPr/>
-        <p:nvPr/>
-      </p:nvGrpSpPr>
-      <p:grpSpPr>
-        <a:xfrm>
-          <a:off x="0" y="0"/>
-          <a:ext cx="0" cy="0"/>
-          <a:chOff x="0" y="0"/>
-          <a:chExt cx="0" cy="0"/>
-        </a:xfrm>
-      </p:grpSpPr>
-      <p:sp>
-        <p:nvSpPr>
-          <p:cNvPr id="70658" name="슬라이드 이미지 개체 틀 1"/>
-          <p:cNvSpPr>
-            <a:spLocks noGrp="1" noRot="1" noChangeAspect="1" noTextEdit="1"/>
-          </p:cNvSpPr>
-          <p:nvPr>
-            <p:ph type="sldImg"/>
-          </p:nvPr>
-        </p:nvSpPr>
-        <p:spPr/>
-      </p:sp>
-      <p:sp>
-        <p:nvSpPr>
-          <p:cNvPr id="70659" name="슬라이드 노트 개체 틀 2"/>
-          <p:cNvSpPr>
-            <a:spLocks noGrp="1"/>
-          </p:cNvSpPr>
-          <p:nvPr>
-            <p:ph type="body" idx="1"/>
-          </p:nvPr>
-        </p:nvSpPr>
-        <p:spPr>
-          <a:noFill/>
-          <a:extLst>
-            <a:ext uri="{91240B29-F687-4F45-9708-019B960494DF}">
-              <a14:hiddenLine xmlns:a14="http://schemas.microsoft.com/office/drawing/2010/main" w="9525">
-                <a:solidFill>
-                  <a:srgbClr val="000000"/>
-                </a:solidFill>
-                <a:miter lim="800000"/>
-                <a:headEnd/>
-                <a:tailEnd/>
-              </a14:hiddenLine>
-            </a:ext>
-          </a:extLst>
-        </p:spPr>
-        <p:txBody>
-          <a:bodyPr/>
-          <a:lstStyle/>
-          <a:p>
-            <a:r>
-              <a:rPr lang="ko-KR" altLang="en-US">
-                <a:ea typeface="굴림" panose="020B0600000101010101" pitchFamily="50" charset="-127"/>
-              </a:rPr>
-              <a:t>다섯번째로 예측할 컬럼을 지정하고</a:t>
-            </a:r>
-            <a:r>
-              <a:rPr lang="en-US" altLang="ko-KR">
-                <a:ea typeface="굴림" panose="020B0600000101010101" pitchFamily="50" charset="-127"/>
-              </a:rPr>
-              <a:t>, </a:t>
-            </a:r>
-            <a:r>
-              <a:rPr lang="ko-KR" altLang="en-US">
-                <a:ea typeface="굴림" panose="020B0600000101010101" pitchFamily="50" charset="-127"/>
-              </a:rPr>
-              <a:t>데이터를 학습 시킵니다</a:t>
-            </a:r>
-            <a:r>
-              <a:rPr lang="en-US" altLang="ko-KR">
-                <a:ea typeface="굴림" panose="020B0600000101010101" pitchFamily="50" charset="-127"/>
-              </a:rPr>
-              <a:t>.</a:t>
-            </a:r>
-          </a:p>
-          <a:p>
-            <a:r>
-              <a:rPr lang="ko-KR" altLang="en-US">
-                <a:ea typeface="굴림" panose="020B0600000101010101" pitchFamily="50" charset="-127"/>
-              </a:rPr>
-              <a:t>우리가 예측할 컬럼은 </a:t>
-            </a:r>
-            <a:r>
-              <a:rPr lang="en-US" altLang="ko-KR">
-                <a:solidFill>
-                  <a:schemeClr val="tx1"/>
-                </a:solidFill>
-                <a:latin typeface="KoPub돋움체 Medium" panose="02020603020101020101" pitchFamily="18" charset="-127"/>
-                <a:ea typeface="KoPub돋움체 Medium" panose="02020603020101020101" pitchFamily="18" charset="-127"/>
-                <a:sym typeface="Wingdings" panose="05000000000000000000" pitchFamily="2" charset="2"/>
-              </a:rPr>
-              <a:t>nextdayConnect </a:t>
-            </a:r>
-            <a:r>
-              <a:rPr lang="ko-KR" altLang="en-US">
-                <a:solidFill>
-                  <a:schemeClr val="tx1"/>
-                </a:solidFill>
-                <a:latin typeface="KoPub돋움체 Medium" panose="02020603020101020101" pitchFamily="18" charset="-127"/>
-                <a:ea typeface="KoPub돋움체 Medium" panose="02020603020101020101" pitchFamily="18" charset="-127"/>
-                <a:sym typeface="Wingdings" panose="05000000000000000000" pitchFamily="2" charset="2"/>
-              </a:rPr>
-              <a:t>즉</a:t>
-            </a:r>
-            <a:r>
-              <a:rPr lang="en-US" altLang="ko-KR">
-                <a:solidFill>
-                  <a:schemeClr val="tx1"/>
-                </a:solidFill>
-                <a:latin typeface="KoPub돋움체 Medium" panose="02020603020101020101" pitchFamily="18" charset="-127"/>
-                <a:ea typeface="KoPub돋움체 Medium" panose="02020603020101020101" pitchFamily="18" charset="-127"/>
-                <a:sym typeface="Wingdings" panose="05000000000000000000" pitchFamily="2" charset="2"/>
-              </a:rPr>
-              <a:t>, </a:t>
-            </a:r>
-            <a:r>
-              <a:rPr lang="ko-KR" altLang="en-US">
-                <a:solidFill>
-                  <a:schemeClr val="tx1"/>
-                </a:solidFill>
-                <a:latin typeface="KoPub돋움체 Medium" panose="02020603020101020101" pitchFamily="18" charset="-127"/>
-                <a:ea typeface="KoPub돋움체 Medium" panose="02020603020101020101" pitchFamily="18" charset="-127"/>
-                <a:sym typeface="Wingdings" panose="05000000000000000000" pitchFamily="2" charset="2"/>
-              </a:rPr>
-              <a:t>다음날 접속 여부 입니다</a:t>
-            </a:r>
-            <a:r>
-              <a:rPr lang="en-US" altLang="ko-KR">
-                <a:solidFill>
-                  <a:schemeClr val="tx1"/>
-                </a:solidFill>
-                <a:latin typeface="KoPub돋움체 Medium" panose="02020603020101020101" pitchFamily="18" charset="-127"/>
-                <a:ea typeface="KoPub돋움체 Medium" panose="02020603020101020101" pitchFamily="18" charset="-127"/>
-                <a:sym typeface="Wingdings" panose="05000000000000000000" pitchFamily="2" charset="2"/>
-              </a:rPr>
-              <a:t>.</a:t>
-            </a:r>
-          </a:p>
-          <a:p>
-            <a:endParaRPr lang="ko-KR" altLang="en-US">
-              <a:ea typeface="굴림" panose="020B0600000101010101" pitchFamily="50" charset="-127"/>
-            </a:endParaRPr>
-          </a:p>
-        </p:txBody>
-      </p:sp>
-    </p:spTree>
-    <p:extLst>
-      <p:ext uri="{BB962C8B-B14F-4D97-AF65-F5344CB8AC3E}">
-        <p14:creationId xmlns:p14="http://schemas.microsoft.com/office/powerpoint/2010/main" val="3773675911"/>
-      </p:ext>
-    </p:extLst>
-  </p:cSld>
-  <p:clrMapOvr>
-    <a:masterClrMapping/>
-  </p:clrMapOvr>
-</p:notes>
-</file>
-
-<file path=ppt/notesSlides/notesSlide32.xml><?xml version="1.0" encoding="utf-8"?>
-<p:notes xmlns:a="http://schemas.openxmlformats.org/drawingml/2006/main" xmlns:r="http://schemas.openxmlformats.org/officeDocument/2006/relationships" xmlns:p="http://schemas.openxmlformats.org/presentationml/2006/main">
-  <p:cSld>
-    <p:spTree>
-      <p:nvGrpSpPr>
-        <p:cNvPr id="1" name=""/>
-        <p:cNvGrpSpPr/>
-        <p:nvPr/>
-      </p:nvGrpSpPr>
-      <p:grpSpPr>
-        <a:xfrm>
-          <a:off x="0" y="0"/>
-          <a:ext cx="0" cy="0"/>
-          <a:chOff x="0" y="0"/>
-          <a:chExt cx="0" cy="0"/>
-        </a:xfrm>
-      </p:grpSpPr>
-      <p:sp>
-        <p:nvSpPr>
-          <p:cNvPr id="72706" name="슬라이드 이미지 개체 틀 1"/>
-          <p:cNvSpPr>
-            <a:spLocks noGrp="1" noRot="1" noChangeAspect="1" noTextEdit="1"/>
-          </p:cNvSpPr>
-          <p:nvPr>
-            <p:ph type="sldImg"/>
-          </p:nvPr>
-        </p:nvSpPr>
-        <p:spPr/>
-      </p:sp>
-      <p:sp>
-        <p:nvSpPr>
-          <p:cNvPr id="72707" name="슬라이드 노트 개체 틀 2"/>
-          <p:cNvSpPr>
-            <a:spLocks noGrp="1"/>
-          </p:cNvSpPr>
-          <p:nvPr>
-            <p:ph type="body" idx="1"/>
-          </p:nvPr>
-        </p:nvSpPr>
-        <p:spPr>
-          <a:noFill/>
-          <a:extLst>
-            <a:ext uri="{91240B29-F687-4F45-9708-019B960494DF}">
-              <a14:hiddenLine xmlns:a14="http://schemas.microsoft.com/office/drawing/2010/main" w="9525">
-                <a:solidFill>
-                  <a:srgbClr val="000000"/>
-                </a:solidFill>
-                <a:miter lim="800000"/>
-                <a:headEnd/>
-                <a:tailEnd/>
-              </a14:hiddenLine>
-            </a:ext>
-          </a:extLst>
-        </p:spPr>
-        <p:txBody>
-          <a:bodyPr/>
-          <a:lstStyle/>
-          <a:p>
-            <a:r>
-              <a:rPr lang="ko-KR" altLang="en-US">
-                <a:ea typeface="굴림" panose="020B0600000101010101" pitchFamily="50" charset="-127"/>
-              </a:rPr>
-              <a:t>이제 거의 다 왔습니다</a:t>
-            </a:r>
-            <a:r>
-              <a:rPr lang="en-US" altLang="ko-KR">
-                <a:ea typeface="굴림" panose="020B0600000101010101" pitchFamily="50" charset="-127"/>
-              </a:rPr>
-              <a:t>.</a:t>
-            </a:r>
-          </a:p>
-          <a:p>
-            <a:endParaRPr lang="en-US" altLang="ko-KR">
-              <a:ea typeface="굴림" panose="020B0600000101010101" pitchFamily="50" charset="-127"/>
-            </a:endParaRPr>
-          </a:p>
-          <a:p>
-            <a:r>
-              <a:rPr lang="ko-KR" altLang="en-US">
-                <a:ea typeface="굴림" panose="020B0600000101010101" pitchFamily="50" charset="-127"/>
-              </a:rPr>
-              <a:t>학습단계의 마지막인 수치화 단계입니다</a:t>
-            </a:r>
-            <a:r>
-              <a:rPr lang="en-US" altLang="ko-KR">
-                <a:ea typeface="굴림" panose="020B0600000101010101" pitchFamily="50" charset="-127"/>
-              </a:rPr>
-              <a:t>.</a:t>
-            </a:r>
-          </a:p>
-          <a:p>
-            <a:r>
-              <a:rPr lang="ko-KR" altLang="en-US">
-                <a:ea typeface="굴림" panose="020B0600000101010101" pitchFamily="50" charset="-127"/>
-              </a:rPr>
-              <a:t>학습 시킨 데이터를 확률화 합니다</a:t>
-            </a:r>
-            <a:r>
-              <a:rPr lang="en-US" altLang="ko-KR">
-                <a:ea typeface="굴림" panose="020B0600000101010101" pitchFamily="50" charset="-127"/>
-              </a:rPr>
-              <a:t>.</a:t>
-            </a:r>
-          </a:p>
-          <a:p>
-            <a:r>
-              <a:rPr lang="ko-KR" altLang="en-US">
-                <a:ea typeface="굴림" panose="020B0600000101010101" pitchFamily="50" charset="-127"/>
-              </a:rPr>
-              <a:t>해당 모델링에서 확률화 하는 항목은 다음날 접속 여부이고</a:t>
-            </a:r>
-            <a:r>
-              <a:rPr lang="en-US" altLang="ko-KR">
-                <a:ea typeface="굴림" panose="020B0600000101010101" pitchFamily="50" charset="-127"/>
-              </a:rPr>
-              <a:t>,</a:t>
-            </a:r>
-          </a:p>
-          <a:p>
-            <a:r>
-              <a:rPr lang="en-US" altLang="ko-KR">
-                <a:ea typeface="굴림" panose="020B0600000101010101" pitchFamily="50" charset="-127"/>
-              </a:rPr>
-              <a:t>0~1 </a:t>
-            </a:r>
-            <a:r>
-              <a:rPr lang="ko-KR" altLang="en-US">
-                <a:ea typeface="굴림" panose="020B0600000101010101" pitchFamily="50" charset="-127"/>
-              </a:rPr>
-              <a:t>까지의 숫자로 표현 됩니다</a:t>
-            </a:r>
-            <a:r>
-              <a:rPr lang="en-US" altLang="ko-KR">
-                <a:ea typeface="굴림" panose="020B0600000101010101" pitchFamily="50" charset="-127"/>
-              </a:rPr>
-              <a:t>.</a:t>
-            </a:r>
-          </a:p>
-        </p:txBody>
-      </p:sp>
-    </p:spTree>
-    <p:extLst>
-      <p:ext uri="{BB962C8B-B14F-4D97-AF65-F5344CB8AC3E}">
-        <p14:creationId xmlns:p14="http://schemas.microsoft.com/office/powerpoint/2010/main" val="3836064895"/>
-      </p:ext>
-    </p:extLst>
-  </p:cSld>
-  <p:clrMapOvr>
-    <a:masterClrMapping/>
-  </p:clrMapOvr>
-</p:notes>
-</file>
-
-<file path=ppt/notesSlides/notesSlide33.xml><?xml version="1.0" encoding="utf-8"?>
-<p:notes xmlns:a="http://schemas.openxmlformats.org/drawingml/2006/main" xmlns:r="http://schemas.openxmlformats.org/officeDocument/2006/relationships" xmlns:p="http://schemas.openxmlformats.org/presentationml/2006/main">
-  <p:cSld>
-    <p:spTree>
-      <p:nvGrpSpPr>
-        <p:cNvPr id="1" name=""/>
-        <p:cNvGrpSpPr/>
-        <p:nvPr/>
-      </p:nvGrpSpPr>
-      <p:grpSpPr>
-        <a:xfrm>
-          <a:off x="0" y="0"/>
-          <a:ext cx="0" cy="0"/>
-          <a:chOff x="0" y="0"/>
-          <a:chExt cx="0" cy="0"/>
-        </a:xfrm>
-      </p:grpSpPr>
-      <p:sp>
-        <p:nvSpPr>
-          <p:cNvPr id="74754" name="슬라이드 이미지 개체 틀 1"/>
-          <p:cNvSpPr>
-            <a:spLocks noGrp="1" noRot="1" noChangeAspect="1" noTextEdit="1"/>
-          </p:cNvSpPr>
-          <p:nvPr>
-            <p:ph type="sldImg"/>
-          </p:nvPr>
-        </p:nvSpPr>
-        <p:spPr/>
-      </p:sp>
-      <p:sp>
-        <p:nvSpPr>
-          <p:cNvPr id="44035" name="슬라이드 노트 개체 틀 2"/>
-          <p:cNvSpPr>
-            <a:spLocks noGrp="1"/>
-          </p:cNvSpPr>
-          <p:nvPr>
-            <p:ph type="body" idx="1"/>
-          </p:nvPr>
-        </p:nvSpPr>
-        <p:spPr>
-          <a:extLst>
-            <a:ext uri="{91240B29-F687-4F45-9708-019B960494DF}">
-              <a14:hiddenLine xmlns:a14="http://schemas.microsoft.com/office/drawing/2010/main" w="9525">
-                <a:solidFill>
-                  <a:srgbClr val="000000"/>
-                </a:solidFill>
-                <a:miter lim="800000"/>
-                <a:headEnd/>
-                <a:tailEnd/>
-              </a14:hiddenLine>
-            </a:ext>
-          </a:extLst>
-        </p:spPr>
-        <p:txBody>
-          <a:bodyPr/>
-          <a:lstStyle/>
-          <a:p>
-            <a:pPr>
-              <a:defRPr/>
-            </a:pPr>
-            <a:r>
-              <a:rPr lang="ko-KR" altLang="en-US" dirty="0">
-                <a:latin typeface="+mj-lt"/>
-                <a:ea typeface="굴림" panose="020B0600000101010101" pitchFamily="50" charset="-127"/>
-              </a:rPr>
-              <a:t>마지막으로 학습시킨 모델링을 검증해 봅니다</a:t>
-            </a:r>
-            <a:r>
-              <a:rPr lang="en-US" altLang="ko-KR" dirty="0">
-                <a:latin typeface="+mj-lt"/>
-                <a:ea typeface="굴림" panose="020B0600000101010101" pitchFamily="50" charset="-127"/>
-              </a:rPr>
-              <a:t>.</a:t>
-            </a:r>
-          </a:p>
-          <a:p>
-            <a:pPr>
-              <a:defRPr/>
-            </a:pPr>
-            <a:r>
-              <a:rPr lang="ko-KR" altLang="en-US" dirty="0">
-                <a:latin typeface="+mj-lt"/>
-                <a:ea typeface="굴림" panose="020B0600000101010101" pitchFamily="50" charset="-127"/>
-              </a:rPr>
-              <a:t>물론 자신이 만든 모델링에 대한 의심의 여지가 없다면 검증 단계는 필요 없겠지만</a:t>
-            </a:r>
-            <a:r>
-              <a:rPr lang="en-US" altLang="ko-KR" dirty="0">
-                <a:latin typeface="+mj-lt"/>
-                <a:ea typeface="굴림" panose="020B0600000101010101" pitchFamily="50" charset="-127"/>
-              </a:rPr>
-              <a:t>, </a:t>
-            </a:r>
-            <a:r>
-              <a:rPr lang="ko-KR" altLang="en-US" dirty="0">
-                <a:latin typeface="+mj-lt"/>
-                <a:ea typeface="굴림" panose="020B0600000101010101" pitchFamily="50" charset="-127"/>
-              </a:rPr>
-              <a:t>우리는 이제 시작 하는 뉴비이므로</a:t>
-            </a:r>
-            <a:r>
-              <a:rPr lang="en-US" altLang="ko-KR" dirty="0">
-                <a:latin typeface="+mj-lt"/>
-                <a:ea typeface="굴림" panose="020B0600000101010101" pitchFamily="50" charset="-127"/>
-              </a:rPr>
-              <a:t>, </a:t>
-            </a:r>
-            <a:br>
-              <a:rPr lang="en-US" altLang="ko-KR" dirty="0">
-                <a:latin typeface="+mj-lt"/>
-                <a:ea typeface="굴림" panose="020B0600000101010101" pitchFamily="50" charset="-127"/>
-              </a:rPr>
-            </a:br>
-            <a:r>
-              <a:rPr lang="ko-KR" altLang="en-US" dirty="0">
-                <a:latin typeface="+mj-lt"/>
-                <a:ea typeface="굴림" panose="020B0600000101010101" pitchFamily="50" charset="-127"/>
-              </a:rPr>
-              <a:t>우리가 만든 모델링이 쓸만한지 검증을 해야 합니다</a:t>
-            </a:r>
-            <a:r>
-              <a:rPr lang="en-US" altLang="ko-KR" dirty="0">
-                <a:latin typeface="+mj-lt"/>
-                <a:ea typeface="굴림" panose="020B0600000101010101" pitchFamily="50" charset="-127"/>
-              </a:rPr>
-              <a:t>.</a:t>
-            </a:r>
-          </a:p>
-          <a:p>
-            <a:pPr>
-              <a:defRPr/>
-            </a:pPr>
-            <a:endParaRPr lang="en-US" altLang="ko-KR" dirty="0">
-              <a:latin typeface="+mj-lt"/>
-              <a:ea typeface="굴림" panose="020B0600000101010101" pitchFamily="50" charset="-127"/>
-            </a:endParaRPr>
-          </a:p>
-          <a:p>
-            <a:pPr>
-              <a:defRPr/>
-            </a:pPr>
-            <a:r>
-              <a:rPr lang="ko-KR" altLang="en-US" dirty="0">
-                <a:latin typeface="+mj-lt"/>
-                <a:ea typeface="굴림" panose="020B0600000101010101" pitchFamily="50" charset="-127"/>
-              </a:rPr>
-              <a:t>오른쪽 그림이 지금까지 만들어본 재방문 유도 시스템의 성적표 입니다</a:t>
-            </a:r>
-            <a:r>
-              <a:rPr lang="en-US" altLang="ko-KR" dirty="0">
-                <a:latin typeface="+mj-lt"/>
-                <a:ea typeface="굴림" panose="020B0600000101010101" pitchFamily="50" charset="-127"/>
-              </a:rPr>
-              <a:t>. </a:t>
-            </a:r>
-          </a:p>
-          <a:p>
-            <a:pPr>
-              <a:defRPr/>
-            </a:pPr>
-            <a:r>
-              <a:rPr lang="ko-KR" altLang="en-US" dirty="0">
-                <a:latin typeface="+mj-lt"/>
-                <a:ea typeface="굴림" panose="020B0600000101010101" pitchFamily="50" charset="-127"/>
-              </a:rPr>
-              <a:t>통계 언어라서 저도 잘은 모르는데</a:t>
-            </a:r>
-            <a:r>
-              <a:rPr lang="en-US" altLang="ko-KR" dirty="0">
-                <a:latin typeface="+mj-lt"/>
-                <a:ea typeface="굴림" panose="020B0600000101010101" pitchFamily="50" charset="-127"/>
-              </a:rPr>
-              <a:t>, </a:t>
-            </a:r>
-            <a:br>
-              <a:rPr lang="en-US" altLang="ko-KR" dirty="0">
-                <a:latin typeface="+mj-lt"/>
-                <a:ea typeface="굴림" panose="020B0600000101010101" pitchFamily="50" charset="-127"/>
-              </a:rPr>
-            </a:br>
-            <a:r>
-              <a:rPr lang="en-US" altLang="ko-KR" dirty="0">
-                <a:latin typeface="+mj-lt"/>
-                <a:ea typeface="굴림" panose="020B0600000101010101" pitchFamily="50" charset="-127"/>
-              </a:rPr>
-              <a:t>ROC </a:t>
-            </a:r>
-            <a:r>
-              <a:rPr lang="ko-KR" altLang="en-US" dirty="0">
-                <a:latin typeface="+mj-lt"/>
-                <a:ea typeface="굴림" panose="020B0600000101010101" pitchFamily="50" charset="-127"/>
-              </a:rPr>
-              <a:t>커브</a:t>
-            </a:r>
-            <a:r>
-              <a:rPr lang="en-US" altLang="ko-KR" dirty="0">
-                <a:latin typeface="+mj-lt"/>
-                <a:ea typeface="굴림" panose="020B0600000101010101" pitchFamily="50" charset="-127"/>
-              </a:rPr>
-              <a:t>(Receiver Operating Characteristic curve) </a:t>
-            </a:r>
-            <a:r>
-              <a:rPr lang="ko-KR" altLang="en-US" dirty="0">
-                <a:latin typeface="+mj-lt"/>
-                <a:ea typeface="굴림" panose="020B0600000101010101" pitchFamily="50" charset="-127"/>
-              </a:rPr>
-              <a:t>그래프의 </a:t>
-            </a:r>
-            <a:r>
-              <a:rPr lang="en-US" altLang="ko-KR" b="1" dirty="0">
-                <a:latin typeface="+mj-lt"/>
-                <a:ea typeface="굴림" panose="020B0600000101010101" pitchFamily="50" charset="-127"/>
-              </a:rPr>
-              <a:t>AUC (Area Under the ROC Curve) </a:t>
-            </a:r>
-            <a:r>
-              <a:rPr lang="ko-KR" altLang="en-US" b="1" dirty="0">
-                <a:latin typeface="+mj-lt"/>
-                <a:ea typeface="굴림" panose="020B0600000101010101" pitchFamily="50" charset="-127"/>
-              </a:rPr>
-              <a:t>수치가 </a:t>
-            </a:r>
-            <a:r>
-              <a:rPr lang="en-US" altLang="ko-KR" b="1" dirty="0">
-                <a:latin typeface="+mj-lt"/>
-                <a:ea typeface="굴림" panose="020B0600000101010101" pitchFamily="50" charset="-127"/>
-              </a:rPr>
-              <a:t>0.873 </a:t>
-            </a:r>
-            <a:r>
-              <a:rPr lang="ko-KR" altLang="en-US" b="1" dirty="0">
-                <a:latin typeface="+mj-lt"/>
-                <a:ea typeface="굴림" panose="020B0600000101010101" pitchFamily="50" charset="-127"/>
-              </a:rPr>
-              <a:t>입니다</a:t>
-            </a:r>
-            <a:r>
-              <a:rPr lang="en-US" altLang="ko-KR" b="1" dirty="0">
-                <a:latin typeface="+mj-lt"/>
-                <a:ea typeface="굴림" panose="020B0600000101010101" pitchFamily="50" charset="-127"/>
-              </a:rPr>
-              <a:t>.</a:t>
-            </a:r>
-          </a:p>
-          <a:p>
-            <a:pPr>
-              <a:defRPr/>
-            </a:pPr>
-            <a:r>
-              <a:rPr lang="en-US" altLang="ko-KR" dirty="0">
-                <a:latin typeface="+mj-lt"/>
-                <a:ea typeface="굴림" panose="020B0600000101010101" pitchFamily="50" charset="-127"/>
-              </a:rPr>
-              <a:t>AUC</a:t>
-            </a:r>
-            <a:r>
-              <a:rPr lang="ko-KR" altLang="en-US">
-                <a:latin typeface="+mj-lt"/>
-                <a:ea typeface="굴림" panose="020B0600000101010101" pitchFamily="50" charset="-127"/>
-              </a:rPr>
-              <a:t>는 </a:t>
-            </a:r>
-            <a:r>
-              <a:rPr lang="en-US" altLang="ko-KR" dirty="0">
-                <a:latin typeface="+mj-lt"/>
-                <a:ea typeface="굴림" panose="020B0600000101010101" pitchFamily="50" charset="-127"/>
-              </a:rPr>
-              <a:t>Area Under the ROC Curve</a:t>
-            </a:r>
-            <a:r>
-              <a:rPr lang="ko-KR" altLang="en-US" dirty="0">
-                <a:latin typeface="+mj-lt"/>
-                <a:ea typeface="굴림" panose="020B0600000101010101" pitchFamily="50" charset="-127"/>
-              </a:rPr>
-              <a:t>의 약자이며</a:t>
-            </a:r>
-            <a:r>
-              <a:rPr lang="en-US" altLang="ko-KR" dirty="0">
-                <a:latin typeface="+mj-lt"/>
-                <a:ea typeface="굴림" panose="020B0600000101010101" pitchFamily="50" charset="-127"/>
-              </a:rPr>
-              <a:t>, </a:t>
-            </a:r>
-            <a:r>
-              <a:rPr lang="ko-KR" altLang="en-US" dirty="0">
-                <a:latin typeface="+mj-lt"/>
-                <a:ea typeface="굴림" panose="020B0600000101010101" pitchFamily="50" charset="-127"/>
-              </a:rPr>
-              <a:t>곡선 아래 면적이란 뜻을 </a:t>
-            </a:r>
-            <a:r>
-              <a:rPr lang="ko-KR" altLang="en-US">
-                <a:latin typeface="+mj-lt"/>
-                <a:ea typeface="굴림" panose="020B0600000101010101" pitchFamily="50" charset="-127"/>
-              </a:rPr>
-              <a:t>가지고 있습니다</a:t>
-            </a:r>
-            <a:r>
-              <a:rPr lang="en-US" altLang="ko-KR" dirty="0">
-                <a:latin typeface="+mj-lt"/>
-                <a:ea typeface="굴림" panose="020B0600000101010101" pitchFamily="50" charset="-127"/>
-              </a:rPr>
-              <a:t>. </a:t>
-            </a:r>
-          </a:p>
-          <a:p>
-            <a:pPr>
-              <a:defRPr/>
-            </a:pPr>
-            <a:r>
-              <a:rPr lang="ko-KR" altLang="en-US" dirty="0" err="1">
-                <a:latin typeface="+mj-lt"/>
-                <a:ea typeface="굴림" panose="020B0600000101010101" pitchFamily="50" charset="-127"/>
-              </a:rPr>
-              <a:t>레퍼런스</a:t>
-            </a:r>
-            <a:r>
-              <a:rPr lang="ko-KR" altLang="en-US" dirty="0">
-                <a:latin typeface="+mj-lt"/>
-                <a:ea typeface="굴림" panose="020B0600000101010101" pitchFamily="50" charset="-127"/>
-              </a:rPr>
-              <a:t> 라인이 </a:t>
-            </a:r>
-            <a:r>
-              <a:rPr lang="en-US" altLang="ko-KR" dirty="0">
-                <a:latin typeface="+mj-lt"/>
-                <a:ea typeface="굴림" panose="020B0600000101010101" pitchFamily="50" charset="-127"/>
-              </a:rPr>
-              <a:t>0.5</a:t>
-            </a:r>
-            <a:r>
-              <a:rPr lang="ko-KR" altLang="en-US" dirty="0">
-                <a:latin typeface="+mj-lt"/>
-                <a:ea typeface="굴림" panose="020B0600000101010101" pitchFamily="50" charset="-127"/>
-              </a:rPr>
-              <a:t>를 나타내는데</a:t>
-            </a:r>
-            <a:r>
-              <a:rPr lang="en-US" altLang="ko-KR" dirty="0">
-                <a:latin typeface="+mj-lt"/>
-                <a:ea typeface="굴림" panose="020B0600000101010101" pitchFamily="50" charset="-127"/>
-              </a:rPr>
-              <a:t>, </a:t>
-            </a:r>
-            <a:r>
-              <a:rPr lang="ko-KR" altLang="en-US" dirty="0">
-                <a:latin typeface="+mj-lt"/>
-                <a:ea typeface="굴림" panose="020B0600000101010101" pitchFamily="50" charset="-127"/>
-              </a:rPr>
-              <a:t>이 </a:t>
-            </a:r>
-            <a:r>
-              <a:rPr lang="ko-KR" altLang="en-US" dirty="0" err="1">
-                <a:latin typeface="+mj-lt"/>
-                <a:ea typeface="굴림" panose="020B0600000101010101" pitchFamily="50" charset="-127"/>
-              </a:rPr>
-              <a:t>레퍼런스</a:t>
-            </a:r>
-            <a:r>
-              <a:rPr lang="ko-KR" altLang="en-US" dirty="0">
-                <a:latin typeface="+mj-lt"/>
-                <a:ea typeface="굴림" panose="020B0600000101010101" pitchFamily="50" charset="-127"/>
-              </a:rPr>
-              <a:t> 라인보다 왼쪽 위로 곡선이 형성되어야 의미 있는 검사법이며</a:t>
-            </a:r>
-            <a:r>
-              <a:rPr lang="en-US" altLang="ko-KR" dirty="0">
-                <a:latin typeface="+mj-lt"/>
-                <a:ea typeface="굴림" panose="020B0600000101010101" pitchFamily="50" charset="-127"/>
-              </a:rPr>
-              <a:t>, 1.0</a:t>
-            </a:r>
-            <a:r>
-              <a:rPr lang="ko-KR" altLang="en-US" dirty="0" err="1">
-                <a:latin typeface="+mj-lt"/>
-                <a:ea typeface="굴림" panose="020B0600000101010101" pitchFamily="50" charset="-127"/>
-              </a:rPr>
-              <a:t>일때</a:t>
-            </a:r>
-            <a:r>
-              <a:rPr lang="ko-KR" altLang="en-US" dirty="0">
-                <a:latin typeface="+mj-lt"/>
-                <a:ea typeface="굴림" panose="020B0600000101010101" pitchFamily="50" charset="-127"/>
-              </a:rPr>
-              <a:t> 가장 완벽해진다</a:t>
-            </a:r>
-            <a:r>
-              <a:rPr lang="en-US" altLang="ko-KR" dirty="0">
-                <a:latin typeface="+mj-lt"/>
-                <a:ea typeface="굴림" panose="020B0600000101010101" pitchFamily="50" charset="-127"/>
-              </a:rPr>
-              <a:t>. </a:t>
-            </a:r>
-          </a:p>
-          <a:p>
-            <a:pPr>
-              <a:defRPr/>
-            </a:pPr>
-            <a:r>
-              <a:rPr lang="ko-KR" altLang="en-US" dirty="0">
-                <a:latin typeface="+mj-lt"/>
-                <a:ea typeface="굴림" panose="020B0600000101010101" pitchFamily="50" charset="-127"/>
-              </a:rPr>
-              <a:t>독일인 </a:t>
-            </a:r>
-            <a:r>
-              <a:rPr lang="en-US" altLang="ko-KR" dirty="0">
-                <a:latin typeface="+mj-lt"/>
-                <a:ea typeface="굴림" panose="020B0600000101010101" pitchFamily="50" charset="-127"/>
-              </a:rPr>
-              <a:t>Muller </a:t>
-            </a:r>
-            <a:r>
-              <a:rPr lang="ko-KR" altLang="en-US" dirty="0">
-                <a:latin typeface="+mj-lt"/>
-                <a:ea typeface="굴림" panose="020B0600000101010101" pitchFamily="50" charset="-127"/>
-              </a:rPr>
-              <a:t>등은 </a:t>
-            </a:r>
-            <a:r>
-              <a:rPr lang="en-US" altLang="ko-KR" dirty="0">
-                <a:latin typeface="+mj-lt"/>
-                <a:ea typeface="굴림" panose="020B0600000101010101" pitchFamily="50" charset="-127"/>
-              </a:rPr>
-              <a:t>2005</a:t>
-            </a:r>
-            <a:r>
-              <a:rPr lang="ko-KR" altLang="en-US" dirty="0">
-                <a:latin typeface="+mj-lt"/>
-                <a:ea typeface="굴림" panose="020B0600000101010101" pitchFamily="50" charset="-127"/>
-              </a:rPr>
-              <a:t>년 논문에서 </a:t>
-            </a:r>
-            <a:r>
-              <a:rPr lang="en-US" altLang="ko-KR" dirty="0">
-                <a:latin typeface="+mj-lt"/>
-                <a:ea typeface="굴림" panose="020B0600000101010101" pitchFamily="50" charset="-127"/>
-              </a:rPr>
-              <a:t>AUC </a:t>
-            </a:r>
-            <a:r>
-              <a:rPr lang="ko-KR" altLang="en-US" dirty="0">
-                <a:latin typeface="+mj-lt"/>
-                <a:ea typeface="굴림" panose="020B0600000101010101" pitchFamily="50" charset="-127"/>
-              </a:rPr>
-              <a:t>레벨에 등급을 </a:t>
-            </a:r>
-            <a:r>
-              <a:rPr lang="en-US" altLang="ko-KR" dirty="0">
-                <a:latin typeface="+mj-lt"/>
-                <a:ea typeface="굴림" panose="020B0600000101010101" pitchFamily="50" charset="-127"/>
-              </a:rPr>
-              <a:t>Excellent ~ Fail</a:t>
-            </a:r>
-            <a:r>
-              <a:rPr lang="ko-KR" altLang="en-US" dirty="0">
-                <a:latin typeface="+mj-lt"/>
-                <a:ea typeface="굴림" panose="020B0600000101010101" pitchFamily="50" charset="-127"/>
-              </a:rPr>
-              <a:t>까지 표기한바 있다</a:t>
-            </a:r>
-            <a:r>
-              <a:rPr lang="en-US" altLang="ko-KR" dirty="0">
-                <a:latin typeface="+mj-lt"/>
-                <a:ea typeface="굴림" panose="020B0600000101010101" pitchFamily="50" charset="-127"/>
-              </a:rPr>
-              <a:t>.</a:t>
-            </a:r>
-          </a:p>
-          <a:p>
-            <a:pPr>
-              <a:defRPr/>
-            </a:pPr>
-            <a:r>
-              <a:rPr lang="en-US" altLang="ko-KR" dirty="0">
-                <a:latin typeface="+mj-lt"/>
-                <a:ea typeface="굴림" panose="020B0600000101010101" pitchFamily="50" charset="-127"/>
-              </a:rPr>
-              <a:t>0.5 ~ 0.6 Fail, 0.6 ~ 0.7 Poor, 0.7 ~ 0.8 Fair, 0.8 ~ 0.9 Good, 0.9 ~ 1.0 Excellent</a:t>
-            </a:r>
-          </a:p>
-          <a:p>
-            <a:pPr>
-              <a:defRPr/>
-            </a:pPr>
-            <a:r>
-              <a:rPr lang="en-US" altLang="ko-KR" dirty="0">
-                <a:latin typeface="+mj-lt"/>
-                <a:ea typeface="굴림" panose="020B0600000101010101" pitchFamily="50" charset="-127"/>
-              </a:rPr>
-              <a:t>0.873 </a:t>
-            </a:r>
-            <a:r>
-              <a:rPr lang="ko-KR" altLang="en-US" dirty="0">
-                <a:latin typeface="+mj-lt"/>
-                <a:ea typeface="굴림" panose="020B0600000101010101" pitchFamily="50" charset="-127"/>
-              </a:rPr>
-              <a:t>이면 대충 </a:t>
-            </a:r>
-            <a:r>
-              <a:rPr lang="en-US" altLang="ko-KR" dirty="0">
-                <a:latin typeface="+mj-lt"/>
-                <a:ea typeface="굴림" panose="020B0600000101010101" pitchFamily="50" charset="-127"/>
-              </a:rPr>
-              <a:t>87</a:t>
-            </a:r>
-            <a:r>
-              <a:rPr lang="ko-KR" altLang="en-US" dirty="0">
-                <a:latin typeface="+mj-lt"/>
-                <a:ea typeface="굴림" panose="020B0600000101010101" pitchFamily="50" charset="-127"/>
-              </a:rPr>
-              <a:t>점이라고 생각하면 될 듯 하고</a:t>
-            </a:r>
-            <a:r>
-              <a:rPr lang="en-US" altLang="ko-KR" dirty="0">
-                <a:latin typeface="+mj-lt"/>
-                <a:ea typeface="굴림" panose="020B0600000101010101" pitchFamily="50" charset="-127"/>
-              </a:rPr>
-              <a:t>, </a:t>
-            </a:r>
-            <a:r>
-              <a:rPr lang="ko-KR" altLang="en-US" dirty="0">
-                <a:latin typeface="+mj-lt"/>
-                <a:ea typeface="굴림" panose="020B0600000101010101" pitchFamily="50" charset="-127"/>
-              </a:rPr>
-              <a:t>쓸만 합니다 ㅎㅎ</a:t>
-            </a:r>
-            <a:r>
-              <a:rPr lang="en-US" altLang="ko-KR" dirty="0">
-                <a:latin typeface="+mj-lt"/>
-                <a:ea typeface="굴림" panose="020B0600000101010101" pitchFamily="50" charset="-127"/>
-              </a:rPr>
-              <a:t>.</a:t>
-            </a:r>
-          </a:p>
-          <a:p>
-            <a:pPr>
-              <a:defRPr/>
-            </a:pPr>
-            <a:endParaRPr lang="ko-KR" altLang="en-US" dirty="0">
-              <a:latin typeface="+mj-lt"/>
-              <a:ea typeface="굴림" panose="020B0600000101010101" pitchFamily="50" charset="-127"/>
-            </a:endParaRPr>
-          </a:p>
-        </p:txBody>
-      </p:sp>
-    </p:spTree>
-    <p:extLst>
-      <p:ext uri="{BB962C8B-B14F-4D97-AF65-F5344CB8AC3E}">
-        <p14:creationId xmlns:p14="http://schemas.microsoft.com/office/powerpoint/2010/main" val="3436135307"/>
-      </p:ext>
-    </p:extLst>
-  </p:cSld>
-  <p:clrMapOvr>
-    <a:masterClrMapping/>
-  </p:clrMapOvr>
-</p:notes>
-</file>
-
-<file path=ppt/notesSlides/notesSlide34.xml><?xml version="1.0" encoding="utf-8"?>
-<p:notes xmlns:a="http://schemas.openxmlformats.org/drawingml/2006/main" xmlns:r="http://schemas.openxmlformats.org/officeDocument/2006/relationships" xmlns:p="http://schemas.openxmlformats.org/presentationml/2006/main">
-  <p:cSld>
-    <p:spTree>
-      <p:nvGrpSpPr>
-        <p:cNvPr id="1" name=""/>
-        <p:cNvGrpSpPr/>
-        <p:nvPr/>
-      </p:nvGrpSpPr>
-      <p:grpSpPr>
-        <a:xfrm>
-          <a:off x="0" y="0"/>
-          <a:ext cx="0" cy="0"/>
-          <a:chOff x="0" y="0"/>
-          <a:chExt cx="0" cy="0"/>
-        </a:xfrm>
-      </p:grpSpPr>
-      <p:sp>
-        <p:nvSpPr>
-          <p:cNvPr id="76802" name="슬라이드 이미지 개체 틀 1"/>
-          <p:cNvSpPr>
-            <a:spLocks noGrp="1" noRot="1" noChangeAspect="1" noTextEdit="1"/>
-          </p:cNvSpPr>
-          <p:nvPr>
-            <p:ph type="sldImg"/>
-          </p:nvPr>
-        </p:nvSpPr>
-        <p:spPr/>
-      </p:sp>
-      <p:sp>
-        <p:nvSpPr>
-          <p:cNvPr id="76803" name="슬라이드 노트 개체 틀 2"/>
-          <p:cNvSpPr>
-            <a:spLocks noGrp="1"/>
-          </p:cNvSpPr>
-          <p:nvPr>
-            <p:ph type="body" idx="1"/>
-          </p:nvPr>
-        </p:nvSpPr>
-        <p:spPr>
-          <a:noFill/>
-          <a:extLst>
-            <a:ext uri="{91240B29-F687-4F45-9708-019B960494DF}">
-              <a14:hiddenLine xmlns:a14="http://schemas.microsoft.com/office/drawing/2010/main" w="9525">
-                <a:solidFill>
-                  <a:srgbClr val="000000"/>
-                </a:solidFill>
-                <a:miter lim="800000"/>
-                <a:headEnd/>
-                <a:tailEnd/>
-              </a14:hiddenLine>
-            </a:ext>
-          </a:extLst>
-        </p:spPr>
-        <p:txBody>
-          <a:bodyPr/>
-          <a:lstStyle/>
-          <a:p>
-            <a:r>
-              <a:rPr lang="ko-KR" altLang="en-US">
-                <a:ea typeface="굴림" panose="020B0600000101010101" pitchFamily="50" charset="-127"/>
-              </a:rPr>
-              <a:t>그 다음 </a:t>
-            </a:r>
-            <a:r>
-              <a:rPr lang="en-US" altLang="ko-KR">
-                <a:ea typeface="굴림" panose="020B0600000101010101" pitchFamily="50" charset="-127"/>
-              </a:rPr>
-              <a:t>, </a:t>
-            </a:r>
-            <a:r>
-              <a:rPr lang="ko-KR" altLang="en-US">
-                <a:ea typeface="굴림" panose="020B0600000101010101" pitchFamily="50" charset="-127"/>
-              </a:rPr>
-              <a:t>만들어진 모델링을</a:t>
-            </a:r>
-            <a:r>
-              <a:rPr lang="en-US" altLang="ko-KR">
-                <a:ea typeface="굴림" panose="020B0600000101010101" pitchFamily="50" charset="-127"/>
-              </a:rPr>
-              <a:t>, </a:t>
-            </a:r>
-            <a:r>
-              <a:rPr lang="ko-KR" altLang="en-US">
-                <a:ea typeface="굴림" panose="020B0600000101010101" pitchFamily="50" charset="-127"/>
-              </a:rPr>
-              <a:t> 사용하기 쉽게 </a:t>
-            </a:r>
-            <a:r>
-              <a:rPr lang="en-US" altLang="ko-KR">
-                <a:ea typeface="굴림" panose="020B0600000101010101" pitchFamily="50" charset="-127"/>
-              </a:rPr>
-              <a:t>Webservice </a:t>
-            </a:r>
-            <a:r>
-              <a:rPr lang="ko-KR" altLang="en-US">
-                <a:ea typeface="굴림" panose="020B0600000101010101" pitchFamily="50" charset="-127"/>
-              </a:rPr>
-              <a:t>로 배포합니다</a:t>
-            </a:r>
-            <a:r>
-              <a:rPr lang="en-US" altLang="ko-KR">
-                <a:ea typeface="굴림" panose="020B0600000101010101" pitchFamily="50" charset="-127"/>
-              </a:rPr>
-              <a:t>.</a:t>
-            </a:r>
-          </a:p>
-          <a:p>
-            <a:r>
-              <a:rPr lang="ko-KR" altLang="en-US">
-                <a:ea typeface="굴림" panose="020B0600000101010101" pitchFamily="50" charset="-127"/>
-              </a:rPr>
-              <a:t>저는 이 부분이 </a:t>
-            </a:r>
-            <a:r>
-              <a:rPr lang="en-US" altLang="ko-KR">
-                <a:ea typeface="굴림" panose="020B0600000101010101" pitchFamily="50" charset="-127"/>
-              </a:rPr>
-              <a:t>Azure ML </a:t>
-            </a:r>
-            <a:r>
-              <a:rPr lang="ko-KR" altLang="en-US">
-                <a:ea typeface="굴림" panose="020B0600000101010101" pitchFamily="50" charset="-127"/>
-              </a:rPr>
-              <a:t>의 가장 큰 장점이라고 생각하는데</a:t>
-            </a:r>
-            <a:r>
-              <a:rPr lang="en-US" altLang="ko-KR">
-                <a:ea typeface="굴림" panose="020B0600000101010101" pitchFamily="50" charset="-127"/>
-              </a:rPr>
-              <a:t>, </a:t>
-            </a:r>
-            <a:r>
-              <a:rPr lang="ko-KR" altLang="en-US">
-                <a:ea typeface="굴림" panose="020B0600000101010101" pitchFamily="50" charset="-127"/>
-              </a:rPr>
-              <a:t>복잡하게 만든 모델링을</a:t>
-            </a:r>
-            <a:endParaRPr lang="en-US" altLang="ko-KR">
-              <a:ea typeface="굴림" panose="020B0600000101010101" pitchFamily="50" charset="-127"/>
-            </a:endParaRPr>
-          </a:p>
-          <a:p>
-            <a:r>
-              <a:rPr lang="ko-KR" altLang="en-US">
-                <a:ea typeface="굴림" panose="020B0600000101010101" pitchFamily="50" charset="-127"/>
-              </a:rPr>
-              <a:t>간단하게 </a:t>
-            </a:r>
-            <a:r>
-              <a:rPr lang="en-US" altLang="ko-KR">
-                <a:ea typeface="굴림" panose="020B0600000101010101" pitchFamily="50" charset="-127"/>
-              </a:rPr>
-              <a:t>Web Api </a:t>
-            </a:r>
-            <a:r>
-              <a:rPr lang="ko-KR" altLang="en-US">
-                <a:ea typeface="굴림" panose="020B0600000101010101" pitchFamily="50" charset="-127"/>
-              </a:rPr>
-              <a:t>를</a:t>
-            </a:r>
-            <a:r>
-              <a:rPr lang="en-US" altLang="ko-KR">
-                <a:ea typeface="굴림" panose="020B0600000101010101" pitchFamily="50" charset="-127"/>
-              </a:rPr>
-              <a:t> </a:t>
-            </a:r>
-            <a:r>
-              <a:rPr lang="ko-KR" altLang="en-US">
-                <a:ea typeface="굴림" panose="020B0600000101010101" pitchFamily="50" charset="-127"/>
-              </a:rPr>
-              <a:t>호출해서 사용할 수 있다는 점입니다</a:t>
-            </a:r>
-            <a:r>
-              <a:rPr lang="en-US" altLang="ko-KR">
-                <a:ea typeface="굴림" panose="020B0600000101010101" pitchFamily="50" charset="-127"/>
-              </a:rPr>
-              <a:t>.</a:t>
-            </a:r>
-          </a:p>
-          <a:p>
-            <a:endParaRPr lang="en-US" altLang="ko-KR">
-              <a:ea typeface="굴림" panose="020B0600000101010101" pitchFamily="50" charset="-127"/>
-            </a:endParaRPr>
-          </a:p>
-          <a:p>
-            <a:r>
-              <a:rPr lang="en-US" altLang="ko-KR">
-                <a:ea typeface="굴림" panose="020B0600000101010101" pitchFamily="50" charset="-127"/>
-              </a:rPr>
-              <a:t>WebService </a:t>
-            </a:r>
-            <a:r>
-              <a:rPr lang="ko-KR" altLang="en-US">
-                <a:ea typeface="굴림" panose="020B0600000101010101" pitchFamily="50" charset="-127"/>
-              </a:rPr>
-              <a:t>작업을 통해 대량의 교육데이터도 입력할 수 있고</a:t>
-            </a:r>
-            <a:r>
-              <a:rPr lang="en-US" altLang="ko-KR">
-                <a:ea typeface="굴림" panose="020B0600000101010101" pitchFamily="50" charset="-127"/>
-              </a:rPr>
-              <a:t>, </a:t>
-            </a:r>
-            <a:r>
-              <a:rPr lang="ko-KR" altLang="en-US">
-                <a:ea typeface="굴림" panose="020B0600000101010101" pitchFamily="50" charset="-127"/>
-              </a:rPr>
-              <a:t>예측하려는 데이터를 입력하여</a:t>
-            </a:r>
-            <a:r>
-              <a:rPr lang="en-US" altLang="ko-KR">
-                <a:ea typeface="굴림" panose="020B0600000101010101" pitchFamily="50" charset="-127"/>
-              </a:rPr>
-              <a:t>,</a:t>
-            </a:r>
-          </a:p>
-          <a:p>
-            <a:r>
-              <a:rPr lang="ko-KR" altLang="en-US">
-                <a:ea typeface="굴림" panose="020B0600000101010101" pitchFamily="50" charset="-127"/>
-              </a:rPr>
-              <a:t>모델링의 결과를 바로 받아 볼 수 있습니다</a:t>
-            </a:r>
-            <a:r>
-              <a:rPr lang="en-US" altLang="ko-KR">
-                <a:ea typeface="굴림" panose="020B0600000101010101" pitchFamily="50" charset="-127"/>
-              </a:rPr>
-              <a:t>.</a:t>
-            </a:r>
-          </a:p>
-          <a:p>
-            <a:endParaRPr lang="en-US" altLang="ko-KR">
-              <a:ea typeface="굴림" panose="020B0600000101010101" pitchFamily="50" charset="-127"/>
-            </a:endParaRPr>
-          </a:p>
-          <a:p>
-            <a:r>
-              <a:rPr lang="ko-KR" altLang="en-US">
-                <a:ea typeface="굴림" panose="020B0600000101010101" pitchFamily="50" charset="-127"/>
-              </a:rPr>
-              <a:t>오른쪽 화면이 파이썬을 사용하여 데이터를 질의하고</a:t>
-            </a:r>
-            <a:r>
-              <a:rPr lang="en-US" altLang="ko-KR">
-                <a:ea typeface="굴림" panose="020B0600000101010101" pitchFamily="50" charset="-127"/>
-              </a:rPr>
-              <a:t>, </a:t>
-            </a:r>
-            <a:r>
-              <a:rPr lang="ko-KR" altLang="en-US">
-                <a:ea typeface="굴림" panose="020B0600000101010101" pitchFamily="50" charset="-127"/>
-              </a:rPr>
-              <a:t>결과값을 받아오는 간단한 코드입니다</a:t>
-            </a:r>
-            <a:r>
-              <a:rPr lang="en-US" altLang="ko-KR">
-                <a:ea typeface="굴림" panose="020B0600000101010101" pitchFamily="50" charset="-127"/>
-              </a:rPr>
-              <a:t>.</a:t>
-            </a:r>
-          </a:p>
-        </p:txBody>
-      </p:sp>
-    </p:spTree>
-    <p:extLst>
-      <p:ext uri="{BB962C8B-B14F-4D97-AF65-F5344CB8AC3E}">
-        <p14:creationId xmlns:p14="http://schemas.microsoft.com/office/powerpoint/2010/main" val="2855960026"/>
-      </p:ext>
-    </p:extLst>
-  </p:cSld>
-  <p:clrMapOvr>
-    <a:masterClrMapping/>
-  </p:clrMapOvr>
-</p:notes>
-</file>
-
-<file path=ppt/notesSlides/notesSlide4.xml><?xml version="1.0" encoding="utf-8"?>
-<p:notes xmlns:a="http://schemas.openxmlformats.org/drawingml/2006/main" xmlns:r="http://schemas.openxmlformats.org/officeDocument/2006/relationships" xmlns:p="http://schemas.openxmlformats.org/presentationml/2006/main">
-  <p:cSld>
-    <p:spTree>
-      <p:nvGrpSpPr>
-        <p:cNvPr id="1" name=""/>
-        <p:cNvGrpSpPr/>
-        <p:nvPr/>
-      </p:nvGrpSpPr>
-      <p:grpSpPr>
-        <a:xfrm>
-          <a:off x="0" y="0"/>
-          <a:ext cx="0" cy="0"/>
-          <a:chOff x="0" y="0"/>
-          <a:chExt cx="0" cy="0"/>
-        </a:xfrm>
-      </p:grpSpPr>
-      <p:sp>
-        <p:nvSpPr>
-          <p:cNvPr id="2" name="Slide Image Placeholder 1"/>
-          <p:cNvSpPr>
-            <a:spLocks noGrp="1" noRot="1" noChangeAspect="1"/>
-          </p:cNvSpPr>
-          <p:nvPr>
-            <p:ph type="sldImg"/>
-          </p:nvPr>
-        </p:nvSpPr>
-        <p:spPr/>
-      </p:sp>
-      <p:sp>
-        <p:nvSpPr>
-          <p:cNvPr id="3" name="Notes Placeholder 2"/>
-          <p:cNvSpPr>
-            <a:spLocks noGrp="1"/>
-          </p:cNvSpPr>
-          <p:nvPr>
-            <p:ph type="body" idx="1"/>
-          </p:nvPr>
-        </p:nvSpPr>
-        <p:spPr/>
-        <p:txBody>
-          <a:bodyPr/>
-          <a:lstStyle/>
-          <a:p>
-            <a:endParaRPr lang="ko-KR" altLang="en-US"/>
-          </a:p>
-        </p:txBody>
-      </p:sp>
-    </p:spTree>
-    <p:extLst>
-      <p:ext uri="{BB962C8B-B14F-4D97-AF65-F5344CB8AC3E}">
-        <p14:creationId xmlns:p14="http://schemas.microsoft.com/office/powerpoint/2010/main" val="2816005030"/>
-      </p:ext>
-    </p:extLst>
   </p:cSld>
   <p:clrMapOvr>
     <a:masterClrMapping/>
@@ -4798,7 +4944,7 @@
     </p:spTree>
     <p:extLst>
       <p:ext uri="{BB962C8B-B14F-4D97-AF65-F5344CB8AC3E}">
-        <p14:creationId xmlns:p14="http://schemas.microsoft.com/office/powerpoint/2010/main" val="2523188763"/>
+        <p14:creationId xmlns:p14="http://schemas.microsoft.com/office/powerpoint/2010/main" val="2816005030"/>
       </p:ext>
     </p:extLst>
   </p:cSld>
@@ -4859,7 +5005,7 @@
     </p:spTree>
     <p:extLst>
       <p:ext uri="{BB962C8B-B14F-4D97-AF65-F5344CB8AC3E}">
-        <p14:creationId xmlns:p14="http://schemas.microsoft.com/office/powerpoint/2010/main" val="1969603045"/>
+        <p14:creationId xmlns:p14="http://schemas.microsoft.com/office/powerpoint/2010/main" val="2523188763"/>
       </p:ext>
     </p:extLst>
   </p:cSld>
@@ -4920,6 +5066,67 @@
     </p:spTree>
     <p:extLst>
       <p:ext uri="{BB962C8B-B14F-4D97-AF65-F5344CB8AC3E}">
+        <p14:creationId xmlns:p14="http://schemas.microsoft.com/office/powerpoint/2010/main" val="1969603045"/>
+      </p:ext>
+    </p:extLst>
+  </p:cSld>
+  <p:clrMapOvr>
+    <a:masterClrMapping/>
+  </p:clrMapOvr>
+</p:notes>
+</file>
+
+<file path=ppt/notesSlides/notesSlide8.xml><?xml version="1.0" encoding="utf-8"?>
+<p:notes xmlns:a="http://schemas.openxmlformats.org/drawingml/2006/main" xmlns:r="http://schemas.openxmlformats.org/officeDocument/2006/relationships" xmlns:p="http://schemas.openxmlformats.org/presentationml/2006/main">
+  <p:cSld>
+    <p:spTree>
+      <p:nvGrpSpPr>
+        <p:cNvPr id="1" name=""/>
+        <p:cNvGrpSpPr/>
+        <p:nvPr/>
+      </p:nvGrpSpPr>
+      <p:grpSpPr>
+        <a:xfrm>
+          <a:off x="0" y="0"/>
+          <a:ext cx="0" cy="0"/>
+          <a:chOff x="0" y="0"/>
+          <a:chExt cx="0" cy="0"/>
+        </a:xfrm>
+      </p:grpSpPr>
+      <p:sp>
+        <p:nvSpPr>
+          <p:cNvPr id="2" name="Slide Image Placeholder 1"/>
+          <p:cNvSpPr>
+            <a:spLocks noGrp="1" noRot="1" noChangeAspect="1"/>
+          </p:cNvSpPr>
+          <p:nvPr>
+            <p:ph type="sldImg"/>
+          </p:nvPr>
+        </p:nvSpPr>
+        <p:spPr/>
+      </p:sp>
+      <p:sp>
+        <p:nvSpPr>
+          <p:cNvPr id="3" name="Notes Placeholder 2"/>
+          <p:cNvSpPr>
+            <a:spLocks noGrp="1"/>
+          </p:cNvSpPr>
+          <p:nvPr>
+            <p:ph type="body" idx="1"/>
+          </p:nvPr>
+        </p:nvSpPr>
+        <p:spPr/>
+        <p:txBody>
+          <a:bodyPr/>
+          <a:lstStyle/>
+          <a:p>
+            <a:endParaRPr lang="ko-KR" altLang="en-US"/>
+          </a:p>
+        </p:txBody>
+      </p:sp>
+    </p:spTree>
+    <p:extLst>
+      <p:ext uri="{BB962C8B-B14F-4D97-AF65-F5344CB8AC3E}">
         <p14:creationId xmlns:p14="http://schemas.microsoft.com/office/powerpoint/2010/main" val="2166951412"/>
       </p:ext>
     </p:extLst>
@@ -4930,7 +5137,7 @@
 </p:notes>
 </file>
 
-<file path=ppt/notesSlides/notesSlide8.xml><?xml version="1.0" encoding="utf-8"?>
+<file path=ppt/notesSlides/notesSlide9.xml><?xml version="1.0" encoding="utf-8"?>
 <p:notes xmlns:a="http://schemas.openxmlformats.org/drawingml/2006/main" xmlns:r="http://schemas.openxmlformats.org/officeDocument/2006/relationships" xmlns:p="http://schemas.openxmlformats.org/presentationml/2006/main">
   <p:cSld>
     <p:spTree>
@@ -5038,134 +5245,6 @@
           <a:lstStyle/>
           <a:p>
             <a:fld id="{39B10116-6D2A-43AB-874E-995E68E40DE4}" type="slidenum">
-              <a:rPr lang="da-DK" altLang="ko-KR">
-                <a:ea typeface="굴림" panose="020B0600000101010101" pitchFamily="50" charset="-127"/>
-              </a:rPr>
-              <a:pPr/>
-              <a:t>8</a:t>
-            </a:fld>
-            <a:endParaRPr lang="da-DK" altLang="ko-KR">
-              <a:ea typeface="굴림" panose="020B0600000101010101" pitchFamily="50" charset="-127"/>
-            </a:endParaRPr>
-          </a:p>
-        </p:txBody>
-      </p:sp>
-    </p:spTree>
-  </p:cSld>
-  <p:clrMapOvr>
-    <a:masterClrMapping/>
-  </p:clrMapOvr>
-</p:notes>
-</file>
-
-<file path=ppt/notesSlides/notesSlide9.xml><?xml version="1.0" encoding="utf-8"?>
-<p:notes xmlns:a="http://schemas.openxmlformats.org/drawingml/2006/main" xmlns:r="http://schemas.openxmlformats.org/officeDocument/2006/relationships" xmlns:p="http://schemas.openxmlformats.org/presentationml/2006/main">
-  <p:cSld>
-    <p:spTree>
-      <p:nvGrpSpPr>
-        <p:cNvPr id="1" name=""/>
-        <p:cNvGrpSpPr/>
-        <p:nvPr/>
-      </p:nvGrpSpPr>
-      <p:grpSpPr>
-        <a:xfrm>
-          <a:off x="0" y="0"/>
-          <a:ext cx="0" cy="0"/>
-          <a:chOff x="0" y="0"/>
-          <a:chExt cx="0" cy="0"/>
-        </a:xfrm>
-      </p:grpSpPr>
-      <p:sp>
-        <p:nvSpPr>
-          <p:cNvPr id="20482" name="Slide Image Placeholder 1"/>
-          <p:cNvSpPr>
-            <a:spLocks noGrp="1" noRot="1" noChangeAspect="1" noTextEdit="1"/>
-          </p:cNvSpPr>
-          <p:nvPr>
-            <p:ph type="sldImg"/>
-          </p:nvPr>
-        </p:nvSpPr>
-        <p:spPr/>
-      </p:sp>
-      <p:sp>
-        <p:nvSpPr>
-          <p:cNvPr id="20483" name="Notes Placeholder 2"/>
-          <p:cNvSpPr>
-            <a:spLocks noGrp="1"/>
-          </p:cNvSpPr>
-          <p:nvPr>
-            <p:ph type="body" idx="1"/>
-          </p:nvPr>
-        </p:nvSpPr>
-        <p:spPr>
-          <a:noFill/>
-          <a:extLst>
-            <a:ext uri="{91240B29-F687-4F45-9708-019B960494DF}">
-              <a14:hiddenLine xmlns:a14="http://schemas.microsoft.com/office/drawing/2010/main" w="9525">
-                <a:solidFill>
-                  <a:srgbClr val="000000"/>
-                </a:solidFill>
-                <a:miter lim="800000"/>
-                <a:headEnd/>
-                <a:tailEnd/>
-              </a14:hiddenLine>
-            </a:ext>
-          </a:extLst>
-        </p:spPr>
-        <p:txBody>
-          <a:bodyPr/>
-          <a:lstStyle/>
-          <a:p>
-            <a:endParaRPr lang="ko-KR" altLang="en-US">
-              <a:ea typeface="굴림" panose="020B0600000101010101" pitchFamily="50" charset="-127"/>
-            </a:endParaRPr>
-          </a:p>
-        </p:txBody>
-      </p:sp>
-      <p:sp>
-        <p:nvSpPr>
-          <p:cNvPr id="20484" name="Slide Number Placeholder 3"/>
-          <p:cNvSpPr>
-            <a:spLocks noGrp="1"/>
-          </p:cNvSpPr>
-          <p:nvPr>
-            <p:ph type="sldNum" sz="quarter" idx="4294967295"/>
-          </p:nvPr>
-        </p:nvSpPr>
-        <p:spPr bwMode="auto">
-          <a:xfrm>
-            <a:off x="0" y="0"/>
-            <a:ext cx="0" cy="0"/>
-          </a:xfrm>
-          <a:prstGeom prst="rect">
-            <a:avLst/>
-          </a:prstGeom>
-          <a:noFill/>
-          <a:extLst>
-            <a:ext uri="{909E8E84-426E-40DD-AFC4-6F175D3DCCD1}">
-              <a14:hiddenFill xmlns:a14="http://schemas.microsoft.com/office/drawing/2010/main">
-                <a:solidFill>
-                  <a:srgbClr val="FFFFFF"/>
-                </a:solidFill>
-              </a14:hiddenFill>
-            </a:ext>
-            <a:ext uri="{91240B29-F687-4F45-9708-019B960494DF}">
-              <a14:hiddenLine xmlns:a14="http://schemas.microsoft.com/office/drawing/2010/main" w="9525">
-                <a:solidFill>
-                  <a:srgbClr val="000000"/>
-                </a:solidFill>
-                <a:miter lim="800000"/>
-                <a:headEnd/>
-                <a:tailEnd/>
-              </a14:hiddenLine>
-            </a:ext>
-          </a:extLst>
-        </p:spPr>
-        <p:txBody>
-          <a:bodyPr/>
-          <a:lstStyle/>
-          <a:p>
-            <a:fld id="{BBD0D18E-6321-46A1-B17D-ABBDE95D1D96}" type="slidenum">
               <a:rPr lang="da-DK" altLang="ko-KR">
                 <a:ea typeface="굴림" panose="020B0600000101010101" pitchFamily="50" charset="-127"/>
               </a:rPr>
@@ -8275,6 +8354,365 @@
       </p:grpSpPr>
       <p:sp>
         <p:nvSpPr>
+          <p:cNvPr id="19458" name="Title 1"/>
+          <p:cNvSpPr>
+            <a:spLocks noGrp="1"/>
+          </p:cNvSpPr>
+          <p:nvPr>
+            <p:ph type="title"/>
+          </p:nvPr>
+        </p:nvSpPr>
+        <p:spPr>
+          <a:xfrm>
+            <a:off x="4800600" y="3783013"/>
+            <a:ext cx="14782800" cy="5375275"/>
+          </a:xfrm>
+        </p:spPr>
+        <p:txBody>
+          <a:bodyPr/>
+          <a:lstStyle/>
+          <a:p>
+            <a:endParaRPr lang="ko-KR" altLang="en-US">
+              <a:latin typeface="KoPubDotum Medium" panose="02020603020101020101" pitchFamily="18" charset="-127"/>
+              <a:ea typeface="KoPubDotum Medium" panose="02020603020101020101" pitchFamily="18" charset="-127"/>
+            </a:endParaRPr>
+          </a:p>
+        </p:txBody>
+      </p:sp>
+      <p:pic>
+        <p:nvPicPr>
+          <p:cNvPr id="19459" name="Picture 2"/>
+          <p:cNvPicPr>
+            <a:picLocks noChangeAspect="1"/>
+          </p:cNvPicPr>
+          <p:nvPr/>
+        </p:nvPicPr>
+        <p:blipFill>
+          <a:blip r:embed="rId3">
+            <a:extLst>
+              <a:ext uri="{28A0092B-C50C-407E-A947-70E740481C1C}">
+                <a14:useLocalDpi xmlns:a14="http://schemas.microsoft.com/office/drawing/2010/main" val="0"/>
+              </a:ext>
+            </a:extLst>
+          </a:blip>
+          <a:srcRect/>
+          <a:stretch>
+            <a:fillRect/>
+          </a:stretch>
+        </p:blipFill>
+        <p:spPr bwMode="auto">
+          <a:xfrm>
+            <a:off x="1201738" y="1588"/>
+            <a:ext cx="21980525" cy="13712825"/>
+          </a:xfrm>
+          <a:prstGeom prst="rect">
+            <a:avLst/>
+          </a:prstGeom>
+          <a:noFill/>
+          <a:ln>
+            <a:noFill/>
+          </a:ln>
+          <a:extLst>
+            <a:ext uri="{909E8E84-426E-40DD-AFC4-6F175D3DCCD1}">
+              <a14:hiddenFill xmlns:a14="http://schemas.microsoft.com/office/drawing/2010/main">
+                <a:solidFill>
+                  <a:srgbClr val="FFFFFF"/>
+                </a:solidFill>
+              </a14:hiddenFill>
+            </a:ext>
+            <a:ext uri="{91240B29-F687-4F45-9708-019B960494DF}">
+              <a14:hiddenLine xmlns:a14="http://schemas.microsoft.com/office/drawing/2010/main" w="9525">
+                <a:solidFill>
+                  <a:srgbClr val="000000"/>
+                </a:solidFill>
+                <a:miter lim="800000"/>
+                <a:headEnd/>
+                <a:tailEnd/>
+              </a14:hiddenLine>
+            </a:ext>
+          </a:extLst>
+        </p:spPr>
+      </p:pic>
+      <p:sp>
+        <p:nvSpPr>
+          <p:cNvPr id="19460" name="TextBox 3"/>
+          <p:cNvSpPr txBox="1">
+            <a:spLocks noChangeArrowheads="1"/>
+          </p:cNvSpPr>
+          <p:nvPr/>
+        </p:nvSpPr>
+        <p:spPr bwMode="auto">
+          <a:xfrm>
+            <a:off x="481013" y="12666663"/>
+            <a:ext cx="4945062" cy="501650"/>
+          </a:xfrm>
+          <a:prstGeom prst="rect">
+            <a:avLst/>
+          </a:prstGeom>
+          <a:noFill/>
+          <a:ln>
+            <a:noFill/>
+          </a:ln>
+          <a:extLst>
+            <a:ext uri="{909E8E84-426E-40DD-AFC4-6F175D3DCCD1}">
+              <a14:hiddenFill xmlns:a14="http://schemas.microsoft.com/office/drawing/2010/main">
+                <a:solidFill>
+                  <a:srgbClr val="FFFFFF"/>
+                </a:solidFill>
+              </a14:hiddenFill>
+            </a:ext>
+            <a:ext uri="{91240B29-F687-4F45-9708-019B960494DF}">
+              <a14:hiddenLine xmlns:a14="http://schemas.microsoft.com/office/drawing/2010/main" w="9525">
+                <a:solidFill>
+                  <a:srgbClr val="000000"/>
+                </a:solidFill>
+                <a:miter lim="800000"/>
+                <a:headEnd/>
+                <a:tailEnd/>
+              </a14:hiddenLine>
+            </a:ext>
+          </a:extLst>
+        </p:spPr>
+        <p:txBody>
+          <a:bodyPr wrap="none">
+            <a:spAutoFit/>
+          </a:bodyPr>
+          <a:lstStyle/>
+          <a:p>
+            <a:r>
+              <a:rPr lang="ko-KR" altLang="en-US" sz="2600">
+                <a:latin typeface="KoPubDotum Medium" panose="02020603020101020101" pitchFamily="18" charset="-127"/>
+                <a:ea typeface="KoPubDotum Medium" panose="02020603020101020101" pitchFamily="18" charset="-127"/>
+              </a:rPr>
+              <a:t>출처 </a:t>
+            </a:r>
+            <a:r>
+              <a:rPr lang="en-US" altLang="ko-KR" sz="2600">
+                <a:latin typeface="KoPubDotum Medium" panose="02020603020101020101" pitchFamily="18" charset="-127"/>
+                <a:ea typeface="KoPubDotum Medium" panose="02020603020101020101" pitchFamily="18" charset="-127"/>
+              </a:rPr>
+              <a:t>: </a:t>
+            </a:r>
+            <a:r>
+              <a:rPr lang="ko-KR" altLang="en-US" sz="2600">
+                <a:latin typeface="KoPubDotum Medium" panose="02020603020101020101" pitchFamily="18" charset="-127"/>
+                <a:ea typeface="KoPubDotum Medium" panose="02020603020101020101" pitchFamily="18" charset="-127"/>
+              </a:rPr>
+              <a:t>디에스이트레이드 이성희</a:t>
+            </a:r>
+          </a:p>
+        </p:txBody>
+      </p:sp>
+      <p:sp>
+        <p:nvSpPr>
+          <p:cNvPr id="5" name="Rectangle 4"/>
+          <p:cNvSpPr/>
+          <p:nvPr/>
+        </p:nvSpPr>
+        <p:spPr bwMode="auto">
+          <a:xfrm>
+            <a:off x="481013" y="1181100"/>
+            <a:ext cx="4987925" cy="895350"/>
+          </a:xfrm>
+          <a:prstGeom prst="rect">
+            <a:avLst/>
+          </a:prstGeom>
+          <a:solidFill>
+            <a:schemeClr val="bg1"/>
+          </a:solidFill>
+          <a:ln>
+            <a:noFill/>
+            <a:headEnd type="none" w="med" len="med"/>
+            <a:tailEnd type="none" w="med" len="med"/>
+          </a:ln>
+        </p:spPr>
+        <p:style>
+          <a:lnRef idx="2">
+            <a:schemeClr val="accent1">
+              <a:shade val="50000"/>
+            </a:schemeClr>
+          </a:lnRef>
+          <a:fillRef idx="1">
+            <a:schemeClr val="accent1"/>
+          </a:fillRef>
+          <a:effectRef idx="0">
+            <a:schemeClr val="accent1"/>
+          </a:effectRef>
+          <a:fontRef idx="minor">
+            <a:schemeClr val="lt1"/>
+          </a:fontRef>
+        </p:style>
+        <p:txBody>
+          <a:bodyPr lIns="0" tIns="91440" rIns="0" bIns="91440" anchor="ctr"/>
+          <a:lstStyle>
+            <a:lvl1pPr defTabSz="1827213">
+              <a:defRPr sz="5000">
+                <a:solidFill>
+                  <a:srgbClr val="000000"/>
+                </a:solidFill>
+                <a:latin typeface="Helvetica Light" charset="0"/>
+                <a:ea typeface="Helvetica Light" charset="0"/>
+                <a:cs typeface="Helvetica Light" charset="0"/>
+                <a:sym typeface="Helvetica Light" charset="0"/>
+              </a:defRPr>
+            </a:lvl1pPr>
+            <a:lvl2pPr defTabSz="1827213">
+              <a:defRPr sz="5000">
+                <a:solidFill>
+                  <a:srgbClr val="000000"/>
+                </a:solidFill>
+                <a:latin typeface="Helvetica Light" charset="0"/>
+                <a:ea typeface="Helvetica Light" charset="0"/>
+                <a:cs typeface="Helvetica Light" charset="0"/>
+                <a:sym typeface="Helvetica Light" charset="0"/>
+              </a:defRPr>
+            </a:lvl2pPr>
+            <a:lvl3pPr defTabSz="1827213">
+              <a:defRPr sz="5000">
+                <a:solidFill>
+                  <a:srgbClr val="000000"/>
+                </a:solidFill>
+                <a:latin typeface="Helvetica Light" charset="0"/>
+                <a:ea typeface="Helvetica Light" charset="0"/>
+                <a:cs typeface="Helvetica Light" charset="0"/>
+                <a:sym typeface="Helvetica Light" charset="0"/>
+              </a:defRPr>
+            </a:lvl3pPr>
+            <a:lvl4pPr defTabSz="1827213">
+              <a:defRPr sz="5000">
+                <a:solidFill>
+                  <a:srgbClr val="000000"/>
+                </a:solidFill>
+                <a:latin typeface="Helvetica Light" charset="0"/>
+                <a:ea typeface="Helvetica Light" charset="0"/>
+                <a:cs typeface="Helvetica Light" charset="0"/>
+                <a:sym typeface="Helvetica Light" charset="0"/>
+              </a:defRPr>
+            </a:lvl4pPr>
+            <a:lvl5pPr defTabSz="1827213">
+              <a:defRPr sz="5000">
+                <a:solidFill>
+                  <a:srgbClr val="000000"/>
+                </a:solidFill>
+                <a:latin typeface="Helvetica Light" charset="0"/>
+                <a:ea typeface="Helvetica Light" charset="0"/>
+                <a:cs typeface="Helvetica Light" charset="0"/>
+                <a:sym typeface="Helvetica Light" charset="0"/>
+              </a:defRPr>
+            </a:lvl5pPr>
+            <a:lvl6pPr indent="-914400" defTabSz="1827213" eaLnBrk="0" fontAlgn="base" hangingPunct="0">
+              <a:spcBef>
+                <a:spcPct val="0"/>
+              </a:spcBef>
+              <a:spcAft>
+                <a:spcPct val="0"/>
+              </a:spcAft>
+              <a:defRPr sz="5000">
+                <a:solidFill>
+                  <a:srgbClr val="000000"/>
+                </a:solidFill>
+                <a:latin typeface="Helvetica Light" charset="0"/>
+                <a:ea typeface="Helvetica Light" charset="0"/>
+                <a:cs typeface="Helvetica Light" charset="0"/>
+                <a:sym typeface="Helvetica Light" charset="0"/>
+              </a:defRPr>
+            </a:lvl6pPr>
+            <a:lvl7pPr indent="-914400" defTabSz="1827213" eaLnBrk="0" fontAlgn="base" hangingPunct="0">
+              <a:spcBef>
+                <a:spcPct val="0"/>
+              </a:spcBef>
+              <a:spcAft>
+                <a:spcPct val="0"/>
+              </a:spcAft>
+              <a:defRPr sz="5000">
+                <a:solidFill>
+                  <a:srgbClr val="000000"/>
+                </a:solidFill>
+                <a:latin typeface="Helvetica Light" charset="0"/>
+                <a:ea typeface="Helvetica Light" charset="0"/>
+                <a:cs typeface="Helvetica Light" charset="0"/>
+                <a:sym typeface="Helvetica Light" charset="0"/>
+              </a:defRPr>
+            </a:lvl7pPr>
+            <a:lvl8pPr indent="-914400" defTabSz="1827213" eaLnBrk="0" fontAlgn="base" hangingPunct="0">
+              <a:spcBef>
+                <a:spcPct val="0"/>
+              </a:spcBef>
+              <a:spcAft>
+                <a:spcPct val="0"/>
+              </a:spcAft>
+              <a:defRPr sz="5000">
+                <a:solidFill>
+                  <a:srgbClr val="000000"/>
+                </a:solidFill>
+                <a:latin typeface="Helvetica Light" charset="0"/>
+                <a:ea typeface="Helvetica Light" charset="0"/>
+                <a:cs typeface="Helvetica Light" charset="0"/>
+                <a:sym typeface="Helvetica Light" charset="0"/>
+              </a:defRPr>
+            </a:lvl8pPr>
+            <a:lvl9pPr indent="-914400" defTabSz="1827213" eaLnBrk="0" fontAlgn="base" hangingPunct="0">
+              <a:spcBef>
+                <a:spcPct val="0"/>
+              </a:spcBef>
+              <a:spcAft>
+                <a:spcPct val="0"/>
+              </a:spcAft>
+              <a:defRPr sz="5000">
+                <a:solidFill>
+                  <a:srgbClr val="000000"/>
+                </a:solidFill>
+                <a:latin typeface="Helvetica Light" charset="0"/>
+                <a:ea typeface="Helvetica Light" charset="0"/>
+                <a:cs typeface="Helvetica Light" charset="0"/>
+                <a:sym typeface="Helvetica Light" charset="0"/>
+              </a:defRPr>
+            </a:lvl9pPr>
+          </a:lstStyle>
+          <a:p>
+            <a:pPr algn="ctr">
+              <a:defRPr/>
+            </a:pPr>
+            <a:endParaRPr lang="ko-KR" altLang="en-US" sz="3900">
+              <a:solidFill>
+                <a:schemeClr val="tx1"/>
+              </a:solidFill>
+              <a:latin typeface="KoPubDotum Medium" panose="02020603020101020101" pitchFamily="18" charset="-127"/>
+              <a:ea typeface="KoPubDotum Medium" panose="02020603020101020101" pitchFamily="18" charset="-127"/>
+            </a:endParaRPr>
+          </a:p>
+        </p:txBody>
+      </p:sp>
+    </p:spTree>
+  </p:cSld>
+  <p:clrMapOvr>
+    <a:masterClrMapping/>
+  </p:clrMapOvr>
+  <p:transition spd="slow">
+    <p:wipe/>
+  </p:transition>
+</p:sld>
+</file>
+
+<file path=ppt/slides/slide11.xml><?xml version="1.0" encoding="utf-8"?>
+<p:sld xmlns:a="http://schemas.openxmlformats.org/drawingml/2006/main" xmlns:r="http://schemas.openxmlformats.org/officeDocument/2006/relationships" xmlns:p="http://schemas.openxmlformats.org/presentationml/2006/main">
+  <p:cSld>
+    <p:spTree>
+      <p:nvGrpSpPr>
+        <p:cNvPr id="1" name=""/>
+        <p:cNvGrpSpPr/>
+        <p:nvPr/>
+      </p:nvGrpSpPr>
+      <p:grpSpPr>
+        <a:xfrm>
+          <a:off x="0" y="0"/>
+          <a:ext cx="0" cy="0"/>
+          <a:chOff x="0" y="0"/>
+          <a:chExt cx="0" cy="0"/>
+        </a:xfrm>
+      </p:grpSpPr>
+      <p:sp>
+        <p:nvSpPr>
           <p:cNvPr id="21506" name="Title 2"/>
           <p:cNvSpPr>
             <a:spLocks/>
@@ -12487,7 +12925,7 @@
 </p:sld>
 </file>
 
-<file path=ppt/slides/slide11.xml><?xml version="1.0" encoding="utf-8"?>
+<file path=ppt/slides/slide12.xml><?xml version="1.0" encoding="utf-8"?>
 <p:sld xmlns:a="http://schemas.openxmlformats.org/drawingml/2006/main" xmlns:r="http://schemas.openxmlformats.org/officeDocument/2006/relationships" xmlns:p="http://schemas.openxmlformats.org/presentationml/2006/main">
   <p:cSld>
     <p:spTree>
@@ -12676,7 +13114,7 @@
 </p:sld>
 </file>
 
-<file path=ppt/slides/slide12.xml><?xml version="1.0" encoding="utf-8"?>
+<file path=ppt/slides/slide13.xml><?xml version="1.0" encoding="utf-8"?>
 <p:sld xmlns:a="http://schemas.openxmlformats.org/drawingml/2006/main" xmlns:r="http://schemas.openxmlformats.org/officeDocument/2006/relationships" xmlns:p="http://schemas.openxmlformats.org/presentationml/2006/main">
   <p:cSld>
     <p:spTree>
@@ -13180,7 +13618,7 @@
 </p:sld>
 </file>
 
-<file path=ppt/slides/slide13.xml><?xml version="1.0" encoding="utf-8"?>
+<file path=ppt/slides/slide14.xml><?xml version="1.0" encoding="utf-8"?>
 <p:sld xmlns:a="http://schemas.openxmlformats.org/drawingml/2006/main" xmlns:r="http://schemas.openxmlformats.org/officeDocument/2006/relationships" xmlns:p="http://schemas.openxmlformats.org/presentationml/2006/main" show="0">
   <p:cSld>
     <p:spTree>
@@ -13288,7 +13726,7 @@
 </p:sld>
 </file>
 
-<file path=ppt/slides/slide14.xml><?xml version="1.0" encoding="utf-8"?>
+<file path=ppt/slides/slide15.xml><?xml version="1.0" encoding="utf-8"?>
 <p:sld xmlns:a="http://schemas.openxmlformats.org/drawingml/2006/main" xmlns:r="http://schemas.openxmlformats.org/officeDocument/2006/relationships" xmlns:p="http://schemas.openxmlformats.org/presentationml/2006/main">
   <p:cSld>
     <p:spTree>
@@ -15552,7 +15990,7 @@
 </p:sld>
 </file>
 
-<file path=ppt/slides/slide15.xml><?xml version="1.0" encoding="utf-8"?>
+<file path=ppt/slides/slide16.xml><?xml version="1.0" encoding="utf-8"?>
 <p:sld xmlns:a="http://schemas.openxmlformats.org/drawingml/2006/main" xmlns:r="http://schemas.openxmlformats.org/officeDocument/2006/relationships" xmlns:p="http://schemas.openxmlformats.org/presentationml/2006/main">
   <p:cSld>
     <p:spTree>
@@ -15698,7 +16136,7 @@
 </p:sld>
 </file>
 
-<file path=ppt/slides/slide16.xml><?xml version="1.0" encoding="utf-8"?>
+<file path=ppt/slides/slide17.xml><?xml version="1.0" encoding="utf-8"?>
 <p:sld xmlns:a="http://schemas.openxmlformats.org/drawingml/2006/main" xmlns:r="http://schemas.openxmlformats.org/officeDocument/2006/relationships" xmlns:p="http://schemas.openxmlformats.org/presentationml/2006/main">
   <p:cSld>
     <p:spTree>
@@ -15818,7 +16256,7 @@
 </p:sld>
 </file>
 
-<file path=ppt/slides/slide17.xml><?xml version="1.0" encoding="utf-8"?>
+<file path=ppt/slides/slide18.xml><?xml version="1.0" encoding="utf-8"?>
 <p:sld xmlns:a="http://schemas.openxmlformats.org/drawingml/2006/main" xmlns:r="http://schemas.openxmlformats.org/officeDocument/2006/relationships" xmlns:p="http://schemas.openxmlformats.org/presentationml/2006/main" show="0">
   <p:cSld>
     <p:spTree>
@@ -15898,7 +16336,7 @@
 </p:sld>
 </file>
 
-<file path=ppt/slides/slide18.xml><?xml version="1.0" encoding="utf-8"?>
+<file path=ppt/slides/slide19.xml><?xml version="1.0" encoding="utf-8"?>
 <p:sld xmlns:a="http://schemas.openxmlformats.org/drawingml/2006/main" xmlns:r="http://schemas.openxmlformats.org/officeDocument/2006/relationships" xmlns:p="http://schemas.openxmlformats.org/presentationml/2006/main">
   <p:cSld>
     <p:spTree>
@@ -15978,7 +16416,132 @@
 </p:sld>
 </file>
 
-<file path=ppt/slides/slide19.xml><?xml version="1.0" encoding="utf-8"?>
+<file path=ppt/slides/slide2.xml><?xml version="1.0" encoding="utf-8"?>
+<p:sld xmlns:a="http://schemas.openxmlformats.org/drawingml/2006/main" xmlns:r="http://schemas.openxmlformats.org/officeDocument/2006/relationships" xmlns:p="http://schemas.openxmlformats.org/presentationml/2006/main">
+  <p:cSld>
+    <p:spTree>
+      <p:nvGrpSpPr>
+        <p:cNvPr id="1" name=""/>
+        <p:cNvGrpSpPr/>
+        <p:nvPr/>
+      </p:nvGrpSpPr>
+      <p:grpSpPr>
+        <a:xfrm>
+          <a:off x="0" y="0"/>
+          <a:ext cx="0" cy="0"/>
+          <a:chOff x="0" y="0"/>
+          <a:chExt cx="0" cy="0"/>
+        </a:xfrm>
+      </p:grpSpPr>
+      <p:sp>
+        <p:nvSpPr>
+          <p:cNvPr id="7172" name="Rectangle 3"/>
+          <p:cNvSpPr>
+            <a:spLocks/>
+          </p:cNvSpPr>
+          <p:nvPr/>
+        </p:nvSpPr>
+        <p:spPr bwMode="auto">
+          <a:xfrm>
+            <a:off x="1357932" y="3541422"/>
+            <a:ext cx="21764625" cy="5309146"/>
+          </a:xfrm>
+          <a:prstGeom prst="rect">
+            <a:avLst/>
+          </a:prstGeom>
+          <a:noFill/>
+          <a:ln>
+            <a:noFill/>
+          </a:ln>
+          <a:effectLst/>
+          <a:extLst>
+            <a:ext uri="{909E8E84-426E-40DD-AFC4-6F175D3DCCD1}">
+              <a14:hiddenFill xmlns:a14="http://schemas.microsoft.com/office/drawing/2010/main">
+                <a:solidFill>
+                  <a:srgbClr val="FFFFFF"/>
+                </a:solidFill>
+              </a14:hiddenFill>
+            </a:ext>
+            <a:ext uri="{91240B29-F687-4F45-9708-019B960494DF}">
+              <a14:hiddenLine xmlns:a14="http://schemas.microsoft.com/office/drawing/2010/main" w="12700">
+                <a:solidFill>
+                  <a:srgbClr val="000000"/>
+                </a:solidFill>
+                <a:miter lim="0"/>
+                <a:headEnd/>
+                <a:tailEnd/>
+              </a14:hiddenLine>
+            </a:ext>
+            <a:ext uri="{AF507438-7753-43E0-B8FC-AC1667EBCBE1}">
+              <a14:hiddenEffects xmlns:a14="http://schemas.microsoft.com/office/drawing/2010/main">
+                <a:effectLst>
+                  <a:outerShdw dist="35921" dir="2700000" algn="ctr" rotWithShape="0">
+                    <a:srgbClr val="808080"/>
+                  </a:outerShdw>
+                </a:effectLst>
+              </a14:hiddenEffects>
+            </a:ext>
+          </a:extLst>
+        </p:spPr>
+        <p:txBody>
+          <a:bodyPr lIns="0" tIns="0" rIns="0" bIns="0" anchor="ctr">
+            <a:spAutoFit/>
+          </a:bodyPr>
+          <a:lstStyle/>
+          <a:p>
+            <a:pPr eaLnBrk="1"/>
+            <a:r>
+              <a:rPr lang="ko-KR" altLang="en-US" sz="11500" dirty="0"/>
+              <a:t>발표자료 및 전체 코드 </a:t>
+            </a:r>
+            <a:r>
+              <a:rPr lang="en-US" altLang="ko-KR" sz="11500" dirty="0"/>
+              <a:t>Repo</a:t>
+            </a:r>
+            <a:endParaRPr lang="en-US" altLang="ko-KR" sz="11500" dirty="0">
+              <a:latin typeface="+mn-lt"/>
+              <a:hlinkClick r:id="rId3"/>
+            </a:endParaRPr>
+          </a:p>
+          <a:p>
+            <a:pPr eaLnBrk="1"/>
+            <a:r>
+              <a:rPr lang="en-US" altLang="ko-KR" sz="11500" dirty="0">
+                <a:latin typeface="+mn-lt"/>
+                <a:hlinkClick r:id="rId3"/>
+              </a:rPr>
+              <a:t>https://aka.ms/silla-univ</a:t>
+            </a:r>
+            <a:endParaRPr lang="en-US" altLang="ko-KR" sz="11500" dirty="0">
+              <a:latin typeface="+mn-lt"/>
+            </a:endParaRPr>
+          </a:p>
+          <a:p>
+            <a:pPr eaLnBrk="1"/>
+            <a:r>
+              <a:rPr lang="en-US" altLang="ko-KR" sz="11500" dirty="0">
+                <a:latin typeface="+mn-lt"/>
+              </a:rPr>
+              <a:t> </a:t>
+            </a:r>
+          </a:p>
+        </p:txBody>
+      </p:sp>
+    </p:spTree>
+    <p:extLst>
+      <p:ext uri="{BB962C8B-B14F-4D97-AF65-F5344CB8AC3E}">
+        <p14:creationId xmlns:p14="http://schemas.microsoft.com/office/powerpoint/2010/main" val="1540484489"/>
+      </p:ext>
+    </p:extLst>
+  </p:cSld>
+  <p:clrMapOvr>
+    <a:masterClrMapping/>
+  </p:clrMapOvr>
+  <p:transition spd="med"/>
+</p:sld>
+</file>
+
+<file path=ppt/slides/slide20.xml><?xml version="1.0" encoding="utf-8"?>
 <p:sld xmlns:a="http://schemas.openxmlformats.org/drawingml/2006/main" xmlns:r="http://schemas.openxmlformats.org/officeDocument/2006/relationships" xmlns:p="http://schemas.openxmlformats.org/presentationml/2006/main">
   <p:cSld>
     <p:spTree>
@@ -16088,515 +16651,7 @@
 </p:sld>
 </file>
 
-<file path=ppt/slides/slide2.xml><?xml version="1.0" encoding="utf-8"?>
-<p:sld xmlns:a="http://schemas.openxmlformats.org/drawingml/2006/main" xmlns:r="http://schemas.openxmlformats.org/officeDocument/2006/relationships" xmlns:p="http://schemas.openxmlformats.org/presentationml/2006/main">
-  <p:cSld>
-    <p:spTree>
-      <p:nvGrpSpPr>
-        <p:cNvPr id="1" name=""/>
-        <p:cNvGrpSpPr/>
-        <p:nvPr/>
-      </p:nvGrpSpPr>
-      <p:grpSpPr>
-        <a:xfrm>
-          <a:off x="0" y="0"/>
-          <a:ext cx="0" cy="0"/>
-          <a:chOff x="0" y="0"/>
-          <a:chExt cx="0" cy="0"/>
-        </a:xfrm>
-      </p:grpSpPr>
-      <p:sp>
-        <p:nvSpPr>
-          <p:cNvPr id="4099" name="Rectangle 3"/>
-          <p:cNvSpPr>
-            <a:spLocks/>
-          </p:cNvSpPr>
-          <p:nvPr/>
-        </p:nvSpPr>
-        <p:spPr bwMode="auto">
-          <a:xfrm>
-            <a:off x="1750840" y="3084059"/>
-            <a:ext cx="16919575" cy="7743145"/>
-          </a:xfrm>
-          <a:prstGeom prst="rect">
-            <a:avLst/>
-          </a:prstGeom>
-          <a:noFill/>
-          <a:ln>
-            <a:noFill/>
-          </a:ln>
-          <a:effectLst/>
-          <a:extLst>
-            <a:ext uri="{909E8E84-426E-40DD-AFC4-6F175D3DCCD1}">
-              <a14:hiddenFill xmlns:a14="http://schemas.microsoft.com/office/drawing/2010/main">
-                <a:solidFill>
-                  <a:srgbClr val="FFFFFF"/>
-                </a:solidFill>
-              </a14:hiddenFill>
-            </a:ext>
-            <a:ext uri="{91240B29-F687-4F45-9708-019B960494DF}">
-              <a14:hiddenLine xmlns:a14="http://schemas.microsoft.com/office/drawing/2010/main" w="12700">
-                <a:solidFill>
-                  <a:srgbClr val="000000"/>
-                </a:solidFill>
-                <a:miter lim="0"/>
-                <a:headEnd/>
-                <a:tailEnd/>
-              </a14:hiddenLine>
-            </a:ext>
-            <a:ext uri="{AF507438-7753-43E0-B8FC-AC1667EBCBE1}">
-              <a14:hiddenEffects xmlns:a14="http://schemas.microsoft.com/office/drawing/2010/main">
-                <a:effectLst>
-                  <a:outerShdw dist="35921" dir="2700000" algn="ctr" rotWithShape="0">
-                    <a:srgbClr val="808080"/>
-                  </a:outerShdw>
-                </a:effectLst>
-              </a14:hiddenEffects>
-            </a:ext>
-          </a:extLst>
-        </p:spPr>
-        <p:txBody>
-          <a:bodyPr lIns="50800" tIns="50800" rIns="50800" bIns="50800" anchor="ctr">
-            <a:spAutoFit/>
-          </a:bodyPr>
-          <a:lstStyle>
-            <a:lvl1pPr marL="854075" indent="-854075">
-              <a:defRPr sz="5000">
-                <a:solidFill>
-                  <a:srgbClr val="000000"/>
-                </a:solidFill>
-                <a:latin typeface="Helvetica Light" charset="0"/>
-                <a:ea typeface="Helvetica Light" charset="0"/>
-                <a:cs typeface="Helvetica Light" charset="0"/>
-                <a:sym typeface="Helvetica Light" charset="0"/>
-              </a:defRPr>
-            </a:lvl1pPr>
-            <a:lvl2pPr marL="742950" indent="-285750">
-              <a:defRPr sz="5000">
-                <a:solidFill>
-                  <a:srgbClr val="000000"/>
-                </a:solidFill>
-                <a:latin typeface="Helvetica Light" charset="0"/>
-                <a:ea typeface="Helvetica Light" charset="0"/>
-                <a:cs typeface="Helvetica Light" charset="0"/>
-                <a:sym typeface="Helvetica Light" charset="0"/>
-              </a:defRPr>
-            </a:lvl2pPr>
-            <a:lvl3pPr marL="1143000" indent="-228600">
-              <a:defRPr sz="5000">
-                <a:solidFill>
-                  <a:srgbClr val="000000"/>
-                </a:solidFill>
-                <a:latin typeface="Helvetica Light" charset="0"/>
-                <a:ea typeface="Helvetica Light" charset="0"/>
-                <a:cs typeface="Helvetica Light" charset="0"/>
-                <a:sym typeface="Helvetica Light" charset="0"/>
-              </a:defRPr>
-            </a:lvl3pPr>
-            <a:lvl4pPr marL="1600200" indent="-228600">
-              <a:defRPr sz="5000">
-                <a:solidFill>
-                  <a:srgbClr val="000000"/>
-                </a:solidFill>
-                <a:latin typeface="Helvetica Light" charset="0"/>
-                <a:ea typeface="Helvetica Light" charset="0"/>
-                <a:cs typeface="Helvetica Light" charset="0"/>
-                <a:sym typeface="Helvetica Light" charset="0"/>
-              </a:defRPr>
-            </a:lvl4pPr>
-            <a:lvl5pPr marL="2057400" indent="-228600">
-              <a:defRPr sz="5000">
-                <a:solidFill>
-                  <a:srgbClr val="000000"/>
-                </a:solidFill>
-                <a:latin typeface="Helvetica Light" charset="0"/>
-                <a:ea typeface="Helvetica Light" charset="0"/>
-                <a:cs typeface="Helvetica Light" charset="0"/>
-                <a:sym typeface="Helvetica Light" charset="0"/>
-              </a:defRPr>
-            </a:lvl5pPr>
-            <a:lvl6pPr marL="2514600" indent="-228600" defTabSz="825500" eaLnBrk="0" fontAlgn="base" hangingPunct="0">
-              <a:spcBef>
-                <a:spcPct val="0"/>
-              </a:spcBef>
-              <a:spcAft>
-                <a:spcPct val="0"/>
-              </a:spcAft>
-              <a:defRPr sz="5000">
-                <a:solidFill>
-                  <a:srgbClr val="000000"/>
-                </a:solidFill>
-                <a:latin typeface="Helvetica Light" charset="0"/>
-                <a:ea typeface="Helvetica Light" charset="0"/>
-                <a:cs typeface="Helvetica Light" charset="0"/>
-                <a:sym typeface="Helvetica Light" charset="0"/>
-              </a:defRPr>
-            </a:lvl6pPr>
-            <a:lvl7pPr marL="2971800" indent="-228600" defTabSz="825500" eaLnBrk="0" fontAlgn="base" hangingPunct="0">
-              <a:spcBef>
-                <a:spcPct val="0"/>
-              </a:spcBef>
-              <a:spcAft>
-                <a:spcPct val="0"/>
-              </a:spcAft>
-              <a:defRPr sz="5000">
-                <a:solidFill>
-                  <a:srgbClr val="000000"/>
-                </a:solidFill>
-                <a:latin typeface="Helvetica Light" charset="0"/>
-                <a:ea typeface="Helvetica Light" charset="0"/>
-                <a:cs typeface="Helvetica Light" charset="0"/>
-                <a:sym typeface="Helvetica Light" charset="0"/>
-              </a:defRPr>
-            </a:lvl7pPr>
-            <a:lvl8pPr marL="3429000" indent="-228600" defTabSz="825500" eaLnBrk="0" fontAlgn="base" hangingPunct="0">
-              <a:spcBef>
-                <a:spcPct val="0"/>
-              </a:spcBef>
-              <a:spcAft>
-                <a:spcPct val="0"/>
-              </a:spcAft>
-              <a:defRPr sz="5000">
-                <a:solidFill>
-                  <a:srgbClr val="000000"/>
-                </a:solidFill>
-                <a:latin typeface="Helvetica Light" charset="0"/>
-                <a:ea typeface="Helvetica Light" charset="0"/>
-                <a:cs typeface="Helvetica Light" charset="0"/>
-                <a:sym typeface="Helvetica Light" charset="0"/>
-              </a:defRPr>
-            </a:lvl8pPr>
-            <a:lvl9pPr marL="3886200" indent="-228600" defTabSz="825500" eaLnBrk="0" fontAlgn="base" hangingPunct="0">
-              <a:spcBef>
-                <a:spcPct val="0"/>
-              </a:spcBef>
-              <a:spcAft>
-                <a:spcPct val="0"/>
-              </a:spcAft>
-              <a:defRPr sz="5000">
-                <a:solidFill>
-                  <a:srgbClr val="000000"/>
-                </a:solidFill>
-                <a:latin typeface="Helvetica Light" charset="0"/>
-                <a:ea typeface="Helvetica Light" charset="0"/>
-                <a:cs typeface="Helvetica Light" charset="0"/>
-                <a:sym typeface="Helvetica Light" charset="0"/>
-              </a:defRPr>
-            </a:lvl9pPr>
-          </a:lstStyle>
-          <a:p>
-            <a:pPr marL="685800" indent="-685800" eaLnBrk="1">
-              <a:buSzPct val="100000"/>
-              <a:buFont typeface="Arial" panose="020B0604020202020204" pitchFamily="34" charset="0"/>
-              <a:buChar char="•"/>
-              <a:defRPr/>
-            </a:pPr>
-            <a:r>
-              <a:rPr lang="en-US" altLang="ko-KR" sz="5400" b="1" dirty="0">
-                <a:solidFill>
-                  <a:schemeClr val="tx1"/>
-                </a:solidFill>
-                <a:latin typeface="KoPubDotum Bold" panose="02020603020101020101" pitchFamily="18" charset="-127"/>
-                <a:ea typeface="KoPubDotum Bold" panose="02020603020101020101" pitchFamily="18" charset="-127"/>
-                <a:sym typeface="KoPubDotum Medium" panose="02020603020101020101" pitchFamily="18" charset="-127"/>
-              </a:rPr>
-              <a:t>Machine Learning</a:t>
-            </a:r>
-            <a:r>
-              <a:rPr lang="ko-KR" altLang="en-US" sz="5400" b="1" dirty="0">
-                <a:solidFill>
-                  <a:schemeClr val="tx1"/>
-                </a:solidFill>
-                <a:latin typeface="KoPubDotum Bold" panose="02020603020101020101" pitchFamily="18" charset="-127"/>
-                <a:ea typeface="KoPubDotum Bold" panose="02020603020101020101" pitchFamily="18" charset="-127"/>
-                <a:sym typeface="KoPubDotum Medium" panose="02020603020101020101" pitchFamily="18" charset="-127"/>
-              </a:rPr>
-              <a:t> </a:t>
-            </a:r>
-            <a:r>
-              <a:rPr lang="en-US" altLang="ko-KR" sz="5400" b="1" dirty="0">
-                <a:solidFill>
-                  <a:schemeClr val="tx1"/>
-                </a:solidFill>
-                <a:latin typeface="KoPubDotum Bold" panose="02020603020101020101" pitchFamily="18" charset="-127"/>
-                <a:ea typeface="KoPubDotum Bold" panose="02020603020101020101" pitchFamily="18" charset="-127"/>
-                <a:sym typeface="KoPubDotum Medium" panose="02020603020101020101" pitchFamily="18" charset="-127"/>
-              </a:rPr>
-              <a:t>overview</a:t>
-            </a:r>
-            <a:r>
-              <a:rPr lang="ko-KR" altLang="en-US" sz="5400" b="1" dirty="0">
-                <a:solidFill>
-                  <a:schemeClr val="tx1"/>
-                </a:solidFill>
-                <a:latin typeface="KoPubDotum Bold" panose="02020603020101020101" pitchFamily="18" charset="-127"/>
-                <a:ea typeface="KoPubDotum Bold" panose="02020603020101020101" pitchFamily="18" charset="-127"/>
-                <a:sym typeface="KoPubDotum Medium" panose="02020603020101020101" pitchFamily="18" charset="-127"/>
-              </a:rPr>
-              <a:t> </a:t>
-            </a:r>
-            <a:endParaRPr lang="en-US" altLang="ko-KR" sz="5400" b="1" dirty="0">
-              <a:solidFill>
-                <a:schemeClr val="tx1"/>
-              </a:solidFill>
-              <a:latin typeface="KoPubDotum Bold" panose="02020603020101020101" pitchFamily="18" charset="-127"/>
-              <a:ea typeface="KoPubDotum Bold" panose="02020603020101020101" pitchFamily="18" charset="-127"/>
-              <a:sym typeface="KoPubDotum Medium" panose="02020603020101020101" pitchFamily="18" charset="-127"/>
-            </a:endParaRPr>
-          </a:p>
-          <a:p>
-            <a:pPr marL="685800" indent="-685800" eaLnBrk="1">
-              <a:buSzPct val="100000"/>
-              <a:buFont typeface="Arial" panose="020B0604020202020204" pitchFamily="34" charset="0"/>
-              <a:buChar char="•"/>
-              <a:defRPr/>
-            </a:pPr>
-            <a:r>
-              <a:rPr lang="ko-KR" altLang="en-US" sz="5400" b="1" dirty="0">
-                <a:solidFill>
-                  <a:schemeClr val="tx1"/>
-                </a:solidFill>
-                <a:latin typeface="KoPubDotum Bold" panose="02020603020101020101" pitchFamily="18" charset="-127"/>
-                <a:ea typeface="KoPubDotum Bold" panose="02020603020101020101" pitchFamily="18" charset="-127"/>
-                <a:sym typeface="KoPubDotum Medium" panose="02020603020101020101" pitchFamily="18" charset="-127"/>
-              </a:rPr>
-              <a:t>기본 예측 모델 생성 및 예측 수행</a:t>
-            </a:r>
-            <a:endParaRPr lang="en-US" altLang="ko-KR" sz="5400" b="1" dirty="0">
-              <a:solidFill>
-                <a:schemeClr val="tx1"/>
-              </a:solidFill>
-              <a:latin typeface="KoPubDotum Bold" panose="02020603020101020101" pitchFamily="18" charset="-127"/>
-              <a:ea typeface="KoPubDotum Bold" panose="02020603020101020101" pitchFamily="18" charset="-127"/>
-              <a:sym typeface="KoPubDotum Medium" panose="02020603020101020101" pitchFamily="18" charset="-127"/>
-            </a:endParaRPr>
-          </a:p>
-          <a:p>
-            <a:pPr marL="685800" indent="-685800" eaLnBrk="1">
-              <a:buSzPct val="100000"/>
-              <a:buFont typeface="Arial" panose="020B0604020202020204" pitchFamily="34" charset="0"/>
-              <a:buChar char="•"/>
-              <a:defRPr/>
-            </a:pPr>
-            <a:r>
-              <a:rPr lang="ko-KR" altLang="en-US" sz="5400" b="1" dirty="0">
-                <a:solidFill>
-                  <a:schemeClr val="tx1"/>
-                </a:solidFill>
-                <a:latin typeface="KoPubDotum Bold" panose="02020603020101020101" pitchFamily="18" charset="-127"/>
-                <a:ea typeface="KoPubDotum Bold" panose="02020603020101020101" pitchFamily="18" charset="-127"/>
-                <a:sym typeface="KoPubDotum Medium" panose="02020603020101020101" pitchFamily="18" charset="-127"/>
-              </a:rPr>
-              <a:t>모바일 게임에서의 고객 이탈</a:t>
-            </a:r>
-            <a:endParaRPr lang="en-US" altLang="ko-KR" sz="5400" b="1" dirty="0">
-              <a:solidFill>
-                <a:schemeClr val="tx1"/>
-              </a:solidFill>
-              <a:latin typeface="KoPubDotum Bold" panose="02020603020101020101" pitchFamily="18" charset="-127"/>
-              <a:ea typeface="KoPubDotum Bold" panose="02020603020101020101" pitchFamily="18" charset="-127"/>
-              <a:sym typeface="KoPubDotum Medium" panose="02020603020101020101" pitchFamily="18" charset="-127"/>
-            </a:endParaRPr>
-          </a:p>
-          <a:p>
-            <a:pPr marL="685800" indent="-685800" eaLnBrk="1">
-              <a:buSzPct val="100000"/>
-              <a:buFont typeface="Arial" panose="020B0604020202020204" pitchFamily="34" charset="0"/>
-              <a:buChar char="•"/>
-              <a:defRPr/>
-            </a:pPr>
-            <a:r>
-              <a:rPr lang="ko-KR" altLang="en-US" sz="5400" b="1" dirty="0">
-                <a:solidFill>
-                  <a:schemeClr val="tx1"/>
-                </a:solidFill>
-                <a:latin typeface="KoPubDotum Bold" panose="02020603020101020101" pitchFamily="18" charset="-127"/>
-                <a:ea typeface="KoPubDotum Bold" panose="02020603020101020101" pitchFamily="18" charset="-127"/>
-                <a:sym typeface="KoPubDotum Medium" panose="02020603020101020101" pitchFamily="18" charset="-127"/>
-              </a:rPr>
-              <a:t>이탈 예측 모델링 리서치</a:t>
-            </a:r>
-            <a:endParaRPr lang="en-US" altLang="ko-KR" sz="5400" b="1" dirty="0">
-              <a:solidFill>
-                <a:schemeClr val="tx1"/>
-              </a:solidFill>
-              <a:latin typeface="KoPubDotum Bold" panose="02020603020101020101" pitchFamily="18" charset="-127"/>
-              <a:ea typeface="KoPubDotum Bold" panose="02020603020101020101" pitchFamily="18" charset="-127"/>
-              <a:sym typeface="KoPubDotum Medium" panose="02020603020101020101" pitchFamily="18" charset="-127"/>
-            </a:endParaRPr>
-          </a:p>
-          <a:p>
-            <a:pPr marL="685800" indent="-685800" eaLnBrk="1">
-              <a:buSzPct val="100000"/>
-              <a:buFont typeface="Arial" panose="020B0604020202020204" pitchFamily="34" charset="0"/>
-              <a:buChar char="•"/>
-              <a:defRPr/>
-            </a:pPr>
-            <a:r>
-              <a:rPr lang="ko-KR" altLang="en-US" sz="5400" b="1" dirty="0">
-                <a:solidFill>
-                  <a:schemeClr val="tx1"/>
-                </a:solidFill>
-                <a:latin typeface="KoPubDotum Bold" panose="02020603020101020101" pitchFamily="18" charset="-127"/>
-                <a:ea typeface="KoPubDotum Bold" panose="02020603020101020101" pitchFamily="18" charset="-127"/>
-                <a:sym typeface="KoPubDotum Medium" panose="02020603020101020101" pitchFamily="18" charset="-127"/>
-              </a:rPr>
-              <a:t>데이터 탐색</a:t>
-            </a:r>
-            <a:endParaRPr lang="en-US" altLang="ko-KR" sz="5400" b="1" dirty="0">
-              <a:solidFill>
-                <a:schemeClr val="tx1"/>
-              </a:solidFill>
-              <a:latin typeface="KoPubDotum Bold" panose="02020603020101020101" pitchFamily="18" charset="-127"/>
-              <a:ea typeface="KoPubDotum Bold" panose="02020603020101020101" pitchFamily="18" charset="-127"/>
-              <a:sym typeface="KoPubDotum Medium" panose="02020603020101020101" pitchFamily="18" charset="-127"/>
-            </a:endParaRPr>
-          </a:p>
-          <a:p>
-            <a:pPr marL="685800" indent="-685800" eaLnBrk="1">
-              <a:buSzPct val="100000"/>
-              <a:buFont typeface="Arial" panose="020B0604020202020204" pitchFamily="34" charset="0"/>
-              <a:buChar char="•"/>
-              <a:defRPr/>
-            </a:pPr>
-            <a:r>
-              <a:rPr lang="en-US" altLang="ko-KR" sz="5400" b="1" dirty="0">
-                <a:solidFill>
-                  <a:schemeClr val="tx1"/>
-                </a:solidFill>
-                <a:latin typeface="KoPubDotum Bold" panose="02020603020101020101" pitchFamily="18" charset="-127"/>
-                <a:ea typeface="KoPubDotum Bold" panose="02020603020101020101" pitchFamily="18" charset="-127"/>
-                <a:sym typeface="KoPubDotum Bold" panose="02020603020101020101" pitchFamily="18" charset="-127"/>
-              </a:rPr>
-              <a:t>Azure ML Studio </a:t>
-            </a:r>
-            <a:r>
-              <a:rPr lang="ko-KR" altLang="en-US" sz="5400" b="1" dirty="0">
-                <a:solidFill>
-                  <a:schemeClr val="tx1"/>
-                </a:solidFill>
-                <a:latin typeface="KoPubDotum Bold" panose="02020603020101020101" pitchFamily="18" charset="-127"/>
-                <a:ea typeface="KoPubDotum Bold" panose="02020603020101020101" pitchFamily="18" charset="-127"/>
-                <a:sym typeface="KoPubDotum Bold" panose="02020603020101020101" pitchFamily="18" charset="-127"/>
-              </a:rPr>
-              <a:t>모델링</a:t>
-            </a:r>
-            <a:endParaRPr lang="en-US" altLang="ko-KR" sz="5400" b="1" dirty="0">
-              <a:solidFill>
-                <a:schemeClr val="tx1"/>
-              </a:solidFill>
-              <a:latin typeface="KoPubDotum Bold" panose="02020603020101020101" pitchFamily="18" charset="-127"/>
-              <a:ea typeface="KoPubDotum Bold" panose="02020603020101020101" pitchFamily="18" charset="-127"/>
-              <a:sym typeface="KoPubDotum Bold" panose="02020603020101020101" pitchFamily="18" charset="-127"/>
-            </a:endParaRPr>
-          </a:p>
-          <a:p>
-            <a:pPr marL="685800" indent="-685800" eaLnBrk="1">
-              <a:buSzPct val="100000"/>
-              <a:buFont typeface="Arial" panose="020B0604020202020204" pitchFamily="34" charset="0"/>
-              <a:buChar char="•"/>
-              <a:defRPr/>
-            </a:pPr>
-            <a:r>
-              <a:rPr lang="ko-KR" altLang="en-US" sz="5400" b="1" dirty="0">
-                <a:solidFill>
-                  <a:schemeClr val="tx1"/>
-                </a:solidFill>
-                <a:latin typeface="KoPubDotum Bold" panose="02020603020101020101" pitchFamily="18" charset="-127"/>
-                <a:ea typeface="KoPubDotum Bold" panose="02020603020101020101" pitchFamily="18" charset="-127"/>
-                <a:sym typeface="KoPubDotum Bold" panose="02020603020101020101" pitchFamily="18" charset="-127"/>
-              </a:rPr>
-              <a:t>실제 게임에 적용하기</a:t>
-            </a:r>
-            <a:endParaRPr lang="ko-KR" altLang="ko-KR" sz="5400" b="1" dirty="0">
-              <a:solidFill>
-                <a:schemeClr val="tx1"/>
-              </a:solidFill>
-              <a:latin typeface="KoPubDotum Bold" panose="02020603020101020101" pitchFamily="18" charset="-127"/>
-              <a:ea typeface="KoPubDotum Bold" panose="02020603020101020101" pitchFamily="18" charset="-127"/>
-              <a:sym typeface="KoPubDotum Bold" panose="02020603020101020101" pitchFamily="18" charset="-127"/>
-            </a:endParaRPr>
-          </a:p>
-          <a:p>
-            <a:pPr marL="685800" indent="-685800" eaLnBrk="1">
-              <a:buSzPct val="100000"/>
-              <a:buFont typeface="Arial" panose="020B0604020202020204" pitchFamily="34" charset="0"/>
-              <a:buChar char="•"/>
-              <a:defRPr/>
-            </a:pPr>
-            <a:r>
-              <a:rPr lang="ko-KR" altLang="en-US" sz="5400" b="1" dirty="0">
-                <a:solidFill>
-                  <a:schemeClr val="tx1"/>
-                </a:solidFill>
-                <a:latin typeface="KoPubDotum Bold" panose="02020603020101020101" pitchFamily="18" charset="-127"/>
-                <a:ea typeface="KoPubDotum Bold" panose="02020603020101020101" pitchFamily="18" charset="-127"/>
-                <a:sym typeface="KoPubDotum Bold" panose="02020603020101020101" pitchFamily="18" charset="-127"/>
-              </a:rPr>
-              <a:t>적용 결과</a:t>
-            </a:r>
-            <a:endParaRPr lang="en-US" altLang="ko-KR" sz="5400" b="1" dirty="0">
-              <a:solidFill>
-                <a:schemeClr val="tx1"/>
-              </a:solidFill>
-              <a:latin typeface="KoPubDotum Bold" panose="02020603020101020101" pitchFamily="18" charset="-127"/>
-              <a:ea typeface="KoPubDotum Bold" panose="02020603020101020101" pitchFamily="18" charset="-127"/>
-              <a:sym typeface="KoPubDotum Bold" panose="02020603020101020101" pitchFamily="18" charset="-127"/>
-            </a:endParaRPr>
-          </a:p>
-          <a:p>
-            <a:pPr marL="685800" indent="-685800" eaLnBrk="1">
-              <a:buSzPct val="100000"/>
-              <a:buFont typeface="Arial" panose="020B0604020202020204" pitchFamily="34" charset="0"/>
-              <a:buChar char="•"/>
-              <a:defRPr/>
-            </a:pPr>
-            <a:r>
-              <a:rPr lang="ko-KR" altLang="en-US" sz="5400" b="1" dirty="0">
-                <a:solidFill>
-                  <a:schemeClr val="tx1"/>
-                </a:solidFill>
-                <a:latin typeface="KoPubDotum Bold" panose="02020603020101020101" pitchFamily="18" charset="-127"/>
-                <a:ea typeface="KoPubDotum Bold" panose="02020603020101020101" pitchFamily="18" charset="-127"/>
-                <a:sym typeface="KoPubDotum Bold" panose="02020603020101020101" pitchFamily="18" charset="-127"/>
-              </a:rPr>
-              <a:t>이후 진행 상황</a:t>
-            </a:r>
-            <a:endParaRPr lang="ko-KR" altLang="ko-KR" sz="5400" b="1" dirty="0">
-              <a:solidFill>
-                <a:schemeClr val="tx1"/>
-              </a:solidFill>
-              <a:latin typeface="KoPubDotum Bold" panose="02020603020101020101" pitchFamily="18" charset="-127"/>
-              <a:ea typeface="KoPubDotum Bold" panose="02020603020101020101" pitchFamily="18" charset="-127"/>
-              <a:sym typeface="KoPubDotum Bold" panose="02020603020101020101" pitchFamily="18" charset="-127"/>
-            </a:endParaRPr>
-          </a:p>
-          <a:p>
-            <a:pPr marL="0" indent="0" eaLnBrk="1">
-              <a:buSzPct val="100000"/>
-              <a:defRPr/>
-            </a:pPr>
-            <a:endParaRPr lang="ko-KR" altLang="ko-KR" sz="1050" dirty="0">
-              <a:solidFill>
-                <a:schemeClr val="tx1"/>
-              </a:solidFill>
-              <a:latin typeface="KoPub돋움체 Bold" panose="02020603020101020101" pitchFamily="18" charset="-127"/>
-              <a:ea typeface="KoPub돋움체 Bold" panose="02020603020101020101" pitchFamily="18" charset="-127"/>
-              <a:sym typeface="KoPubDotum Bold" panose="02020603020101020101" pitchFamily="18" charset="-127"/>
-            </a:endParaRPr>
-          </a:p>
-        </p:txBody>
-      </p:sp>
-    </p:spTree>
-  </p:cSld>
-  <p:clrMapOvr>
-    <a:masterClrMapping/>
-  </p:clrMapOvr>
-  <p:transition spd="med"/>
-</p:sld>
-</file>
-
-<file path=ppt/slides/slide20.xml><?xml version="1.0" encoding="utf-8"?>
+<file path=ppt/slides/slide21.xml><?xml version="1.0" encoding="utf-8"?>
 <p:sld xmlns:a="http://schemas.openxmlformats.org/drawingml/2006/main" xmlns:r="http://schemas.openxmlformats.org/officeDocument/2006/relationships" xmlns:p="http://schemas.openxmlformats.org/presentationml/2006/main">
   <p:cSld>
     <p:spTree>
@@ -16706,7 +16761,7 @@
 </p:sld>
 </file>
 
-<file path=ppt/slides/slide21.xml><?xml version="1.0" encoding="utf-8"?>
+<file path=ppt/slides/slide22.xml><?xml version="1.0" encoding="utf-8"?>
 <p:sld xmlns:a="http://schemas.openxmlformats.org/drawingml/2006/main" xmlns:r="http://schemas.openxmlformats.org/officeDocument/2006/relationships" xmlns:p="http://schemas.openxmlformats.org/presentationml/2006/main">
   <p:cSld>
     <p:spTree>
@@ -16772,7 +16827,7 @@
 </p:sld>
 </file>
 
-<file path=ppt/slides/slide22.xml><?xml version="1.0" encoding="utf-8"?>
+<file path=ppt/slides/slide23.xml><?xml version="1.0" encoding="utf-8"?>
 <p:sld xmlns:a="http://schemas.openxmlformats.org/drawingml/2006/main" xmlns:r="http://schemas.openxmlformats.org/officeDocument/2006/relationships" xmlns:p="http://schemas.openxmlformats.org/presentationml/2006/main">
   <p:cSld>
     <p:spTree>
@@ -16845,7 +16900,7 @@
 </p:sld>
 </file>
 
-<file path=ppt/slides/slide23.xml><?xml version="1.0" encoding="utf-8"?>
+<file path=ppt/slides/slide24.xml><?xml version="1.0" encoding="utf-8"?>
 <p:sld xmlns:a="http://schemas.openxmlformats.org/drawingml/2006/main" xmlns:r="http://schemas.openxmlformats.org/officeDocument/2006/relationships" xmlns:p="http://schemas.openxmlformats.org/presentationml/2006/main">
   <p:cSld>
     <p:spTree>
@@ -17032,7 +17087,7 @@
 </p:sld>
 </file>
 
-<file path=ppt/slides/slide24.xml><?xml version="1.0" encoding="utf-8"?>
+<file path=ppt/slides/slide25.xml><?xml version="1.0" encoding="utf-8"?>
 <p:sld xmlns:a="http://schemas.openxmlformats.org/drawingml/2006/main" xmlns:r="http://schemas.openxmlformats.org/officeDocument/2006/relationships" xmlns:p="http://schemas.openxmlformats.org/presentationml/2006/main">
   <p:cSld>
     <p:spTree>
@@ -17285,7 +17340,7 @@
 </p:sld>
 </file>
 
-<file path=ppt/slides/slide25.xml><?xml version="1.0" encoding="utf-8"?>
+<file path=ppt/slides/slide26.xml><?xml version="1.0" encoding="utf-8"?>
 <p:sld xmlns:a="http://schemas.openxmlformats.org/drawingml/2006/main" xmlns:r="http://schemas.openxmlformats.org/officeDocument/2006/relationships" xmlns:p="http://schemas.openxmlformats.org/presentationml/2006/main">
   <p:cSld>
     <p:spTree>
@@ -17417,7 +17472,7 @@
 </p:sld>
 </file>
 
-<file path=ppt/slides/slide26.xml><?xml version="1.0" encoding="utf-8"?>
+<file path=ppt/slides/slide27.xml><?xml version="1.0" encoding="utf-8"?>
 <p:sld xmlns:a="http://schemas.openxmlformats.org/drawingml/2006/main" xmlns:r="http://schemas.openxmlformats.org/officeDocument/2006/relationships" xmlns:p="http://schemas.openxmlformats.org/presentationml/2006/main">
   <p:cSld>
     <p:spTree>
@@ -18118,7 +18173,7 @@
 </p:sld>
 </file>
 
-<file path=ppt/slides/slide27.xml><?xml version="1.0" encoding="utf-8"?>
+<file path=ppt/slides/slide28.xml><?xml version="1.0" encoding="utf-8"?>
 <p:sld xmlns:a="http://schemas.openxmlformats.org/drawingml/2006/main" xmlns:r="http://schemas.openxmlformats.org/officeDocument/2006/relationships" xmlns:p="http://schemas.openxmlformats.org/presentationml/2006/main">
   <p:cSld>
     <p:spTree>
@@ -18829,7 +18884,7 @@
 </p:sld>
 </file>
 
-<file path=ppt/slides/slide28.xml><?xml version="1.0" encoding="utf-8"?>
+<file path=ppt/slides/slide29.xml><?xml version="1.0" encoding="utf-8"?>
 <p:sld xmlns:a="http://schemas.openxmlformats.org/drawingml/2006/main" xmlns:r="http://schemas.openxmlformats.org/officeDocument/2006/relationships" xmlns:p="http://schemas.openxmlformats.org/presentationml/2006/main">
   <p:cSld>
     <p:spTree>
@@ -20208,7 +20263,515 @@
 </p:sld>
 </file>
 
-<file path=ppt/slides/slide29.xml><?xml version="1.0" encoding="utf-8"?>
+<file path=ppt/slides/slide3.xml><?xml version="1.0" encoding="utf-8"?>
+<p:sld xmlns:a="http://schemas.openxmlformats.org/drawingml/2006/main" xmlns:r="http://schemas.openxmlformats.org/officeDocument/2006/relationships" xmlns:p="http://schemas.openxmlformats.org/presentationml/2006/main">
+  <p:cSld>
+    <p:spTree>
+      <p:nvGrpSpPr>
+        <p:cNvPr id="1" name=""/>
+        <p:cNvGrpSpPr/>
+        <p:nvPr/>
+      </p:nvGrpSpPr>
+      <p:grpSpPr>
+        <a:xfrm>
+          <a:off x="0" y="0"/>
+          <a:ext cx="0" cy="0"/>
+          <a:chOff x="0" y="0"/>
+          <a:chExt cx="0" cy="0"/>
+        </a:xfrm>
+      </p:grpSpPr>
+      <p:sp>
+        <p:nvSpPr>
+          <p:cNvPr id="4099" name="Rectangle 3"/>
+          <p:cNvSpPr>
+            <a:spLocks/>
+          </p:cNvSpPr>
+          <p:nvPr/>
+        </p:nvSpPr>
+        <p:spPr bwMode="auto">
+          <a:xfrm>
+            <a:off x="1750840" y="3084059"/>
+            <a:ext cx="16919575" cy="7743145"/>
+          </a:xfrm>
+          <a:prstGeom prst="rect">
+            <a:avLst/>
+          </a:prstGeom>
+          <a:noFill/>
+          <a:ln>
+            <a:noFill/>
+          </a:ln>
+          <a:effectLst/>
+          <a:extLst>
+            <a:ext uri="{909E8E84-426E-40DD-AFC4-6F175D3DCCD1}">
+              <a14:hiddenFill xmlns:a14="http://schemas.microsoft.com/office/drawing/2010/main">
+                <a:solidFill>
+                  <a:srgbClr val="FFFFFF"/>
+                </a:solidFill>
+              </a14:hiddenFill>
+            </a:ext>
+            <a:ext uri="{91240B29-F687-4F45-9708-019B960494DF}">
+              <a14:hiddenLine xmlns:a14="http://schemas.microsoft.com/office/drawing/2010/main" w="12700">
+                <a:solidFill>
+                  <a:srgbClr val="000000"/>
+                </a:solidFill>
+                <a:miter lim="0"/>
+                <a:headEnd/>
+                <a:tailEnd/>
+              </a14:hiddenLine>
+            </a:ext>
+            <a:ext uri="{AF507438-7753-43E0-B8FC-AC1667EBCBE1}">
+              <a14:hiddenEffects xmlns:a14="http://schemas.microsoft.com/office/drawing/2010/main">
+                <a:effectLst>
+                  <a:outerShdw dist="35921" dir="2700000" algn="ctr" rotWithShape="0">
+                    <a:srgbClr val="808080"/>
+                  </a:outerShdw>
+                </a:effectLst>
+              </a14:hiddenEffects>
+            </a:ext>
+          </a:extLst>
+        </p:spPr>
+        <p:txBody>
+          <a:bodyPr lIns="50800" tIns="50800" rIns="50800" bIns="50800" anchor="ctr">
+            <a:spAutoFit/>
+          </a:bodyPr>
+          <a:lstStyle>
+            <a:lvl1pPr marL="854075" indent="-854075">
+              <a:defRPr sz="5000">
+                <a:solidFill>
+                  <a:srgbClr val="000000"/>
+                </a:solidFill>
+                <a:latin typeface="Helvetica Light" charset="0"/>
+                <a:ea typeface="Helvetica Light" charset="0"/>
+                <a:cs typeface="Helvetica Light" charset="0"/>
+                <a:sym typeface="Helvetica Light" charset="0"/>
+              </a:defRPr>
+            </a:lvl1pPr>
+            <a:lvl2pPr marL="742950" indent="-285750">
+              <a:defRPr sz="5000">
+                <a:solidFill>
+                  <a:srgbClr val="000000"/>
+                </a:solidFill>
+                <a:latin typeface="Helvetica Light" charset="0"/>
+                <a:ea typeface="Helvetica Light" charset="0"/>
+                <a:cs typeface="Helvetica Light" charset="0"/>
+                <a:sym typeface="Helvetica Light" charset="0"/>
+              </a:defRPr>
+            </a:lvl2pPr>
+            <a:lvl3pPr marL="1143000" indent="-228600">
+              <a:defRPr sz="5000">
+                <a:solidFill>
+                  <a:srgbClr val="000000"/>
+                </a:solidFill>
+                <a:latin typeface="Helvetica Light" charset="0"/>
+                <a:ea typeface="Helvetica Light" charset="0"/>
+                <a:cs typeface="Helvetica Light" charset="0"/>
+                <a:sym typeface="Helvetica Light" charset="0"/>
+              </a:defRPr>
+            </a:lvl3pPr>
+            <a:lvl4pPr marL="1600200" indent="-228600">
+              <a:defRPr sz="5000">
+                <a:solidFill>
+                  <a:srgbClr val="000000"/>
+                </a:solidFill>
+                <a:latin typeface="Helvetica Light" charset="0"/>
+                <a:ea typeface="Helvetica Light" charset="0"/>
+                <a:cs typeface="Helvetica Light" charset="0"/>
+                <a:sym typeface="Helvetica Light" charset="0"/>
+              </a:defRPr>
+            </a:lvl4pPr>
+            <a:lvl5pPr marL="2057400" indent="-228600">
+              <a:defRPr sz="5000">
+                <a:solidFill>
+                  <a:srgbClr val="000000"/>
+                </a:solidFill>
+                <a:latin typeface="Helvetica Light" charset="0"/>
+                <a:ea typeface="Helvetica Light" charset="0"/>
+                <a:cs typeface="Helvetica Light" charset="0"/>
+                <a:sym typeface="Helvetica Light" charset="0"/>
+              </a:defRPr>
+            </a:lvl5pPr>
+            <a:lvl6pPr marL="2514600" indent="-228600" defTabSz="825500" eaLnBrk="0" fontAlgn="base" hangingPunct="0">
+              <a:spcBef>
+                <a:spcPct val="0"/>
+              </a:spcBef>
+              <a:spcAft>
+                <a:spcPct val="0"/>
+              </a:spcAft>
+              <a:defRPr sz="5000">
+                <a:solidFill>
+                  <a:srgbClr val="000000"/>
+                </a:solidFill>
+                <a:latin typeface="Helvetica Light" charset="0"/>
+                <a:ea typeface="Helvetica Light" charset="0"/>
+                <a:cs typeface="Helvetica Light" charset="0"/>
+                <a:sym typeface="Helvetica Light" charset="0"/>
+              </a:defRPr>
+            </a:lvl6pPr>
+            <a:lvl7pPr marL="2971800" indent="-228600" defTabSz="825500" eaLnBrk="0" fontAlgn="base" hangingPunct="0">
+              <a:spcBef>
+                <a:spcPct val="0"/>
+              </a:spcBef>
+              <a:spcAft>
+                <a:spcPct val="0"/>
+              </a:spcAft>
+              <a:defRPr sz="5000">
+                <a:solidFill>
+                  <a:srgbClr val="000000"/>
+                </a:solidFill>
+                <a:latin typeface="Helvetica Light" charset="0"/>
+                <a:ea typeface="Helvetica Light" charset="0"/>
+                <a:cs typeface="Helvetica Light" charset="0"/>
+                <a:sym typeface="Helvetica Light" charset="0"/>
+              </a:defRPr>
+            </a:lvl7pPr>
+            <a:lvl8pPr marL="3429000" indent="-228600" defTabSz="825500" eaLnBrk="0" fontAlgn="base" hangingPunct="0">
+              <a:spcBef>
+                <a:spcPct val="0"/>
+              </a:spcBef>
+              <a:spcAft>
+                <a:spcPct val="0"/>
+              </a:spcAft>
+              <a:defRPr sz="5000">
+                <a:solidFill>
+                  <a:srgbClr val="000000"/>
+                </a:solidFill>
+                <a:latin typeface="Helvetica Light" charset="0"/>
+                <a:ea typeface="Helvetica Light" charset="0"/>
+                <a:cs typeface="Helvetica Light" charset="0"/>
+                <a:sym typeface="Helvetica Light" charset="0"/>
+              </a:defRPr>
+            </a:lvl8pPr>
+            <a:lvl9pPr marL="3886200" indent="-228600" defTabSz="825500" eaLnBrk="0" fontAlgn="base" hangingPunct="0">
+              <a:spcBef>
+                <a:spcPct val="0"/>
+              </a:spcBef>
+              <a:spcAft>
+                <a:spcPct val="0"/>
+              </a:spcAft>
+              <a:defRPr sz="5000">
+                <a:solidFill>
+                  <a:srgbClr val="000000"/>
+                </a:solidFill>
+                <a:latin typeface="Helvetica Light" charset="0"/>
+                <a:ea typeface="Helvetica Light" charset="0"/>
+                <a:cs typeface="Helvetica Light" charset="0"/>
+                <a:sym typeface="Helvetica Light" charset="0"/>
+              </a:defRPr>
+            </a:lvl9pPr>
+          </a:lstStyle>
+          <a:p>
+            <a:pPr marL="685800" indent="-685800" eaLnBrk="1">
+              <a:buSzPct val="100000"/>
+              <a:buFont typeface="Arial" panose="020B0604020202020204" pitchFamily="34" charset="0"/>
+              <a:buChar char="•"/>
+              <a:defRPr/>
+            </a:pPr>
+            <a:r>
+              <a:rPr lang="en-US" altLang="ko-KR" sz="5400" b="1" dirty="0">
+                <a:solidFill>
+                  <a:schemeClr val="tx1"/>
+                </a:solidFill>
+                <a:latin typeface="KoPubDotum Bold" panose="02020603020101020101" pitchFamily="18" charset="-127"/>
+                <a:ea typeface="KoPubDotum Bold" panose="02020603020101020101" pitchFamily="18" charset="-127"/>
+                <a:sym typeface="KoPubDotum Medium" panose="02020603020101020101" pitchFamily="18" charset="-127"/>
+              </a:rPr>
+              <a:t>Machine Learning</a:t>
+            </a:r>
+            <a:r>
+              <a:rPr lang="ko-KR" altLang="en-US" sz="5400" b="1" dirty="0">
+                <a:solidFill>
+                  <a:schemeClr val="tx1"/>
+                </a:solidFill>
+                <a:latin typeface="KoPubDotum Bold" panose="02020603020101020101" pitchFamily="18" charset="-127"/>
+                <a:ea typeface="KoPubDotum Bold" panose="02020603020101020101" pitchFamily="18" charset="-127"/>
+                <a:sym typeface="KoPubDotum Medium" panose="02020603020101020101" pitchFamily="18" charset="-127"/>
+              </a:rPr>
+              <a:t> </a:t>
+            </a:r>
+            <a:r>
+              <a:rPr lang="en-US" altLang="ko-KR" sz="5400" b="1" dirty="0">
+                <a:solidFill>
+                  <a:schemeClr val="tx1"/>
+                </a:solidFill>
+                <a:latin typeface="KoPubDotum Bold" panose="02020603020101020101" pitchFamily="18" charset="-127"/>
+                <a:ea typeface="KoPubDotum Bold" panose="02020603020101020101" pitchFamily="18" charset="-127"/>
+                <a:sym typeface="KoPubDotum Medium" panose="02020603020101020101" pitchFamily="18" charset="-127"/>
+              </a:rPr>
+              <a:t>overview</a:t>
+            </a:r>
+            <a:r>
+              <a:rPr lang="ko-KR" altLang="en-US" sz="5400" b="1" dirty="0">
+                <a:solidFill>
+                  <a:schemeClr val="tx1"/>
+                </a:solidFill>
+                <a:latin typeface="KoPubDotum Bold" panose="02020603020101020101" pitchFamily="18" charset="-127"/>
+                <a:ea typeface="KoPubDotum Bold" panose="02020603020101020101" pitchFamily="18" charset="-127"/>
+                <a:sym typeface="KoPubDotum Medium" panose="02020603020101020101" pitchFamily="18" charset="-127"/>
+              </a:rPr>
+              <a:t> </a:t>
+            </a:r>
+            <a:endParaRPr lang="en-US" altLang="ko-KR" sz="5400" b="1" dirty="0">
+              <a:solidFill>
+                <a:schemeClr val="tx1"/>
+              </a:solidFill>
+              <a:latin typeface="KoPubDotum Bold" panose="02020603020101020101" pitchFamily="18" charset="-127"/>
+              <a:ea typeface="KoPubDotum Bold" panose="02020603020101020101" pitchFamily="18" charset="-127"/>
+              <a:sym typeface="KoPubDotum Medium" panose="02020603020101020101" pitchFamily="18" charset="-127"/>
+            </a:endParaRPr>
+          </a:p>
+          <a:p>
+            <a:pPr marL="685800" indent="-685800" eaLnBrk="1">
+              <a:buSzPct val="100000"/>
+              <a:buFont typeface="Arial" panose="020B0604020202020204" pitchFamily="34" charset="0"/>
+              <a:buChar char="•"/>
+              <a:defRPr/>
+            </a:pPr>
+            <a:r>
+              <a:rPr lang="ko-KR" altLang="en-US" sz="5400" b="1" dirty="0">
+                <a:solidFill>
+                  <a:schemeClr val="tx1"/>
+                </a:solidFill>
+                <a:latin typeface="KoPubDotum Bold" panose="02020603020101020101" pitchFamily="18" charset="-127"/>
+                <a:ea typeface="KoPubDotum Bold" panose="02020603020101020101" pitchFamily="18" charset="-127"/>
+                <a:sym typeface="KoPubDotum Medium" panose="02020603020101020101" pitchFamily="18" charset="-127"/>
+              </a:rPr>
+              <a:t>기본 예측 모델 생성 및 예측 수행</a:t>
+            </a:r>
+            <a:endParaRPr lang="en-US" altLang="ko-KR" sz="5400" b="1" dirty="0">
+              <a:solidFill>
+                <a:schemeClr val="tx1"/>
+              </a:solidFill>
+              <a:latin typeface="KoPubDotum Bold" panose="02020603020101020101" pitchFamily="18" charset="-127"/>
+              <a:ea typeface="KoPubDotum Bold" panose="02020603020101020101" pitchFamily="18" charset="-127"/>
+              <a:sym typeface="KoPubDotum Medium" panose="02020603020101020101" pitchFamily="18" charset="-127"/>
+            </a:endParaRPr>
+          </a:p>
+          <a:p>
+            <a:pPr marL="685800" indent="-685800" eaLnBrk="1">
+              <a:buSzPct val="100000"/>
+              <a:buFont typeface="Arial" panose="020B0604020202020204" pitchFamily="34" charset="0"/>
+              <a:buChar char="•"/>
+              <a:defRPr/>
+            </a:pPr>
+            <a:r>
+              <a:rPr lang="ko-KR" altLang="en-US" sz="5400" b="1" dirty="0">
+                <a:solidFill>
+                  <a:schemeClr val="tx1"/>
+                </a:solidFill>
+                <a:latin typeface="KoPubDotum Bold" panose="02020603020101020101" pitchFamily="18" charset="-127"/>
+                <a:ea typeface="KoPubDotum Bold" panose="02020603020101020101" pitchFamily="18" charset="-127"/>
+                <a:sym typeface="KoPubDotum Medium" panose="02020603020101020101" pitchFamily="18" charset="-127"/>
+              </a:rPr>
+              <a:t>모바일 게임에서의 고객 이탈</a:t>
+            </a:r>
+            <a:endParaRPr lang="en-US" altLang="ko-KR" sz="5400" b="1" dirty="0">
+              <a:solidFill>
+                <a:schemeClr val="tx1"/>
+              </a:solidFill>
+              <a:latin typeface="KoPubDotum Bold" panose="02020603020101020101" pitchFamily="18" charset="-127"/>
+              <a:ea typeface="KoPubDotum Bold" panose="02020603020101020101" pitchFamily="18" charset="-127"/>
+              <a:sym typeface="KoPubDotum Medium" panose="02020603020101020101" pitchFamily="18" charset="-127"/>
+            </a:endParaRPr>
+          </a:p>
+          <a:p>
+            <a:pPr marL="685800" indent="-685800" eaLnBrk="1">
+              <a:buSzPct val="100000"/>
+              <a:buFont typeface="Arial" panose="020B0604020202020204" pitchFamily="34" charset="0"/>
+              <a:buChar char="•"/>
+              <a:defRPr/>
+            </a:pPr>
+            <a:r>
+              <a:rPr lang="ko-KR" altLang="en-US" sz="5400" b="1" dirty="0">
+                <a:solidFill>
+                  <a:schemeClr val="tx1"/>
+                </a:solidFill>
+                <a:latin typeface="KoPubDotum Bold" panose="02020603020101020101" pitchFamily="18" charset="-127"/>
+                <a:ea typeface="KoPubDotum Bold" panose="02020603020101020101" pitchFamily="18" charset="-127"/>
+                <a:sym typeface="KoPubDotum Medium" panose="02020603020101020101" pitchFamily="18" charset="-127"/>
+              </a:rPr>
+              <a:t>이탈 예측 모델링 리서치</a:t>
+            </a:r>
+            <a:endParaRPr lang="en-US" altLang="ko-KR" sz="5400" b="1" dirty="0">
+              <a:solidFill>
+                <a:schemeClr val="tx1"/>
+              </a:solidFill>
+              <a:latin typeface="KoPubDotum Bold" panose="02020603020101020101" pitchFamily="18" charset="-127"/>
+              <a:ea typeface="KoPubDotum Bold" panose="02020603020101020101" pitchFamily="18" charset="-127"/>
+              <a:sym typeface="KoPubDotum Medium" panose="02020603020101020101" pitchFamily="18" charset="-127"/>
+            </a:endParaRPr>
+          </a:p>
+          <a:p>
+            <a:pPr marL="685800" indent="-685800" eaLnBrk="1">
+              <a:buSzPct val="100000"/>
+              <a:buFont typeface="Arial" panose="020B0604020202020204" pitchFamily="34" charset="0"/>
+              <a:buChar char="•"/>
+              <a:defRPr/>
+            </a:pPr>
+            <a:r>
+              <a:rPr lang="ko-KR" altLang="en-US" sz="5400" b="1" dirty="0">
+                <a:solidFill>
+                  <a:schemeClr val="tx1"/>
+                </a:solidFill>
+                <a:latin typeface="KoPubDotum Bold" panose="02020603020101020101" pitchFamily="18" charset="-127"/>
+                <a:ea typeface="KoPubDotum Bold" panose="02020603020101020101" pitchFamily="18" charset="-127"/>
+                <a:sym typeface="KoPubDotum Medium" panose="02020603020101020101" pitchFamily="18" charset="-127"/>
+              </a:rPr>
+              <a:t>데이터 탐색</a:t>
+            </a:r>
+            <a:endParaRPr lang="en-US" altLang="ko-KR" sz="5400" b="1" dirty="0">
+              <a:solidFill>
+                <a:schemeClr val="tx1"/>
+              </a:solidFill>
+              <a:latin typeface="KoPubDotum Bold" panose="02020603020101020101" pitchFamily="18" charset="-127"/>
+              <a:ea typeface="KoPubDotum Bold" panose="02020603020101020101" pitchFamily="18" charset="-127"/>
+              <a:sym typeface="KoPubDotum Medium" panose="02020603020101020101" pitchFamily="18" charset="-127"/>
+            </a:endParaRPr>
+          </a:p>
+          <a:p>
+            <a:pPr marL="685800" indent="-685800" eaLnBrk="1">
+              <a:buSzPct val="100000"/>
+              <a:buFont typeface="Arial" panose="020B0604020202020204" pitchFamily="34" charset="0"/>
+              <a:buChar char="•"/>
+              <a:defRPr/>
+            </a:pPr>
+            <a:r>
+              <a:rPr lang="en-US" altLang="ko-KR" sz="5400" b="1" dirty="0">
+                <a:solidFill>
+                  <a:schemeClr val="tx1"/>
+                </a:solidFill>
+                <a:latin typeface="KoPubDotum Bold" panose="02020603020101020101" pitchFamily="18" charset="-127"/>
+                <a:ea typeface="KoPubDotum Bold" panose="02020603020101020101" pitchFamily="18" charset="-127"/>
+                <a:sym typeface="KoPubDotum Bold" panose="02020603020101020101" pitchFamily="18" charset="-127"/>
+              </a:rPr>
+              <a:t>Azure ML Studio </a:t>
+            </a:r>
+            <a:r>
+              <a:rPr lang="ko-KR" altLang="en-US" sz="5400" b="1" dirty="0">
+                <a:solidFill>
+                  <a:schemeClr val="tx1"/>
+                </a:solidFill>
+                <a:latin typeface="KoPubDotum Bold" panose="02020603020101020101" pitchFamily="18" charset="-127"/>
+                <a:ea typeface="KoPubDotum Bold" panose="02020603020101020101" pitchFamily="18" charset="-127"/>
+                <a:sym typeface="KoPubDotum Bold" panose="02020603020101020101" pitchFamily="18" charset="-127"/>
+              </a:rPr>
+              <a:t>모델링</a:t>
+            </a:r>
+            <a:endParaRPr lang="en-US" altLang="ko-KR" sz="5400" b="1" dirty="0">
+              <a:solidFill>
+                <a:schemeClr val="tx1"/>
+              </a:solidFill>
+              <a:latin typeface="KoPubDotum Bold" panose="02020603020101020101" pitchFamily="18" charset="-127"/>
+              <a:ea typeface="KoPubDotum Bold" panose="02020603020101020101" pitchFamily="18" charset="-127"/>
+              <a:sym typeface="KoPubDotum Bold" panose="02020603020101020101" pitchFamily="18" charset="-127"/>
+            </a:endParaRPr>
+          </a:p>
+          <a:p>
+            <a:pPr marL="685800" indent="-685800" eaLnBrk="1">
+              <a:buSzPct val="100000"/>
+              <a:buFont typeface="Arial" panose="020B0604020202020204" pitchFamily="34" charset="0"/>
+              <a:buChar char="•"/>
+              <a:defRPr/>
+            </a:pPr>
+            <a:r>
+              <a:rPr lang="ko-KR" altLang="en-US" sz="5400" b="1" dirty="0">
+                <a:solidFill>
+                  <a:schemeClr val="tx1"/>
+                </a:solidFill>
+                <a:latin typeface="KoPubDotum Bold" panose="02020603020101020101" pitchFamily="18" charset="-127"/>
+                <a:ea typeface="KoPubDotum Bold" panose="02020603020101020101" pitchFamily="18" charset="-127"/>
+                <a:sym typeface="KoPubDotum Bold" panose="02020603020101020101" pitchFamily="18" charset="-127"/>
+              </a:rPr>
+              <a:t>실제 게임에 적용하기</a:t>
+            </a:r>
+            <a:endParaRPr lang="ko-KR" altLang="ko-KR" sz="5400" b="1" dirty="0">
+              <a:solidFill>
+                <a:schemeClr val="tx1"/>
+              </a:solidFill>
+              <a:latin typeface="KoPubDotum Bold" panose="02020603020101020101" pitchFamily="18" charset="-127"/>
+              <a:ea typeface="KoPubDotum Bold" panose="02020603020101020101" pitchFamily="18" charset="-127"/>
+              <a:sym typeface="KoPubDotum Bold" panose="02020603020101020101" pitchFamily="18" charset="-127"/>
+            </a:endParaRPr>
+          </a:p>
+          <a:p>
+            <a:pPr marL="685800" indent="-685800" eaLnBrk="1">
+              <a:buSzPct val="100000"/>
+              <a:buFont typeface="Arial" panose="020B0604020202020204" pitchFamily="34" charset="0"/>
+              <a:buChar char="•"/>
+              <a:defRPr/>
+            </a:pPr>
+            <a:r>
+              <a:rPr lang="ko-KR" altLang="en-US" sz="5400" b="1" dirty="0">
+                <a:solidFill>
+                  <a:schemeClr val="tx1"/>
+                </a:solidFill>
+                <a:latin typeface="KoPubDotum Bold" panose="02020603020101020101" pitchFamily="18" charset="-127"/>
+                <a:ea typeface="KoPubDotum Bold" panose="02020603020101020101" pitchFamily="18" charset="-127"/>
+                <a:sym typeface="KoPubDotum Bold" panose="02020603020101020101" pitchFamily="18" charset="-127"/>
+              </a:rPr>
+              <a:t>적용 결과</a:t>
+            </a:r>
+            <a:endParaRPr lang="en-US" altLang="ko-KR" sz="5400" b="1" dirty="0">
+              <a:solidFill>
+                <a:schemeClr val="tx1"/>
+              </a:solidFill>
+              <a:latin typeface="KoPubDotum Bold" panose="02020603020101020101" pitchFamily="18" charset="-127"/>
+              <a:ea typeface="KoPubDotum Bold" panose="02020603020101020101" pitchFamily="18" charset="-127"/>
+              <a:sym typeface="KoPubDotum Bold" panose="02020603020101020101" pitchFamily="18" charset="-127"/>
+            </a:endParaRPr>
+          </a:p>
+          <a:p>
+            <a:pPr marL="685800" indent="-685800" eaLnBrk="1">
+              <a:buSzPct val="100000"/>
+              <a:buFont typeface="Arial" panose="020B0604020202020204" pitchFamily="34" charset="0"/>
+              <a:buChar char="•"/>
+              <a:defRPr/>
+            </a:pPr>
+            <a:r>
+              <a:rPr lang="ko-KR" altLang="en-US" sz="5400" b="1" dirty="0">
+                <a:solidFill>
+                  <a:schemeClr val="tx1"/>
+                </a:solidFill>
+                <a:latin typeface="KoPubDotum Bold" panose="02020603020101020101" pitchFamily="18" charset="-127"/>
+                <a:ea typeface="KoPubDotum Bold" panose="02020603020101020101" pitchFamily="18" charset="-127"/>
+                <a:sym typeface="KoPubDotum Bold" panose="02020603020101020101" pitchFamily="18" charset="-127"/>
+              </a:rPr>
+              <a:t>이후 진행 상황</a:t>
+            </a:r>
+            <a:endParaRPr lang="ko-KR" altLang="ko-KR" sz="5400" b="1" dirty="0">
+              <a:solidFill>
+                <a:schemeClr val="tx1"/>
+              </a:solidFill>
+              <a:latin typeface="KoPubDotum Bold" panose="02020603020101020101" pitchFamily="18" charset="-127"/>
+              <a:ea typeface="KoPubDotum Bold" panose="02020603020101020101" pitchFamily="18" charset="-127"/>
+              <a:sym typeface="KoPubDotum Bold" panose="02020603020101020101" pitchFamily="18" charset="-127"/>
+            </a:endParaRPr>
+          </a:p>
+          <a:p>
+            <a:pPr marL="0" indent="0" eaLnBrk="1">
+              <a:buSzPct val="100000"/>
+              <a:defRPr/>
+            </a:pPr>
+            <a:endParaRPr lang="ko-KR" altLang="ko-KR" sz="1050" dirty="0">
+              <a:solidFill>
+                <a:schemeClr val="tx1"/>
+              </a:solidFill>
+              <a:latin typeface="KoPub돋움체 Bold" panose="02020603020101020101" pitchFamily="18" charset="-127"/>
+              <a:ea typeface="KoPub돋움체 Bold" panose="02020603020101020101" pitchFamily="18" charset="-127"/>
+              <a:sym typeface="KoPubDotum Bold" panose="02020603020101020101" pitchFamily="18" charset="-127"/>
+            </a:endParaRPr>
+          </a:p>
+        </p:txBody>
+      </p:sp>
+    </p:spTree>
+  </p:cSld>
+  <p:clrMapOvr>
+    <a:masterClrMapping/>
+  </p:clrMapOvr>
+  <p:transition spd="med"/>
+</p:sld>
+</file>
+
+<file path=ppt/slides/slide30.xml><?xml version="1.0" encoding="utf-8"?>
 <p:sld xmlns:a="http://schemas.openxmlformats.org/drawingml/2006/main" xmlns:r="http://schemas.openxmlformats.org/officeDocument/2006/relationships" xmlns:p="http://schemas.openxmlformats.org/presentationml/2006/main">
   <p:cSld>
     <p:spTree>
@@ -20963,325 +21526,7 @@
 </p:sld>
 </file>
 
-<file path=ppt/slides/slide3.xml><?xml version="1.0" encoding="utf-8"?>
-<p:sld xmlns:a="http://schemas.openxmlformats.org/drawingml/2006/main" xmlns:r="http://schemas.openxmlformats.org/officeDocument/2006/relationships" xmlns:p="http://schemas.openxmlformats.org/presentationml/2006/main">
-  <p:cSld>
-    <p:spTree>
-      <p:nvGrpSpPr>
-        <p:cNvPr id="1" name=""/>
-        <p:cNvGrpSpPr/>
-        <p:nvPr/>
-      </p:nvGrpSpPr>
-      <p:grpSpPr>
-        <a:xfrm>
-          <a:off x="0" y="0"/>
-          <a:ext cx="0" cy="0"/>
-          <a:chOff x="0" y="0"/>
-          <a:chExt cx="0" cy="0"/>
-        </a:xfrm>
-      </p:grpSpPr>
-      <p:pic>
-        <p:nvPicPr>
-          <p:cNvPr id="13314" name="Picture 4" descr="tile_paper_medgray"/>
-          <p:cNvPicPr>
-            <a:picLocks noChangeAspect="1"/>
-          </p:cNvPicPr>
-          <p:nvPr/>
-        </p:nvPicPr>
-        <p:blipFill>
-          <a:blip r:embed="rId3">
-            <a:extLst>
-              <a:ext uri="{28A0092B-C50C-407E-A947-70E740481C1C}">
-                <a14:useLocalDpi xmlns:a14="http://schemas.microsoft.com/office/drawing/2010/main" val="0"/>
-              </a:ext>
-            </a:extLst>
-          </a:blip>
-          <a:srcRect/>
-          <a:stretch>
-            <a:fillRect/>
-          </a:stretch>
-        </p:blipFill>
-        <p:spPr bwMode="auto">
-          <a:xfrm>
-            <a:off x="1457325" y="12433300"/>
-            <a:ext cx="2486025" cy="561975"/>
-          </a:xfrm>
-          <a:prstGeom prst="rect">
-            <a:avLst/>
-          </a:prstGeom>
-          <a:noFill/>
-          <a:ln>
-            <a:noFill/>
-          </a:ln>
-          <a:extLst>
-            <a:ext uri="{909E8E84-426E-40DD-AFC4-6F175D3DCCD1}">
-              <a14:hiddenFill xmlns:a14="http://schemas.microsoft.com/office/drawing/2010/main">
-                <a:blipFill dpi="0" rotWithShape="0">
-                  <a:blip/>
-                  <a:srcRect/>
-                  <a:tile tx="0" ty="0" sx="100000" sy="100000" flip="none" algn="tl"/>
-                </a:blipFill>
-              </a14:hiddenFill>
-            </a:ext>
-            <a:ext uri="{91240B29-F687-4F45-9708-019B960494DF}">
-              <a14:hiddenLine xmlns:a14="http://schemas.microsoft.com/office/drawing/2010/main" w="25400">
-                <a:solidFill>
-                  <a:srgbClr val="000000"/>
-                </a:solidFill>
-                <a:miter lim="0"/>
-                <a:headEnd/>
-                <a:tailEnd/>
-              </a14:hiddenLine>
-            </a:ext>
-          </a:extLst>
-        </p:spPr>
-      </p:pic>
-      <p:pic>
-        <p:nvPicPr>
-          <p:cNvPr id="13315" name="Picture 5"/>
-          <p:cNvPicPr>
-            <a:picLocks noChangeAspect="1"/>
-          </p:cNvPicPr>
-          <p:nvPr/>
-        </p:nvPicPr>
-        <p:blipFill>
-          <a:blip r:embed="rId4">
-            <a:extLst>
-              <a:ext uri="{28A0092B-C50C-407E-A947-70E740481C1C}">
-                <a14:useLocalDpi xmlns:a14="http://schemas.microsoft.com/office/drawing/2010/main" val="0"/>
-              </a:ext>
-            </a:extLst>
-          </a:blip>
-          <a:srcRect/>
-          <a:stretch>
-            <a:fillRect/>
-          </a:stretch>
-        </p:blipFill>
-        <p:spPr bwMode="auto">
-          <a:xfrm>
-            <a:off x="-4763" y="7938"/>
-            <a:ext cx="24388763" cy="13717587"/>
-          </a:xfrm>
-          <a:prstGeom prst="rect">
-            <a:avLst/>
-          </a:prstGeom>
-          <a:noFill/>
-          <a:ln>
-            <a:noFill/>
-          </a:ln>
-          <a:extLst>
-            <a:ext uri="{909E8E84-426E-40DD-AFC4-6F175D3DCCD1}">
-              <a14:hiddenFill xmlns:a14="http://schemas.microsoft.com/office/drawing/2010/main">
-                <a:solidFill>
-                  <a:srgbClr val="FFFFFF"/>
-                </a:solidFill>
-              </a14:hiddenFill>
-            </a:ext>
-            <a:ext uri="{91240B29-F687-4F45-9708-019B960494DF}">
-              <a14:hiddenLine xmlns:a14="http://schemas.microsoft.com/office/drawing/2010/main" w="9525">
-                <a:solidFill>
-                  <a:srgbClr val="000000"/>
-                </a:solidFill>
-                <a:miter lim="800000"/>
-                <a:headEnd/>
-                <a:tailEnd/>
-              </a14:hiddenLine>
-            </a:ext>
-          </a:extLst>
-        </p:spPr>
-      </p:pic>
-      <p:sp>
-        <p:nvSpPr>
-          <p:cNvPr id="7" name="Rectangle 6"/>
-          <p:cNvSpPr/>
-          <p:nvPr/>
-        </p:nvSpPr>
-        <p:spPr bwMode="white">
-          <a:xfrm>
-            <a:off x="-25400" y="0"/>
-            <a:ext cx="24409400" cy="13716000"/>
-          </a:xfrm>
-          <a:prstGeom prst="rect">
-            <a:avLst/>
-          </a:prstGeom>
-          <a:solidFill>
-            <a:srgbClr val="0070C0">
-              <a:alpha val="50000"/>
-            </a:srgbClr>
-          </a:solidFill>
-          <a:ln>
-            <a:noFill/>
-            <a:headEnd type="none" w="med" len="med"/>
-            <a:tailEnd type="none" w="med" len="med"/>
-          </a:ln>
-          <a:effectLst/>
-        </p:spPr>
-        <p:style>
-          <a:lnRef idx="1">
-            <a:schemeClr val="accent2"/>
-          </a:lnRef>
-          <a:fillRef idx="3">
-            <a:schemeClr val="accent2"/>
-          </a:fillRef>
-          <a:effectRef idx="2">
-            <a:schemeClr val="accent2"/>
-          </a:effectRef>
-          <a:fontRef idx="minor">
-            <a:schemeClr val="lt1"/>
-          </a:fontRef>
-        </p:style>
-        <p:txBody>
-          <a:bodyPr lIns="46623" tIns="46623" rIns="46623" bIns="46623" anchor="ctr"/>
-          <a:lstStyle>
-            <a:lvl1pPr defTabSz="931863">
-              <a:defRPr sz="5000">
-                <a:solidFill>
-                  <a:srgbClr val="000000"/>
-                </a:solidFill>
-                <a:latin typeface="Helvetica Light" charset="0"/>
-                <a:ea typeface="Helvetica Light" charset="0"/>
-                <a:cs typeface="Helvetica Light" charset="0"/>
-                <a:sym typeface="Helvetica Light" charset="0"/>
-              </a:defRPr>
-            </a:lvl1pPr>
-            <a:lvl2pPr defTabSz="931863">
-              <a:defRPr sz="5000">
-                <a:solidFill>
-                  <a:srgbClr val="000000"/>
-                </a:solidFill>
-                <a:latin typeface="Helvetica Light" charset="0"/>
-                <a:ea typeface="Helvetica Light" charset="0"/>
-                <a:cs typeface="Helvetica Light" charset="0"/>
-                <a:sym typeface="Helvetica Light" charset="0"/>
-              </a:defRPr>
-            </a:lvl2pPr>
-            <a:lvl3pPr defTabSz="931863">
-              <a:defRPr sz="5000">
-                <a:solidFill>
-                  <a:srgbClr val="000000"/>
-                </a:solidFill>
-                <a:latin typeface="Helvetica Light" charset="0"/>
-                <a:ea typeface="Helvetica Light" charset="0"/>
-                <a:cs typeface="Helvetica Light" charset="0"/>
-                <a:sym typeface="Helvetica Light" charset="0"/>
-              </a:defRPr>
-            </a:lvl3pPr>
-            <a:lvl4pPr defTabSz="931863">
-              <a:defRPr sz="5000">
-                <a:solidFill>
-                  <a:srgbClr val="000000"/>
-                </a:solidFill>
-                <a:latin typeface="Helvetica Light" charset="0"/>
-                <a:ea typeface="Helvetica Light" charset="0"/>
-                <a:cs typeface="Helvetica Light" charset="0"/>
-                <a:sym typeface="Helvetica Light" charset="0"/>
-              </a:defRPr>
-            </a:lvl4pPr>
-            <a:lvl5pPr defTabSz="931863">
-              <a:defRPr sz="5000">
-                <a:solidFill>
-                  <a:srgbClr val="000000"/>
-                </a:solidFill>
-                <a:latin typeface="Helvetica Light" charset="0"/>
-                <a:ea typeface="Helvetica Light" charset="0"/>
-                <a:cs typeface="Helvetica Light" charset="0"/>
-                <a:sym typeface="Helvetica Light" charset="0"/>
-              </a:defRPr>
-            </a:lvl5pPr>
-            <a:lvl6pPr indent="-914400" defTabSz="931863" eaLnBrk="0" fontAlgn="base" hangingPunct="0">
-              <a:spcBef>
-                <a:spcPct val="0"/>
-              </a:spcBef>
-              <a:spcAft>
-                <a:spcPct val="0"/>
-              </a:spcAft>
-              <a:defRPr sz="5000">
-                <a:solidFill>
-                  <a:srgbClr val="000000"/>
-                </a:solidFill>
-                <a:latin typeface="Helvetica Light" charset="0"/>
-                <a:ea typeface="Helvetica Light" charset="0"/>
-                <a:cs typeface="Helvetica Light" charset="0"/>
-                <a:sym typeface="Helvetica Light" charset="0"/>
-              </a:defRPr>
-            </a:lvl6pPr>
-            <a:lvl7pPr indent="-914400" defTabSz="931863" eaLnBrk="0" fontAlgn="base" hangingPunct="0">
-              <a:spcBef>
-                <a:spcPct val="0"/>
-              </a:spcBef>
-              <a:spcAft>
-                <a:spcPct val="0"/>
-              </a:spcAft>
-              <a:defRPr sz="5000">
-                <a:solidFill>
-                  <a:srgbClr val="000000"/>
-                </a:solidFill>
-                <a:latin typeface="Helvetica Light" charset="0"/>
-                <a:ea typeface="Helvetica Light" charset="0"/>
-                <a:cs typeface="Helvetica Light" charset="0"/>
-                <a:sym typeface="Helvetica Light" charset="0"/>
-              </a:defRPr>
-            </a:lvl7pPr>
-            <a:lvl8pPr indent="-914400" defTabSz="931863" eaLnBrk="0" fontAlgn="base" hangingPunct="0">
-              <a:spcBef>
-                <a:spcPct val="0"/>
-              </a:spcBef>
-              <a:spcAft>
-                <a:spcPct val="0"/>
-              </a:spcAft>
-              <a:defRPr sz="5000">
-                <a:solidFill>
-                  <a:srgbClr val="000000"/>
-                </a:solidFill>
-                <a:latin typeface="Helvetica Light" charset="0"/>
-                <a:ea typeface="Helvetica Light" charset="0"/>
-                <a:cs typeface="Helvetica Light" charset="0"/>
-                <a:sym typeface="Helvetica Light" charset="0"/>
-              </a:defRPr>
-            </a:lvl8pPr>
-            <a:lvl9pPr indent="-914400" defTabSz="931863" eaLnBrk="0" fontAlgn="base" hangingPunct="0">
-              <a:spcBef>
-                <a:spcPct val="0"/>
-              </a:spcBef>
-              <a:spcAft>
-                <a:spcPct val="0"/>
-              </a:spcAft>
-              <a:defRPr sz="5000">
-                <a:solidFill>
-                  <a:srgbClr val="000000"/>
-                </a:solidFill>
-                <a:latin typeface="Helvetica Light" charset="0"/>
-                <a:ea typeface="Helvetica Light" charset="0"/>
-                <a:cs typeface="Helvetica Light" charset="0"/>
-                <a:sym typeface="Helvetica Light" charset="0"/>
-              </a:defRPr>
-            </a:lvl9pPr>
-          </a:lstStyle>
-          <a:p>
-            <a:pPr algn="ctr">
-              <a:defRPr/>
-            </a:pPr>
-            <a:endParaRPr lang="en-US" altLang="ko-KR" sz="2200" dirty="0">
-              <a:solidFill>
-                <a:schemeClr val="tx1"/>
-              </a:solidFill>
-              <a:latin typeface="KoPubDotum Bold" panose="02020603020101020101" pitchFamily="18" charset="-127"/>
-              <a:ea typeface="KoPubDotum Bold" panose="02020603020101020101" pitchFamily="18" charset="-127"/>
-              <a:cs typeface="Segoe UI" panose="020B0502040204020203" pitchFamily="34" charset="0"/>
-            </a:endParaRPr>
-          </a:p>
-        </p:txBody>
-      </p:sp>
-    </p:spTree>
-  </p:cSld>
-  <p:clrMapOvr>
-    <a:masterClrMapping/>
-  </p:clrMapOvr>
-  <p:transition spd="med"/>
-</p:sld>
-</file>
-
-<file path=ppt/slides/slide30.xml><?xml version="1.0" encoding="utf-8"?>
+<file path=ppt/slides/slide31.xml><?xml version="1.0" encoding="utf-8"?>
 <p:sld xmlns:a="http://schemas.openxmlformats.org/drawingml/2006/main" xmlns:r="http://schemas.openxmlformats.org/officeDocument/2006/relationships" xmlns:p="http://schemas.openxmlformats.org/presentationml/2006/main">
   <p:cSld>
     <p:spTree>
@@ -22036,7 +22281,7 @@
 </p:sld>
 </file>
 
-<file path=ppt/slides/slide31.xml><?xml version="1.0" encoding="utf-8"?>
+<file path=ppt/slides/slide32.xml><?xml version="1.0" encoding="utf-8"?>
 <p:sld xmlns:a="http://schemas.openxmlformats.org/drawingml/2006/main" xmlns:r="http://schemas.openxmlformats.org/officeDocument/2006/relationships" xmlns:p="http://schemas.openxmlformats.org/presentationml/2006/main">
   <p:cSld>
     <p:spTree>
@@ -22786,7 +23031,7 @@
 </p:sld>
 </file>
 
-<file path=ppt/slides/slide32.xml><?xml version="1.0" encoding="utf-8"?>
+<file path=ppt/slides/slide33.xml><?xml version="1.0" encoding="utf-8"?>
 <p:sld xmlns:a="http://schemas.openxmlformats.org/drawingml/2006/main" xmlns:r="http://schemas.openxmlformats.org/officeDocument/2006/relationships" xmlns:p="http://schemas.openxmlformats.org/presentationml/2006/main">
   <p:cSld>
     <p:spTree>
@@ -23504,7 +23749,7 @@
 </p:sld>
 </file>
 
-<file path=ppt/slides/slide33.xml><?xml version="1.0" encoding="utf-8"?>
+<file path=ppt/slides/slide34.xml><?xml version="1.0" encoding="utf-8"?>
 <p:sld xmlns:a="http://schemas.openxmlformats.org/drawingml/2006/main" xmlns:r="http://schemas.openxmlformats.org/officeDocument/2006/relationships" xmlns:p="http://schemas.openxmlformats.org/presentationml/2006/main">
   <p:cSld>
     <p:spTree>
@@ -24294,7 +24539,7 @@
 </p:sld>
 </file>
 
-<file path=ppt/slides/slide34.xml><?xml version="1.0" encoding="utf-8"?>
+<file path=ppt/slides/slide35.xml><?xml version="1.0" encoding="utf-8"?>
 <p:sld xmlns:a="http://schemas.openxmlformats.org/drawingml/2006/main" xmlns:r="http://schemas.openxmlformats.org/officeDocument/2006/relationships" xmlns:p="http://schemas.openxmlformats.org/presentationml/2006/main">
   <p:cSld>
     <p:spTree>
@@ -25194,6 +25439,324 @@
           <a:chExt cx="0" cy="0"/>
         </a:xfrm>
       </p:grpSpPr>
+      <p:pic>
+        <p:nvPicPr>
+          <p:cNvPr id="13314" name="Picture 4" descr="tile_paper_medgray"/>
+          <p:cNvPicPr>
+            <a:picLocks noChangeAspect="1"/>
+          </p:cNvPicPr>
+          <p:nvPr/>
+        </p:nvPicPr>
+        <p:blipFill>
+          <a:blip r:embed="rId3">
+            <a:extLst>
+              <a:ext uri="{28A0092B-C50C-407E-A947-70E740481C1C}">
+                <a14:useLocalDpi xmlns:a14="http://schemas.microsoft.com/office/drawing/2010/main" val="0"/>
+              </a:ext>
+            </a:extLst>
+          </a:blip>
+          <a:srcRect/>
+          <a:stretch>
+            <a:fillRect/>
+          </a:stretch>
+        </p:blipFill>
+        <p:spPr bwMode="auto">
+          <a:xfrm>
+            <a:off x="1457325" y="12433300"/>
+            <a:ext cx="2486025" cy="561975"/>
+          </a:xfrm>
+          <a:prstGeom prst="rect">
+            <a:avLst/>
+          </a:prstGeom>
+          <a:noFill/>
+          <a:ln>
+            <a:noFill/>
+          </a:ln>
+          <a:extLst>
+            <a:ext uri="{909E8E84-426E-40DD-AFC4-6F175D3DCCD1}">
+              <a14:hiddenFill xmlns:a14="http://schemas.microsoft.com/office/drawing/2010/main">
+                <a:blipFill dpi="0" rotWithShape="0">
+                  <a:blip/>
+                  <a:srcRect/>
+                  <a:tile tx="0" ty="0" sx="100000" sy="100000" flip="none" algn="tl"/>
+                </a:blipFill>
+              </a14:hiddenFill>
+            </a:ext>
+            <a:ext uri="{91240B29-F687-4F45-9708-019B960494DF}">
+              <a14:hiddenLine xmlns:a14="http://schemas.microsoft.com/office/drawing/2010/main" w="25400">
+                <a:solidFill>
+                  <a:srgbClr val="000000"/>
+                </a:solidFill>
+                <a:miter lim="0"/>
+                <a:headEnd/>
+                <a:tailEnd/>
+              </a14:hiddenLine>
+            </a:ext>
+          </a:extLst>
+        </p:spPr>
+      </p:pic>
+      <p:pic>
+        <p:nvPicPr>
+          <p:cNvPr id="13315" name="Picture 5"/>
+          <p:cNvPicPr>
+            <a:picLocks noChangeAspect="1"/>
+          </p:cNvPicPr>
+          <p:nvPr/>
+        </p:nvPicPr>
+        <p:blipFill>
+          <a:blip r:embed="rId4">
+            <a:extLst>
+              <a:ext uri="{28A0092B-C50C-407E-A947-70E740481C1C}">
+                <a14:useLocalDpi xmlns:a14="http://schemas.microsoft.com/office/drawing/2010/main" val="0"/>
+              </a:ext>
+            </a:extLst>
+          </a:blip>
+          <a:srcRect/>
+          <a:stretch>
+            <a:fillRect/>
+          </a:stretch>
+        </p:blipFill>
+        <p:spPr bwMode="auto">
+          <a:xfrm>
+            <a:off x="-4763" y="7938"/>
+            <a:ext cx="24388763" cy="13717587"/>
+          </a:xfrm>
+          <a:prstGeom prst="rect">
+            <a:avLst/>
+          </a:prstGeom>
+          <a:noFill/>
+          <a:ln>
+            <a:noFill/>
+          </a:ln>
+          <a:extLst>
+            <a:ext uri="{909E8E84-426E-40DD-AFC4-6F175D3DCCD1}">
+              <a14:hiddenFill xmlns:a14="http://schemas.microsoft.com/office/drawing/2010/main">
+                <a:solidFill>
+                  <a:srgbClr val="FFFFFF"/>
+                </a:solidFill>
+              </a14:hiddenFill>
+            </a:ext>
+            <a:ext uri="{91240B29-F687-4F45-9708-019B960494DF}">
+              <a14:hiddenLine xmlns:a14="http://schemas.microsoft.com/office/drawing/2010/main" w="9525">
+                <a:solidFill>
+                  <a:srgbClr val="000000"/>
+                </a:solidFill>
+                <a:miter lim="800000"/>
+                <a:headEnd/>
+                <a:tailEnd/>
+              </a14:hiddenLine>
+            </a:ext>
+          </a:extLst>
+        </p:spPr>
+      </p:pic>
+      <p:sp>
+        <p:nvSpPr>
+          <p:cNvPr id="7" name="Rectangle 6"/>
+          <p:cNvSpPr/>
+          <p:nvPr/>
+        </p:nvSpPr>
+        <p:spPr bwMode="white">
+          <a:xfrm>
+            <a:off x="-25400" y="0"/>
+            <a:ext cx="24409400" cy="13716000"/>
+          </a:xfrm>
+          <a:prstGeom prst="rect">
+            <a:avLst/>
+          </a:prstGeom>
+          <a:solidFill>
+            <a:srgbClr val="0070C0">
+              <a:alpha val="50000"/>
+            </a:srgbClr>
+          </a:solidFill>
+          <a:ln>
+            <a:noFill/>
+            <a:headEnd type="none" w="med" len="med"/>
+            <a:tailEnd type="none" w="med" len="med"/>
+          </a:ln>
+          <a:effectLst/>
+        </p:spPr>
+        <p:style>
+          <a:lnRef idx="1">
+            <a:schemeClr val="accent2"/>
+          </a:lnRef>
+          <a:fillRef idx="3">
+            <a:schemeClr val="accent2"/>
+          </a:fillRef>
+          <a:effectRef idx="2">
+            <a:schemeClr val="accent2"/>
+          </a:effectRef>
+          <a:fontRef idx="minor">
+            <a:schemeClr val="lt1"/>
+          </a:fontRef>
+        </p:style>
+        <p:txBody>
+          <a:bodyPr lIns="46623" tIns="46623" rIns="46623" bIns="46623" anchor="ctr"/>
+          <a:lstStyle>
+            <a:lvl1pPr defTabSz="931863">
+              <a:defRPr sz="5000">
+                <a:solidFill>
+                  <a:srgbClr val="000000"/>
+                </a:solidFill>
+                <a:latin typeface="Helvetica Light" charset="0"/>
+                <a:ea typeface="Helvetica Light" charset="0"/>
+                <a:cs typeface="Helvetica Light" charset="0"/>
+                <a:sym typeface="Helvetica Light" charset="0"/>
+              </a:defRPr>
+            </a:lvl1pPr>
+            <a:lvl2pPr defTabSz="931863">
+              <a:defRPr sz="5000">
+                <a:solidFill>
+                  <a:srgbClr val="000000"/>
+                </a:solidFill>
+                <a:latin typeface="Helvetica Light" charset="0"/>
+                <a:ea typeface="Helvetica Light" charset="0"/>
+                <a:cs typeface="Helvetica Light" charset="0"/>
+                <a:sym typeface="Helvetica Light" charset="0"/>
+              </a:defRPr>
+            </a:lvl2pPr>
+            <a:lvl3pPr defTabSz="931863">
+              <a:defRPr sz="5000">
+                <a:solidFill>
+                  <a:srgbClr val="000000"/>
+                </a:solidFill>
+                <a:latin typeface="Helvetica Light" charset="0"/>
+                <a:ea typeface="Helvetica Light" charset="0"/>
+                <a:cs typeface="Helvetica Light" charset="0"/>
+                <a:sym typeface="Helvetica Light" charset="0"/>
+              </a:defRPr>
+            </a:lvl3pPr>
+            <a:lvl4pPr defTabSz="931863">
+              <a:defRPr sz="5000">
+                <a:solidFill>
+                  <a:srgbClr val="000000"/>
+                </a:solidFill>
+                <a:latin typeface="Helvetica Light" charset="0"/>
+                <a:ea typeface="Helvetica Light" charset="0"/>
+                <a:cs typeface="Helvetica Light" charset="0"/>
+                <a:sym typeface="Helvetica Light" charset="0"/>
+              </a:defRPr>
+            </a:lvl4pPr>
+            <a:lvl5pPr defTabSz="931863">
+              <a:defRPr sz="5000">
+                <a:solidFill>
+                  <a:srgbClr val="000000"/>
+                </a:solidFill>
+                <a:latin typeface="Helvetica Light" charset="0"/>
+                <a:ea typeface="Helvetica Light" charset="0"/>
+                <a:cs typeface="Helvetica Light" charset="0"/>
+                <a:sym typeface="Helvetica Light" charset="0"/>
+              </a:defRPr>
+            </a:lvl5pPr>
+            <a:lvl6pPr indent="-914400" defTabSz="931863" eaLnBrk="0" fontAlgn="base" hangingPunct="0">
+              <a:spcBef>
+                <a:spcPct val="0"/>
+              </a:spcBef>
+              <a:spcAft>
+                <a:spcPct val="0"/>
+              </a:spcAft>
+              <a:defRPr sz="5000">
+                <a:solidFill>
+                  <a:srgbClr val="000000"/>
+                </a:solidFill>
+                <a:latin typeface="Helvetica Light" charset="0"/>
+                <a:ea typeface="Helvetica Light" charset="0"/>
+                <a:cs typeface="Helvetica Light" charset="0"/>
+                <a:sym typeface="Helvetica Light" charset="0"/>
+              </a:defRPr>
+            </a:lvl6pPr>
+            <a:lvl7pPr indent="-914400" defTabSz="931863" eaLnBrk="0" fontAlgn="base" hangingPunct="0">
+              <a:spcBef>
+                <a:spcPct val="0"/>
+              </a:spcBef>
+              <a:spcAft>
+                <a:spcPct val="0"/>
+              </a:spcAft>
+              <a:defRPr sz="5000">
+                <a:solidFill>
+                  <a:srgbClr val="000000"/>
+                </a:solidFill>
+                <a:latin typeface="Helvetica Light" charset="0"/>
+                <a:ea typeface="Helvetica Light" charset="0"/>
+                <a:cs typeface="Helvetica Light" charset="0"/>
+                <a:sym typeface="Helvetica Light" charset="0"/>
+              </a:defRPr>
+            </a:lvl7pPr>
+            <a:lvl8pPr indent="-914400" defTabSz="931863" eaLnBrk="0" fontAlgn="base" hangingPunct="0">
+              <a:spcBef>
+                <a:spcPct val="0"/>
+              </a:spcBef>
+              <a:spcAft>
+                <a:spcPct val="0"/>
+              </a:spcAft>
+              <a:defRPr sz="5000">
+                <a:solidFill>
+                  <a:srgbClr val="000000"/>
+                </a:solidFill>
+                <a:latin typeface="Helvetica Light" charset="0"/>
+                <a:ea typeface="Helvetica Light" charset="0"/>
+                <a:cs typeface="Helvetica Light" charset="0"/>
+                <a:sym typeface="Helvetica Light" charset="0"/>
+              </a:defRPr>
+            </a:lvl8pPr>
+            <a:lvl9pPr indent="-914400" defTabSz="931863" eaLnBrk="0" fontAlgn="base" hangingPunct="0">
+              <a:spcBef>
+                <a:spcPct val="0"/>
+              </a:spcBef>
+              <a:spcAft>
+                <a:spcPct val="0"/>
+              </a:spcAft>
+              <a:defRPr sz="5000">
+                <a:solidFill>
+                  <a:srgbClr val="000000"/>
+                </a:solidFill>
+                <a:latin typeface="Helvetica Light" charset="0"/>
+                <a:ea typeface="Helvetica Light" charset="0"/>
+                <a:cs typeface="Helvetica Light" charset="0"/>
+                <a:sym typeface="Helvetica Light" charset="0"/>
+              </a:defRPr>
+            </a:lvl9pPr>
+          </a:lstStyle>
+          <a:p>
+            <a:pPr algn="ctr">
+              <a:defRPr/>
+            </a:pPr>
+            <a:endParaRPr lang="en-US" altLang="ko-KR" sz="2200" dirty="0">
+              <a:solidFill>
+                <a:schemeClr val="tx1"/>
+              </a:solidFill>
+              <a:latin typeface="KoPubDotum Bold" panose="02020603020101020101" pitchFamily="18" charset="-127"/>
+              <a:ea typeface="KoPubDotum Bold" panose="02020603020101020101" pitchFamily="18" charset="-127"/>
+              <a:cs typeface="Segoe UI" panose="020B0502040204020203" pitchFamily="34" charset="0"/>
+            </a:endParaRPr>
+          </a:p>
+        </p:txBody>
+      </p:sp>
+    </p:spTree>
+  </p:cSld>
+  <p:clrMapOvr>
+    <a:masterClrMapping/>
+  </p:clrMapOvr>
+  <p:transition spd="med"/>
+</p:sld>
+</file>
+
+<file path=ppt/slides/slide5.xml><?xml version="1.0" encoding="utf-8"?>
+<p:sld xmlns:a="http://schemas.openxmlformats.org/drawingml/2006/main" xmlns:r="http://schemas.openxmlformats.org/officeDocument/2006/relationships" xmlns:p="http://schemas.openxmlformats.org/presentationml/2006/main">
+  <p:cSld>
+    <p:spTree>
+      <p:nvGrpSpPr>
+        <p:cNvPr id="1" name=""/>
+        <p:cNvGrpSpPr/>
+        <p:nvPr/>
+      </p:nvGrpSpPr>
+      <p:grpSpPr>
+        <a:xfrm>
+          <a:off x="0" y="0"/>
+          <a:ext cx="0" cy="0"/>
+          <a:chOff x="0" y="0"/>
+          <a:chExt cx="0" cy="0"/>
+        </a:xfrm>
+      </p:grpSpPr>
       <p:sp>
         <p:nvSpPr>
           <p:cNvPr id="15362" name="Title 1"/>
@@ -25579,7 +26142,7 @@
 </p:sld>
 </file>
 
-<file path=ppt/slides/slide5.xml><?xml version="1.0" encoding="utf-8"?>
+<file path=ppt/slides/slide6.xml><?xml version="1.0" encoding="utf-8"?>
 <p:sld xmlns:a="http://schemas.openxmlformats.org/drawingml/2006/main" xmlns:r="http://schemas.openxmlformats.org/officeDocument/2006/relationships" xmlns:p="http://schemas.openxmlformats.org/presentationml/2006/main">
   <p:cSld>
     <p:spTree>
@@ -25718,7 +26281,7 @@
 </p:sld>
 </file>
 
-<file path=ppt/slides/slide6.xml><?xml version="1.0" encoding="utf-8"?>
+<file path=ppt/slides/slide7.xml><?xml version="1.0" encoding="utf-8"?>
 <p:sld xmlns:a="http://schemas.openxmlformats.org/drawingml/2006/main" xmlns:r="http://schemas.openxmlformats.org/officeDocument/2006/relationships" xmlns:p="http://schemas.openxmlformats.org/presentationml/2006/main">
   <p:cSld>
     <p:spTree>
@@ -25828,7 +26391,7 @@
 </p:sld>
 </file>
 
-<file path=ppt/slides/slide7.xml><?xml version="1.0" encoding="utf-8"?>
+<file path=ppt/slides/slide8.xml><?xml version="1.0" encoding="utf-8"?>
 <p:sld xmlns:a="http://schemas.openxmlformats.org/drawingml/2006/main" xmlns:r="http://schemas.openxmlformats.org/officeDocument/2006/relationships" xmlns:p="http://schemas.openxmlformats.org/presentationml/2006/main">
   <p:cSld>
     <p:spTree>
@@ -26337,7 +26900,7 @@
 </p:sld>
 </file>
 
-<file path=ppt/slides/slide8.xml><?xml version="1.0" encoding="utf-8"?>
+<file path=ppt/slides/slide9.xml><?xml version="1.0" encoding="utf-8"?>
 <p:sld xmlns:a="http://schemas.openxmlformats.org/drawingml/2006/main" xmlns:r="http://schemas.openxmlformats.org/officeDocument/2006/relationships" xmlns:p="http://schemas.openxmlformats.org/presentationml/2006/main">
   <p:cSld>
     <p:spTree>
@@ -26474,365 +27037,6 @@
             <a:endParaRPr lang="en-GB" sz="7467" b="1" dirty="0">
               <a:latin typeface="KoPubDotum Medium"/>
               <a:ea typeface="나눔고딕" panose="020D0604000000000000" pitchFamily="50" charset="-127"/>
-            </a:endParaRPr>
-          </a:p>
-        </p:txBody>
-      </p:sp>
-    </p:spTree>
-  </p:cSld>
-  <p:clrMapOvr>
-    <a:masterClrMapping/>
-  </p:clrMapOvr>
-  <p:transition spd="slow">
-    <p:wipe/>
-  </p:transition>
-</p:sld>
-</file>
-
-<file path=ppt/slides/slide9.xml><?xml version="1.0" encoding="utf-8"?>
-<p:sld xmlns:a="http://schemas.openxmlformats.org/drawingml/2006/main" xmlns:r="http://schemas.openxmlformats.org/officeDocument/2006/relationships" xmlns:p="http://schemas.openxmlformats.org/presentationml/2006/main">
-  <p:cSld>
-    <p:spTree>
-      <p:nvGrpSpPr>
-        <p:cNvPr id="1" name=""/>
-        <p:cNvGrpSpPr/>
-        <p:nvPr/>
-      </p:nvGrpSpPr>
-      <p:grpSpPr>
-        <a:xfrm>
-          <a:off x="0" y="0"/>
-          <a:ext cx="0" cy="0"/>
-          <a:chOff x="0" y="0"/>
-          <a:chExt cx="0" cy="0"/>
-        </a:xfrm>
-      </p:grpSpPr>
-      <p:sp>
-        <p:nvSpPr>
-          <p:cNvPr id="19458" name="Title 1"/>
-          <p:cNvSpPr>
-            <a:spLocks noGrp="1"/>
-          </p:cNvSpPr>
-          <p:nvPr>
-            <p:ph type="title"/>
-          </p:nvPr>
-        </p:nvSpPr>
-        <p:spPr>
-          <a:xfrm>
-            <a:off x="4800600" y="3783013"/>
-            <a:ext cx="14782800" cy="5375275"/>
-          </a:xfrm>
-        </p:spPr>
-        <p:txBody>
-          <a:bodyPr/>
-          <a:lstStyle/>
-          <a:p>
-            <a:endParaRPr lang="ko-KR" altLang="en-US">
-              <a:latin typeface="KoPubDotum Medium" panose="02020603020101020101" pitchFamily="18" charset="-127"/>
-              <a:ea typeface="KoPubDotum Medium" panose="02020603020101020101" pitchFamily="18" charset="-127"/>
-            </a:endParaRPr>
-          </a:p>
-        </p:txBody>
-      </p:sp>
-      <p:pic>
-        <p:nvPicPr>
-          <p:cNvPr id="19459" name="Picture 2"/>
-          <p:cNvPicPr>
-            <a:picLocks noChangeAspect="1"/>
-          </p:cNvPicPr>
-          <p:nvPr/>
-        </p:nvPicPr>
-        <p:blipFill>
-          <a:blip r:embed="rId3">
-            <a:extLst>
-              <a:ext uri="{28A0092B-C50C-407E-A947-70E740481C1C}">
-                <a14:useLocalDpi xmlns:a14="http://schemas.microsoft.com/office/drawing/2010/main" val="0"/>
-              </a:ext>
-            </a:extLst>
-          </a:blip>
-          <a:srcRect/>
-          <a:stretch>
-            <a:fillRect/>
-          </a:stretch>
-        </p:blipFill>
-        <p:spPr bwMode="auto">
-          <a:xfrm>
-            <a:off x="1201738" y="1588"/>
-            <a:ext cx="21980525" cy="13712825"/>
-          </a:xfrm>
-          <a:prstGeom prst="rect">
-            <a:avLst/>
-          </a:prstGeom>
-          <a:noFill/>
-          <a:ln>
-            <a:noFill/>
-          </a:ln>
-          <a:extLst>
-            <a:ext uri="{909E8E84-426E-40DD-AFC4-6F175D3DCCD1}">
-              <a14:hiddenFill xmlns:a14="http://schemas.microsoft.com/office/drawing/2010/main">
-                <a:solidFill>
-                  <a:srgbClr val="FFFFFF"/>
-                </a:solidFill>
-              </a14:hiddenFill>
-            </a:ext>
-            <a:ext uri="{91240B29-F687-4F45-9708-019B960494DF}">
-              <a14:hiddenLine xmlns:a14="http://schemas.microsoft.com/office/drawing/2010/main" w="9525">
-                <a:solidFill>
-                  <a:srgbClr val="000000"/>
-                </a:solidFill>
-                <a:miter lim="800000"/>
-                <a:headEnd/>
-                <a:tailEnd/>
-              </a14:hiddenLine>
-            </a:ext>
-          </a:extLst>
-        </p:spPr>
-      </p:pic>
-      <p:sp>
-        <p:nvSpPr>
-          <p:cNvPr id="19460" name="TextBox 3"/>
-          <p:cNvSpPr txBox="1">
-            <a:spLocks noChangeArrowheads="1"/>
-          </p:cNvSpPr>
-          <p:nvPr/>
-        </p:nvSpPr>
-        <p:spPr bwMode="auto">
-          <a:xfrm>
-            <a:off x="481013" y="12666663"/>
-            <a:ext cx="4945062" cy="501650"/>
-          </a:xfrm>
-          <a:prstGeom prst="rect">
-            <a:avLst/>
-          </a:prstGeom>
-          <a:noFill/>
-          <a:ln>
-            <a:noFill/>
-          </a:ln>
-          <a:extLst>
-            <a:ext uri="{909E8E84-426E-40DD-AFC4-6F175D3DCCD1}">
-              <a14:hiddenFill xmlns:a14="http://schemas.microsoft.com/office/drawing/2010/main">
-                <a:solidFill>
-                  <a:srgbClr val="FFFFFF"/>
-                </a:solidFill>
-              </a14:hiddenFill>
-            </a:ext>
-            <a:ext uri="{91240B29-F687-4F45-9708-019B960494DF}">
-              <a14:hiddenLine xmlns:a14="http://schemas.microsoft.com/office/drawing/2010/main" w="9525">
-                <a:solidFill>
-                  <a:srgbClr val="000000"/>
-                </a:solidFill>
-                <a:miter lim="800000"/>
-                <a:headEnd/>
-                <a:tailEnd/>
-              </a14:hiddenLine>
-            </a:ext>
-          </a:extLst>
-        </p:spPr>
-        <p:txBody>
-          <a:bodyPr wrap="none">
-            <a:spAutoFit/>
-          </a:bodyPr>
-          <a:lstStyle/>
-          <a:p>
-            <a:r>
-              <a:rPr lang="ko-KR" altLang="en-US" sz="2600">
-                <a:latin typeface="KoPubDotum Medium" panose="02020603020101020101" pitchFamily="18" charset="-127"/>
-                <a:ea typeface="KoPubDotum Medium" panose="02020603020101020101" pitchFamily="18" charset="-127"/>
-              </a:rPr>
-              <a:t>출처 </a:t>
-            </a:r>
-            <a:r>
-              <a:rPr lang="en-US" altLang="ko-KR" sz="2600">
-                <a:latin typeface="KoPubDotum Medium" panose="02020603020101020101" pitchFamily="18" charset="-127"/>
-                <a:ea typeface="KoPubDotum Medium" panose="02020603020101020101" pitchFamily="18" charset="-127"/>
-              </a:rPr>
-              <a:t>: </a:t>
-            </a:r>
-            <a:r>
-              <a:rPr lang="ko-KR" altLang="en-US" sz="2600">
-                <a:latin typeface="KoPubDotum Medium" panose="02020603020101020101" pitchFamily="18" charset="-127"/>
-                <a:ea typeface="KoPubDotum Medium" panose="02020603020101020101" pitchFamily="18" charset="-127"/>
-              </a:rPr>
-              <a:t>디에스이트레이드 이성희</a:t>
-            </a:r>
-          </a:p>
-        </p:txBody>
-      </p:sp>
-      <p:sp>
-        <p:nvSpPr>
-          <p:cNvPr id="5" name="Rectangle 4"/>
-          <p:cNvSpPr/>
-          <p:nvPr/>
-        </p:nvSpPr>
-        <p:spPr bwMode="auto">
-          <a:xfrm>
-            <a:off x="481013" y="1181100"/>
-            <a:ext cx="4987925" cy="895350"/>
-          </a:xfrm>
-          <a:prstGeom prst="rect">
-            <a:avLst/>
-          </a:prstGeom>
-          <a:solidFill>
-            <a:schemeClr val="bg1"/>
-          </a:solidFill>
-          <a:ln>
-            <a:noFill/>
-            <a:headEnd type="none" w="med" len="med"/>
-            <a:tailEnd type="none" w="med" len="med"/>
-          </a:ln>
-        </p:spPr>
-        <p:style>
-          <a:lnRef idx="2">
-            <a:schemeClr val="accent1">
-              <a:shade val="50000"/>
-            </a:schemeClr>
-          </a:lnRef>
-          <a:fillRef idx="1">
-            <a:schemeClr val="accent1"/>
-          </a:fillRef>
-          <a:effectRef idx="0">
-            <a:schemeClr val="accent1"/>
-          </a:effectRef>
-          <a:fontRef idx="minor">
-            <a:schemeClr val="lt1"/>
-          </a:fontRef>
-        </p:style>
-        <p:txBody>
-          <a:bodyPr lIns="0" tIns="91440" rIns="0" bIns="91440" anchor="ctr"/>
-          <a:lstStyle>
-            <a:lvl1pPr defTabSz="1827213">
-              <a:defRPr sz="5000">
-                <a:solidFill>
-                  <a:srgbClr val="000000"/>
-                </a:solidFill>
-                <a:latin typeface="Helvetica Light" charset="0"/>
-                <a:ea typeface="Helvetica Light" charset="0"/>
-                <a:cs typeface="Helvetica Light" charset="0"/>
-                <a:sym typeface="Helvetica Light" charset="0"/>
-              </a:defRPr>
-            </a:lvl1pPr>
-            <a:lvl2pPr defTabSz="1827213">
-              <a:defRPr sz="5000">
-                <a:solidFill>
-                  <a:srgbClr val="000000"/>
-                </a:solidFill>
-                <a:latin typeface="Helvetica Light" charset="0"/>
-                <a:ea typeface="Helvetica Light" charset="0"/>
-                <a:cs typeface="Helvetica Light" charset="0"/>
-                <a:sym typeface="Helvetica Light" charset="0"/>
-              </a:defRPr>
-            </a:lvl2pPr>
-            <a:lvl3pPr defTabSz="1827213">
-              <a:defRPr sz="5000">
-                <a:solidFill>
-                  <a:srgbClr val="000000"/>
-                </a:solidFill>
-                <a:latin typeface="Helvetica Light" charset="0"/>
-                <a:ea typeface="Helvetica Light" charset="0"/>
-                <a:cs typeface="Helvetica Light" charset="0"/>
-                <a:sym typeface="Helvetica Light" charset="0"/>
-              </a:defRPr>
-            </a:lvl3pPr>
-            <a:lvl4pPr defTabSz="1827213">
-              <a:defRPr sz="5000">
-                <a:solidFill>
-                  <a:srgbClr val="000000"/>
-                </a:solidFill>
-                <a:latin typeface="Helvetica Light" charset="0"/>
-                <a:ea typeface="Helvetica Light" charset="0"/>
-                <a:cs typeface="Helvetica Light" charset="0"/>
-                <a:sym typeface="Helvetica Light" charset="0"/>
-              </a:defRPr>
-            </a:lvl4pPr>
-            <a:lvl5pPr defTabSz="1827213">
-              <a:defRPr sz="5000">
-                <a:solidFill>
-                  <a:srgbClr val="000000"/>
-                </a:solidFill>
-                <a:latin typeface="Helvetica Light" charset="0"/>
-                <a:ea typeface="Helvetica Light" charset="0"/>
-                <a:cs typeface="Helvetica Light" charset="0"/>
-                <a:sym typeface="Helvetica Light" charset="0"/>
-              </a:defRPr>
-            </a:lvl5pPr>
-            <a:lvl6pPr indent="-914400" defTabSz="1827213" eaLnBrk="0" fontAlgn="base" hangingPunct="0">
-              <a:spcBef>
-                <a:spcPct val="0"/>
-              </a:spcBef>
-              <a:spcAft>
-                <a:spcPct val="0"/>
-              </a:spcAft>
-              <a:defRPr sz="5000">
-                <a:solidFill>
-                  <a:srgbClr val="000000"/>
-                </a:solidFill>
-                <a:latin typeface="Helvetica Light" charset="0"/>
-                <a:ea typeface="Helvetica Light" charset="0"/>
-                <a:cs typeface="Helvetica Light" charset="0"/>
-                <a:sym typeface="Helvetica Light" charset="0"/>
-              </a:defRPr>
-            </a:lvl6pPr>
-            <a:lvl7pPr indent="-914400" defTabSz="1827213" eaLnBrk="0" fontAlgn="base" hangingPunct="0">
-              <a:spcBef>
-                <a:spcPct val="0"/>
-              </a:spcBef>
-              <a:spcAft>
-                <a:spcPct val="0"/>
-              </a:spcAft>
-              <a:defRPr sz="5000">
-                <a:solidFill>
-                  <a:srgbClr val="000000"/>
-                </a:solidFill>
-                <a:latin typeface="Helvetica Light" charset="0"/>
-                <a:ea typeface="Helvetica Light" charset="0"/>
-                <a:cs typeface="Helvetica Light" charset="0"/>
-                <a:sym typeface="Helvetica Light" charset="0"/>
-              </a:defRPr>
-            </a:lvl7pPr>
-            <a:lvl8pPr indent="-914400" defTabSz="1827213" eaLnBrk="0" fontAlgn="base" hangingPunct="0">
-              <a:spcBef>
-                <a:spcPct val="0"/>
-              </a:spcBef>
-              <a:spcAft>
-                <a:spcPct val="0"/>
-              </a:spcAft>
-              <a:defRPr sz="5000">
-                <a:solidFill>
-                  <a:srgbClr val="000000"/>
-                </a:solidFill>
-                <a:latin typeface="Helvetica Light" charset="0"/>
-                <a:ea typeface="Helvetica Light" charset="0"/>
-                <a:cs typeface="Helvetica Light" charset="0"/>
-                <a:sym typeface="Helvetica Light" charset="0"/>
-              </a:defRPr>
-            </a:lvl8pPr>
-            <a:lvl9pPr indent="-914400" defTabSz="1827213" eaLnBrk="0" fontAlgn="base" hangingPunct="0">
-              <a:spcBef>
-                <a:spcPct val="0"/>
-              </a:spcBef>
-              <a:spcAft>
-                <a:spcPct val="0"/>
-              </a:spcAft>
-              <a:defRPr sz="5000">
-                <a:solidFill>
-                  <a:srgbClr val="000000"/>
-                </a:solidFill>
-                <a:latin typeface="Helvetica Light" charset="0"/>
-                <a:ea typeface="Helvetica Light" charset="0"/>
-                <a:cs typeface="Helvetica Light" charset="0"/>
-                <a:sym typeface="Helvetica Light" charset="0"/>
-              </a:defRPr>
-            </a:lvl9pPr>
-          </a:lstStyle>
-          <a:p>
-            <a:pPr algn="ctr">
-              <a:defRPr/>
-            </a:pPr>
-            <a:endParaRPr lang="ko-KR" altLang="en-US" sz="3900">
-              <a:solidFill>
-                <a:schemeClr val="tx1"/>
-              </a:solidFill>
-              <a:latin typeface="KoPubDotum Medium" panose="02020603020101020101" pitchFamily="18" charset="-127"/>
-              <a:ea typeface="KoPubDotum Medium" panose="02020603020101020101" pitchFamily="18" charset="-127"/>
             </a:endParaRPr>
           </a:p>
         </p:txBody>
